--- a/續保作業.pptx
+++ b/續保作業.pptx
@@ -5,22 +5,28 @@
     <p:sldMasterId id="2147483660" r:id="rId1"/>
   </p:sldMasterIdLst>
   <p:notesMasterIdLst>
-    <p:notesMasterId r:id="rId15"/>
+    <p:notesMasterId r:id="rId21"/>
   </p:notesMasterIdLst>
   <p:sldIdLst>
     <p:sldId id="256" r:id="rId2"/>
     <p:sldId id="257" r:id="rId3"/>
     <p:sldId id="258" r:id="rId4"/>
     <p:sldId id="259" r:id="rId5"/>
-    <p:sldId id="269" r:id="rId6"/>
-    <p:sldId id="261" r:id="rId7"/>
-    <p:sldId id="263" r:id="rId8"/>
-    <p:sldId id="264" r:id="rId9"/>
-    <p:sldId id="265" r:id="rId10"/>
-    <p:sldId id="266" r:id="rId11"/>
-    <p:sldId id="267" r:id="rId12"/>
-    <p:sldId id="268" r:id="rId13"/>
-    <p:sldId id="262" r:id="rId14"/>
+    <p:sldId id="270" r:id="rId6"/>
+    <p:sldId id="271" r:id="rId7"/>
+    <p:sldId id="274" r:id="rId8"/>
+    <p:sldId id="275" r:id="rId9"/>
+    <p:sldId id="272" r:id="rId10"/>
+    <p:sldId id="273" r:id="rId11"/>
+    <p:sldId id="269" r:id="rId12"/>
+    <p:sldId id="261" r:id="rId13"/>
+    <p:sldId id="263" r:id="rId14"/>
+    <p:sldId id="264" r:id="rId15"/>
+    <p:sldId id="265" r:id="rId16"/>
+    <p:sldId id="266" r:id="rId17"/>
+    <p:sldId id="267" r:id="rId18"/>
+    <p:sldId id="268" r:id="rId19"/>
+    <p:sldId id="262" r:id="rId20"/>
   </p:sldIdLst>
   <p:sldSz cx="9144000" cy="6858000" type="screen4x3"/>
   <p:notesSz cx="6858000" cy="9144000"/>
@@ -119,6 +125,22 @@
       </a:defRPr>
     </a:lvl9pPr>
   </p:defaultTextStyle>
+  <p:extLst>
+    <p:ext uri="{EFAFB233-063F-42B5-8137-9DF3F51BA10A}">
+      <p15:sldGuideLst xmlns:p15="http://schemas.microsoft.com/office/powerpoint/2012/main">
+        <p15:guide id="1" orient="horz" pos="2160">
+          <p15:clr>
+            <a:srgbClr val="A4A3A4"/>
+          </p15:clr>
+        </p15:guide>
+        <p15:guide id="2" pos="2880">
+          <p15:clr>
+            <a:srgbClr val="A4A3A4"/>
+          </p15:clr>
+        </p15:guide>
+      </p15:sldGuideLst>
+    </p:ext>
+  </p:extLst>
 </p:presentation>
 </file>
 
@@ -204,7 +226,7 @@
           <a:p>
             <a:fld id="{382CA1EF-6A43-4E29-9DEF-ED5ECCF99580}" type="datetimeFigureOut">
               <a:rPr lang="zh-TW" altLang="en-US" smtClean="0"/>
-              <a:t>2017/5/31</a:t>
+              <a:t>2017/11/28</a:t>
             </a:fld>
             <a:endParaRPr lang="zh-TW" altLang="en-US"/>
           </a:p>
@@ -268,38 +290,37 @@
           <a:p>
             <a:pPr lvl="0"/>
             <a:r>
-              <a:rPr lang="zh-TW" altLang="en-US" smtClean="0"/>
+              <a:rPr lang="zh-TW" altLang="en-US"/>
               <a:t>按一下以編輯母片文字樣式</a:t>
             </a:r>
           </a:p>
           <a:p>
             <a:pPr lvl="1"/>
             <a:r>
-              <a:rPr lang="zh-TW" altLang="en-US" smtClean="0"/>
+              <a:rPr lang="zh-TW" altLang="en-US"/>
               <a:t>第二層</a:t>
             </a:r>
           </a:p>
           <a:p>
             <a:pPr lvl="2"/>
             <a:r>
-              <a:rPr lang="zh-TW" altLang="en-US" smtClean="0"/>
+              <a:rPr lang="zh-TW" altLang="en-US"/>
               <a:t>第三層</a:t>
             </a:r>
           </a:p>
           <a:p>
             <a:pPr lvl="3"/>
             <a:r>
-              <a:rPr lang="zh-TW" altLang="en-US" smtClean="0"/>
+              <a:rPr lang="zh-TW" altLang="en-US"/>
               <a:t>第四層</a:t>
             </a:r>
           </a:p>
           <a:p>
             <a:pPr lvl="4"/>
             <a:r>
-              <a:rPr lang="zh-TW" altLang="en-US" smtClean="0"/>
+              <a:rPr lang="zh-TW" altLang="en-US"/>
               <a:t>第五層</a:t>
             </a:r>
-            <a:endParaRPr lang="zh-TW" altLang="en-US"/>
           </a:p>
         </p:txBody>
       </p:sp>
@@ -517,7 +538,7 @@
           <a:lstStyle/>
           <a:p>
             <a:r>
-              <a:rPr lang="en-US" altLang="zh-TW" sz="1200" kern="1200" dirty="0" smtClean="0">
+              <a:rPr lang="en-US" altLang="zh-TW" sz="1200" kern="1200" dirty="0">
                 <a:solidFill>
                   <a:schemeClr val="tx1"/>
                 </a:solidFill>
@@ -528,7 +549,7 @@
               <a:t>pk_nb_nb571ms2</a:t>
             </a:r>
             <a:br>
-              <a:rPr lang="en-US" altLang="zh-TW" sz="1200" kern="1200" dirty="0" smtClean="0">
+              <a:rPr lang="en-US" altLang="zh-TW" sz="1200" kern="1200" dirty="0">
                 <a:solidFill>
                   <a:schemeClr val="tx1"/>
                 </a:solidFill>
@@ -538,54 +559,54 @@
               </a:rPr>
             </a:br>
             <a:r>
-              <a:rPr lang="zh-TW" altLang="en-US" dirty="0" smtClean="0"/>
+              <a:rPr lang="zh-TW" altLang="en-US" dirty="0"/>
               <a:t>網投定壽續保條件</a:t>
             </a:r>
             <a:r>
-              <a:rPr lang="en-US" altLang="zh-TW" dirty="0" smtClean="0"/>
+              <a:rPr lang="en-US" altLang="zh-TW" dirty="0"/>
               <a:t>,</a:t>
             </a:r>
             <a:r>
-              <a:rPr lang="zh-TW" altLang="en-US" dirty="0" smtClean="0"/>
+              <a:rPr lang="zh-TW" altLang="en-US" dirty="0"/>
               <a:t> </a:t>
             </a:r>
             <a:r>
-              <a:rPr lang="en-US" altLang="zh-TW" dirty="0" smtClean="0"/>
+              <a:rPr lang="en-US" altLang="zh-TW" dirty="0"/>
               <a:t>3</a:t>
             </a:r>
             <a:r>
-              <a:rPr lang="zh-TW" altLang="en-US" dirty="0" smtClean="0"/>
+              <a:rPr lang="zh-TW" altLang="en-US" dirty="0"/>
               <a:t>天</a:t>
             </a:r>
             <a:r>
-              <a:rPr lang="en-US" altLang="zh-TW" dirty="0" smtClean="0"/>
+              <a:rPr lang="en-US" altLang="zh-TW" dirty="0"/>
               <a:t>, 7</a:t>
             </a:r>
             <a:r>
-              <a:rPr lang="zh-TW" altLang="en-US" dirty="0" smtClean="0"/>
+              <a:rPr lang="zh-TW" altLang="en-US" dirty="0"/>
               <a:t>天</a:t>
             </a:r>
             <a:r>
-              <a:rPr lang="en-US" altLang="zh-TW" dirty="0" smtClean="0"/>
+              <a:rPr lang="en-US" altLang="zh-TW" dirty="0"/>
               <a:t>,</a:t>
             </a:r>
             <a:r>
-              <a:rPr lang="zh-TW" altLang="en-US" dirty="0" smtClean="0"/>
+              <a:rPr lang="zh-TW" altLang="en-US" dirty="0"/>
               <a:t> </a:t>
             </a:r>
             <a:r>
-              <a:rPr lang="en-US" altLang="zh-TW" dirty="0" smtClean="0"/>
+              <a:rPr lang="en-US" altLang="zh-TW" dirty="0"/>
               <a:t>30</a:t>
             </a:r>
             <a:r>
-              <a:rPr lang="zh-TW" altLang="en-US" dirty="0" smtClean="0"/>
+              <a:rPr lang="zh-TW" altLang="en-US" dirty="0"/>
               <a:t>天</a:t>
             </a:r>
-            <a:endParaRPr lang="en-US" altLang="zh-TW" dirty="0" smtClean="0"/>
-          </a:p>
-          <a:p>
-            <a:r>
-              <a:rPr lang="zh-TW" altLang="zh-TW" sz="1200" kern="1200" dirty="0" smtClean="0">
+            <a:endParaRPr lang="en-US" altLang="zh-TW" dirty="0"/>
+          </a:p>
+          <a:p>
+            <a:r>
+              <a:rPr lang="zh-TW" altLang="zh-TW" sz="1200" kern="1200" dirty="0">
                 <a:solidFill>
                   <a:schemeClr val="tx1"/>
                 </a:solidFill>
@@ -597,7 +618,7 @@
               <a:t>補辦檢核</a:t>
             </a:r>
             <a:r>
-              <a:rPr lang="zh-TW" altLang="en-US" sz="1200" kern="1200" dirty="0" smtClean="0">
+              <a:rPr lang="zh-TW" altLang="en-US" sz="1200" kern="1200" dirty="0">
                 <a:solidFill>
                   <a:schemeClr val="tx1"/>
                 </a:solidFill>
@@ -608,7 +629,7 @@
               </a:rPr>
               <a:t>：</a:t>
             </a:r>
-            <a:endParaRPr lang="en-US" altLang="zh-TW" sz="1200" kern="1200" dirty="0" smtClean="0">
+            <a:endParaRPr lang="en-US" altLang="zh-TW" sz="1200" kern="1200" dirty="0">
               <a:solidFill>
                 <a:schemeClr val="tx1"/>
               </a:solidFill>
@@ -620,7 +641,7 @@
           </a:p>
           <a:p>
             <a:r>
-              <a:rPr lang="en-US" altLang="zh-TW" sz="1200" kern="1200" dirty="0" smtClean="0">
+              <a:rPr lang="en-US" altLang="zh-TW" sz="1200" kern="1200" dirty="0">
                 <a:solidFill>
                   <a:schemeClr val="tx1"/>
                 </a:solidFill>
@@ -632,7 +653,7 @@
               <a:t>1.</a:t>
             </a:r>
             <a:r>
-              <a:rPr lang="zh-TW" altLang="zh-TW" sz="1200" kern="1200" dirty="0" smtClean="0">
+              <a:rPr lang="zh-TW" altLang="zh-TW" sz="1200" kern="1200" dirty="0">
                 <a:solidFill>
                   <a:schemeClr val="tx1"/>
                 </a:solidFill>
@@ -643,7 +664,7 @@
               </a:rPr>
               <a:t>本件超過續保年齡，不受理</a:t>
             </a:r>
-            <a:endParaRPr lang="en-US" altLang="zh-TW" sz="1200" kern="1200" dirty="0" smtClean="0">
+            <a:endParaRPr lang="en-US" altLang="zh-TW" sz="1200" kern="1200" dirty="0">
               <a:solidFill>
                 <a:schemeClr val="tx1"/>
               </a:solidFill>
@@ -655,7 +676,7 @@
           </a:p>
           <a:p>
             <a:r>
-              <a:rPr lang="en-US" altLang="zh-TW" sz="1200" kern="1200" dirty="0" smtClean="0">
+              <a:rPr lang="en-US" altLang="zh-TW" sz="1200" kern="1200" dirty="0">
                 <a:solidFill>
                   <a:schemeClr val="tx1"/>
                 </a:solidFill>
@@ -667,7 +688,7 @@
               <a:t>2.</a:t>
             </a:r>
             <a:r>
-              <a:rPr lang="zh-TW" altLang="zh-TW" sz="1200" kern="1200" dirty="0" smtClean="0">
+              <a:rPr lang="zh-TW" altLang="zh-TW" sz="1200" kern="1200" dirty="0">
                 <a:solidFill>
                   <a:schemeClr val="tx1"/>
                 </a:solidFill>
@@ -678,7 +699,7 @@
               </a:rPr>
               <a:t>申辦網路投保，累計公司傷害險額度超過限額</a:t>
             </a:r>
-            <a:endParaRPr lang="en-US" altLang="zh-TW" sz="1200" kern="1200" dirty="0" smtClean="0">
+            <a:endParaRPr lang="en-US" altLang="zh-TW" sz="1200" kern="1200" dirty="0">
               <a:solidFill>
                 <a:schemeClr val="tx1"/>
               </a:solidFill>
@@ -690,7 +711,7 @@
           </a:p>
           <a:p>
             <a:r>
-              <a:rPr lang="en-US" altLang="zh-TW" sz="1200" kern="1200" dirty="0" smtClean="0">
+              <a:rPr lang="en-US" altLang="zh-TW" sz="1200" kern="1200" dirty="0">
                 <a:solidFill>
                   <a:schemeClr val="tx1"/>
                 </a:solidFill>
@@ -702,7 +723,7 @@
               <a:t>3.</a:t>
             </a:r>
             <a:r>
-              <a:rPr lang="zh-TW" altLang="zh-TW" sz="1200" kern="1200" dirty="0" smtClean="0">
+              <a:rPr lang="zh-TW" altLang="zh-TW" sz="1200" kern="1200" dirty="0">
                 <a:solidFill>
                   <a:schemeClr val="tx1"/>
                 </a:solidFill>
@@ -713,7 +734,7 @@
               </a:rPr>
               <a:t>申辦網路投保，累計公司傷害險額度超過限額</a:t>
             </a:r>
-            <a:endParaRPr lang="en-US" altLang="zh-TW" sz="1200" kern="1200" dirty="0" smtClean="0">
+            <a:endParaRPr lang="en-US" altLang="zh-TW" sz="1200" kern="1200" dirty="0">
               <a:solidFill>
                 <a:schemeClr val="tx1"/>
               </a:solidFill>
@@ -725,7 +746,7 @@
           </a:p>
           <a:p>
             <a:r>
-              <a:rPr lang="en-US" altLang="zh-TW" sz="1200" kern="1200" dirty="0" smtClean="0">
+              <a:rPr lang="en-US" altLang="zh-TW" sz="1200" kern="1200" dirty="0">
                 <a:solidFill>
                   <a:schemeClr val="tx1"/>
                 </a:solidFill>
@@ -737,7 +758,7 @@
               <a:t>4.</a:t>
             </a:r>
             <a:r>
-              <a:rPr lang="zh-TW" altLang="zh-TW" sz="1200" kern="1200" dirty="0" smtClean="0">
+              <a:rPr lang="zh-TW" altLang="zh-TW" sz="1200" kern="1200" dirty="0">
                 <a:solidFill>
                   <a:schemeClr val="tx1"/>
                 </a:solidFill>
@@ -748,7 +769,7 @@
               </a:rPr>
               <a:t>申辦網路投保，累計同業傷害險額度超過限額</a:t>
             </a:r>
-            <a:endParaRPr lang="en-US" altLang="zh-TW" sz="1200" kern="1200" dirty="0" smtClean="0">
+            <a:endParaRPr lang="en-US" altLang="zh-TW" sz="1200" kern="1200" dirty="0">
               <a:solidFill>
                 <a:schemeClr val="tx1"/>
               </a:solidFill>
@@ -760,11 +781,11 @@
           </a:p>
           <a:p>
             <a:r>
-              <a:rPr lang="en-US" altLang="zh-TW" dirty="0" smtClean="0"/>
+              <a:rPr lang="en-US" altLang="zh-TW" dirty="0"/>
               <a:t>5.</a:t>
             </a:r>
             <a:r>
-              <a:rPr lang="zh-TW" altLang="zh-TW" sz="1200" kern="1200" dirty="0" smtClean="0">
+              <a:rPr lang="zh-TW" altLang="zh-TW" sz="1200" kern="1200" dirty="0">
                 <a:solidFill>
                   <a:schemeClr val="tx1"/>
                 </a:solidFill>
@@ -775,7 +796,7 @@
               </a:rPr>
               <a:t>申辦網路投保，累計同業人壽保險額度超過限額</a:t>
             </a:r>
-            <a:endParaRPr lang="en-US" altLang="zh-TW" sz="1200" kern="1200" dirty="0" smtClean="0">
+            <a:endParaRPr lang="en-US" altLang="zh-TW" sz="1200" kern="1200" dirty="0">
               <a:solidFill>
                 <a:schemeClr val="tx1"/>
               </a:solidFill>
@@ -787,7 +808,7 @@
           </a:p>
           <a:p>
             <a:r>
-              <a:rPr lang="en-US" altLang="zh-TW" sz="1200" kern="1200" dirty="0" smtClean="0">
+              <a:rPr lang="en-US" altLang="zh-TW" sz="1200" kern="1200" dirty="0">
                 <a:solidFill>
                   <a:schemeClr val="tx1"/>
                 </a:solidFill>
@@ -799,7 +820,7 @@
               <a:t>6.</a:t>
             </a:r>
             <a:r>
-              <a:rPr lang="zh-TW" altLang="zh-TW" sz="1200" kern="1200" dirty="0" smtClean="0">
+              <a:rPr lang="zh-TW" altLang="zh-TW" sz="1200" kern="1200" dirty="0">
                 <a:solidFill>
                   <a:schemeClr val="tx1"/>
                 </a:solidFill>
@@ -811,7 +832,7 @@
               <a:t>疑為相似名單，請至</a:t>
             </a:r>
             <a:r>
-              <a:rPr lang="en-US" altLang="zh-TW" sz="1200" kern="1200" dirty="0" smtClean="0">
+              <a:rPr lang="en-US" altLang="zh-TW" sz="1200" kern="1200" dirty="0">
                 <a:solidFill>
                   <a:schemeClr val="tx1"/>
                 </a:solidFill>
@@ -823,7 +844,7 @@
               <a:t>AML</a:t>
             </a:r>
             <a:r>
-              <a:rPr lang="zh-TW" altLang="zh-TW" sz="1200" kern="1200" dirty="0" smtClean="0">
+              <a:rPr lang="zh-TW" altLang="zh-TW" sz="1200" kern="1200" dirty="0">
                 <a:solidFill>
                   <a:schemeClr val="tx1"/>
                 </a:solidFill>
@@ -834,7 +855,7 @@
               </a:rPr>
               <a:t>系統確認</a:t>
             </a:r>
-            <a:endParaRPr lang="en-US" altLang="zh-TW" sz="1200" kern="1200" dirty="0" smtClean="0">
+            <a:endParaRPr lang="en-US" altLang="zh-TW" sz="1200" kern="1200" dirty="0">
               <a:solidFill>
                 <a:schemeClr val="tx1"/>
               </a:solidFill>
@@ -846,7 +867,7 @@
           </a:p>
           <a:p>
             <a:r>
-              <a:rPr lang="en-US" altLang="zh-TW" sz="1200" kern="1200" dirty="0" smtClean="0">
+              <a:rPr lang="en-US" altLang="zh-TW" sz="1200" kern="1200" dirty="0">
                 <a:solidFill>
                   <a:schemeClr val="tx1"/>
                 </a:solidFill>
@@ -858,7 +879,7 @@
               <a:t>7.</a:t>
             </a:r>
             <a:r>
-              <a:rPr lang="zh-TW" altLang="zh-TW" sz="1200" kern="1200" dirty="0" smtClean="0">
+              <a:rPr lang="zh-TW" altLang="zh-TW" sz="1200" kern="1200" dirty="0">
                 <a:solidFill>
                   <a:schemeClr val="tx1"/>
                 </a:solidFill>
@@ -870,7 +891,7 @@
               <a:t>呈資深核保人</a:t>
             </a:r>
             <a:r>
-              <a:rPr lang="en-US" altLang="zh-TW" sz="1200" kern="1200" dirty="0" smtClean="0">
+              <a:rPr lang="en-US" altLang="zh-TW" sz="1200" kern="1200" dirty="0">
                 <a:solidFill>
                   <a:schemeClr val="tx1"/>
                 </a:solidFill>
@@ -882,7 +903,7 @@
               <a:t>(AML</a:t>
             </a:r>
             <a:r>
-              <a:rPr lang="zh-TW" altLang="zh-TW" sz="1200" kern="1200" dirty="0" smtClean="0">
+              <a:rPr lang="zh-TW" altLang="zh-TW" sz="1200" kern="1200" dirty="0">
                 <a:solidFill>
                   <a:schemeClr val="tx1"/>
                 </a:solidFill>
@@ -894,7 +915,7 @@
               <a:t>加強保戶審查</a:t>
             </a:r>
             <a:r>
-              <a:rPr lang="en-US" altLang="zh-TW" sz="1200" kern="1200" dirty="0" smtClean="0">
+              <a:rPr lang="en-US" altLang="zh-TW" sz="1200" kern="1200" dirty="0">
                 <a:solidFill>
                   <a:schemeClr val="tx1"/>
                 </a:solidFill>
@@ -908,7 +929,7 @@
           </a:p>
           <a:p>
             <a:r>
-              <a:rPr lang="en-US" altLang="zh-TW" sz="1200" kern="1200" dirty="0" smtClean="0">
+              <a:rPr lang="en-US" altLang="zh-TW" sz="1200" kern="1200" dirty="0">
                 <a:solidFill>
                   <a:schemeClr val="tx1"/>
                 </a:solidFill>
@@ -920,7 +941,7 @@
               <a:t>8.</a:t>
             </a:r>
             <a:r>
-              <a:rPr lang="zh-TW" altLang="zh-TW" sz="1200" kern="1200" dirty="0" smtClean="0">
+              <a:rPr lang="zh-TW" altLang="zh-TW" sz="1200" kern="1200" dirty="0">
                 <a:solidFill>
                   <a:schemeClr val="tx1"/>
                 </a:solidFill>
@@ -932,7 +953,7 @@
               <a:t>呈行政管理部首席核保人</a:t>
             </a:r>
             <a:r>
-              <a:rPr lang="en-US" altLang="zh-TW" sz="1200" kern="1200" dirty="0" smtClean="0">
+              <a:rPr lang="en-US" altLang="zh-TW" sz="1200" kern="1200" dirty="0">
                 <a:solidFill>
                   <a:schemeClr val="tx1"/>
                 </a:solidFill>
@@ -944,7 +965,7 @@
               <a:t>(AML</a:t>
             </a:r>
             <a:r>
-              <a:rPr lang="zh-TW" altLang="zh-TW" sz="1200" kern="1200" dirty="0" smtClean="0">
+              <a:rPr lang="zh-TW" altLang="zh-TW" sz="1200" kern="1200" dirty="0">
                 <a:solidFill>
                   <a:schemeClr val="tx1"/>
                 </a:solidFill>
@@ -956,7 +977,7 @@
               <a:t>加強保戶審查</a:t>
             </a:r>
             <a:r>
-              <a:rPr lang="en-US" altLang="zh-TW" sz="1200" kern="1200" dirty="0" smtClean="0">
+              <a:rPr lang="en-US" altLang="zh-TW" sz="1200" kern="1200" dirty="0">
                 <a:solidFill>
                   <a:schemeClr val="tx1"/>
                 </a:solidFill>
@@ -969,7 +990,7 @@
             </a:r>
           </a:p>
           <a:p>
-            <a:endParaRPr lang="en-US" altLang="zh-TW" sz="1200" kern="1200" dirty="0" smtClean="0">
+            <a:endParaRPr lang="en-US" altLang="zh-TW" sz="1200" kern="1200" dirty="0">
               <a:solidFill>
                 <a:schemeClr val="tx1"/>
               </a:solidFill>
@@ -998,7 +1019,7 @@
               <a:defRPr/>
             </a:pPr>
             <a:r>
-              <a:rPr lang="en-US" altLang="zh-TW" sz="1200" kern="1200" dirty="0" smtClean="0">
+              <a:rPr lang="en-US" altLang="zh-TW" sz="1200" kern="1200" dirty="0">
                 <a:solidFill>
                   <a:schemeClr val="tx1"/>
                 </a:solidFill>
@@ -1008,11 +1029,11 @@
               </a:rPr>
               <a:t>pk_nb_nb571ms3</a:t>
             </a:r>
-            <a:endParaRPr lang="en-US" altLang="zh-TW" dirty="0" smtClean="0"/>
-          </a:p>
-          <a:p>
-            <a:r>
-              <a:rPr lang="zh-TW" altLang="en-US" sz="1200" kern="1200" dirty="0" smtClean="0">
+            <a:endParaRPr lang="en-US" altLang="zh-TW" dirty="0"/>
+          </a:p>
+          <a:p>
+            <a:r>
+              <a:rPr lang="zh-TW" altLang="en-US" sz="1200" kern="1200" dirty="0">
                 <a:solidFill>
                   <a:schemeClr val="tx1"/>
                 </a:solidFill>
@@ -1023,7 +1044,7 @@
               <a:t>活力平安自動續保</a:t>
             </a:r>
             <a:r>
-              <a:rPr lang="en-US" altLang="zh-TW" sz="1200" kern="1200" dirty="0" smtClean="0">
+              <a:rPr lang="en-US" altLang="zh-TW" sz="1200" kern="1200" dirty="0">
                 <a:solidFill>
                   <a:schemeClr val="tx1"/>
                 </a:solidFill>
@@ -1034,7 +1055,7 @@
               <a:t>_</a:t>
             </a:r>
             <a:r>
-              <a:rPr lang="zh-TW" altLang="en-US" sz="1200" kern="1200" dirty="0" smtClean="0">
+              <a:rPr lang="zh-TW" altLang="en-US" sz="1200" kern="1200" dirty="0">
                 <a:solidFill>
                   <a:schemeClr val="tx1"/>
                 </a:solidFill>
@@ -1044,7 +1065,7 @@
               </a:rPr>
               <a:t>第二階段續保</a:t>
             </a:r>
-            <a:endParaRPr lang="en-US" altLang="zh-TW" sz="1200" kern="1200" dirty="0" smtClean="0">
+            <a:endParaRPr lang="en-US" altLang="zh-TW" sz="1200" kern="1200" dirty="0">
               <a:solidFill>
                 <a:schemeClr val="tx1"/>
               </a:solidFill>
@@ -1055,7 +1076,7 @@
           </a:p>
           <a:p>
             <a:r>
-              <a:rPr lang="zh-TW" altLang="en-US" sz="1200" b="0" i="0" u="none" strike="noStrike" kern="1200" baseline="0" dirty="0" smtClean="0">
+              <a:rPr lang="zh-TW" altLang="en-US" sz="1200" b="0" i="0" u="none" strike="noStrike" kern="1200" baseline="0" dirty="0">
                 <a:solidFill>
                   <a:schemeClr val="tx1"/>
                 </a:solidFill>
@@ -1065,19 +1086,8 @@
               </a:rPr>
               <a:t>風險資料庫及受理規定	</a:t>
             </a:r>
-            <a:r>
-              <a:rPr lang="en-US" altLang="zh-TW" sz="1200" b="0" i="0" u="none" strike="noStrike" kern="1200" baseline="0" dirty="0" smtClean="0">
-                <a:solidFill>
-                  <a:schemeClr val="tx1"/>
-                </a:solidFill>
-                <a:latin typeface="+mn-lt"/>
-                <a:ea typeface="+mn-ea"/>
-                <a:cs typeface="+mn-cs"/>
-              </a:rPr>
-              <a:t/>
-            </a:r>
             <a:br>
-              <a:rPr lang="en-US" altLang="zh-TW" sz="1200" b="0" i="0" u="none" strike="noStrike" kern="1200" baseline="0" dirty="0" smtClean="0">
+              <a:rPr lang="en-US" altLang="zh-TW" sz="1200" b="0" i="0" u="none" strike="noStrike" kern="1200" baseline="0" dirty="0">
                 <a:solidFill>
                   <a:schemeClr val="tx1"/>
                 </a:solidFill>
@@ -1086,7 +1096,7 @@
                 <a:cs typeface="+mn-cs"/>
               </a:rPr>
             </a:br>
-            <a:endParaRPr lang="zh-TW" altLang="en-US" sz="1200" b="0" i="0" u="none" strike="noStrike" kern="1200" baseline="0" dirty="0" smtClean="0">
+            <a:endParaRPr lang="zh-TW" altLang="en-US" sz="1200" b="0" i="0" u="none" strike="noStrike" kern="1200" baseline="0" dirty="0">
               <a:solidFill>
                 <a:schemeClr val="tx1"/>
               </a:solidFill>
@@ -1097,7 +1107,7 @@
           </a:p>
           <a:p>
             <a:r>
-              <a:rPr lang="zh-TW" altLang="en-US" sz="1200" b="0" i="0" u="none" strike="noStrike" kern="1200" baseline="0" dirty="0" smtClean="0">
+              <a:rPr lang="zh-TW" altLang="en-US" sz="1200" b="0" i="0" u="none" strike="noStrike" kern="1200" baseline="0" dirty="0">
                 <a:solidFill>
                   <a:schemeClr val="tx1"/>
                 </a:solidFill>
@@ -1108,7 +1118,7 @@
               <a:t> </a:t>
             </a:r>
             <a:r>
-              <a:rPr lang="en-US" altLang="zh-TW" sz="1200" b="0" i="0" u="none" strike="noStrike" kern="1200" baseline="0" dirty="0" smtClean="0">
+              <a:rPr lang="en-US" altLang="zh-TW" sz="1200" b="0" i="0" u="none" strike="noStrike" kern="1200" baseline="0" dirty="0">
                 <a:solidFill>
                   <a:schemeClr val="tx1"/>
                 </a:solidFill>
@@ -1119,7 +1129,7 @@
               <a:t>1</a:t>
             </a:r>
             <a:r>
-              <a:rPr lang="zh-TW" altLang="en-US" sz="1200" b="0" i="0" u="none" strike="noStrike" kern="1200" baseline="0" dirty="0" smtClean="0">
+              <a:rPr lang="zh-TW" altLang="en-US" sz="1200" b="0" i="0" u="none" strike="noStrike" kern="1200" baseline="0" dirty="0">
                 <a:solidFill>
                   <a:schemeClr val="tx1"/>
                 </a:solidFill>
@@ -1130,7 +1140,7 @@
               <a:t>、續保前一年新增道德風險黑名單，</a:t>
             </a:r>
             <a:r>
-              <a:rPr lang="en-US" altLang="zh-TW" sz="1200" b="0" i="0" u="none" strike="noStrike" kern="1200" baseline="0" dirty="0" smtClean="0">
+              <a:rPr lang="en-US" altLang="zh-TW" sz="1200" b="0" i="0" u="none" strike="noStrike" kern="1200" baseline="0" dirty="0">
                 <a:solidFill>
                   <a:schemeClr val="tx1"/>
                 </a:solidFill>
@@ -1141,7 +1151,7 @@
               <a:t>T901</a:t>
             </a:r>
             <a:r>
-              <a:rPr lang="zh-TW" altLang="en-US" sz="1200" b="0" i="0" u="none" strike="noStrike" kern="1200" baseline="0" dirty="0" smtClean="0">
+              <a:rPr lang="zh-TW" altLang="en-US" sz="1200" b="0" i="0" u="none" strike="noStrike" kern="1200" baseline="0" dirty="0">
                 <a:solidFill>
                   <a:schemeClr val="tx1"/>
                 </a:solidFill>
@@ -1152,7 +1162,7 @@
               <a:t>、</a:t>
             </a:r>
             <a:r>
-              <a:rPr lang="en-US" altLang="zh-TW" sz="1200" b="0" i="0" u="none" strike="noStrike" kern="1200" baseline="0" dirty="0" smtClean="0">
+              <a:rPr lang="en-US" altLang="zh-TW" sz="1200" b="0" i="0" u="none" strike="noStrike" kern="1200" baseline="0" dirty="0">
                 <a:solidFill>
                   <a:schemeClr val="tx1"/>
                 </a:solidFill>
@@ -1163,7 +1173,7 @@
               <a:t>T998</a:t>
             </a:r>
             <a:r>
-              <a:rPr lang="zh-TW" altLang="en-US" sz="1200" b="0" i="0" u="none" strike="noStrike" kern="1200" baseline="0" dirty="0" smtClean="0">
+              <a:rPr lang="zh-TW" altLang="en-US" sz="1200" b="0" i="0" u="none" strike="noStrike" kern="1200" baseline="0" dirty="0">
                 <a:solidFill>
                   <a:schemeClr val="tx1"/>
                 </a:solidFill>
@@ -1174,7 +1184,7 @@
               <a:t>、 </a:t>
             </a:r>
             <a:r>
-              <a:rPr lang="en-US" altLang="zh-TW" sz="1200" b="0" i="0" u="none" strike="noStrike" kern="1200" baseline="0" dirty="0" smtClean="0">
+              <a:rPr lang="en-US" altLang="zh-TW" sz="1200" b="0" i="0" u="none" strike="noStrike" kern="1200" baseline="0" dirty="0">
                 <a:solidFill>
                   <a:schemeClr val="tx1"/>
                 </a:solidFill>
@@ -1185,7 +1195,7 @@
               <a:t>PAD (</a:t>
             </a:r>
             <a:r>
-              <a:rPr lang="zh-TW" altLang="en-US" sz="1200" b="0" i="0" u="none" strike="noStrike" kern="1200" baseline="0" dirty="0" smtClean="0">
+              <a:rPr lang="zh-TW" altLang="en-US" sz="1200" b="0" i="0" u="none" strike="noStrike" kern="1200" baseline="0" dirty="0">
                 <a:solidFill>
                   <a:schemeClr val="tx1"/>
                 </a:solidFill>
@@ -1196,7 +1206,7 @@
               <a:t>關鍵人行為中身分為保戶</a:t>
             </a:r>
             <a:r>
-              <a:rPr lang="en-US" altLang="zh-TW" sz="1200" b="0" i="0" u="none" strike="noStrike" kern="1200" baseline="0" dirty="0" smtClean="0">
+              <a:rPr lang="en-US" altLang="zh-TW" sz="1200" b="0" i="0" u="none" strike="noStrike" kern="1200" baseline="0" dirty="0">
                 <a:solidFill>
                   <a:schemeClr val="tx1"/>
                 </a:solidFill>
@@ -1209,7 +1219,7 @@
           </a:p>
           <a:p>
             <a:r>
-              <a:rPr lang="en-US" altLang="zh-TW" sz="1200" b="0" i="0" u="none" strike="noStrike" kern="1200" baseline="0" dirty="0" smtClean="0">
+              <a:rPr lang="en-US" altLang="zh-TW" sz="1200" b="0" i="0" u="none" strike="noStrike" kern="1200" baseline="0" dirty="0">
                 <a:solidFill>
                   <a:schemeClr val="tx1"/>
                 </a:solidFill>
@@ -1220,7 +1230,7 @@
               <a:t>2</a:t>
             </a:r>
             <a:r>
-              <a:rPr lang="zh-TW" altLang="en-US" sz="1200" b="0" i="0" u="none" strike="noStrike" kern="1200" baseline="0" dirty="0" smtClean="0">
+              <a:rPr lang="zh-TW" altLang="en-US" sz="1200" b="0" i="0" u="none" strike="noStrike" kern="1200" baseline="0" dirty="0">
                 <a:solidFill>
                   <a:schemeClr val="tx1"/>
                 </a:solidFill>
@@ -1231,7 +1241,7 @@
               <a:t>、針對投保</a:t>
             </a:r>
             <a:r>
-              <a:rPr lang="en-US" altLang="zh-TW" sz="1200" b="0" i="0" u="none" strike="noStrike" kern="1200" baseline="0" dirty="0" smtClean="0">
+              <a:rPr lang="en-US" altLang="zh-TW" sz="1200" b="0" i="0" u="none" strike="noStrike" kern="1200" baseline="0" dirty="0">
                 <a:solidFill>
                   <a:schemeClr val="tx1"/>
                 </a:solidFill>
@@ -1242,7 +1252,7 @@
               <a:t>D </a:t>
             </a:r>
             <a:r>
-              <a:rPr lang="zh-TW" altLang="en-US" sz="1200" b="0" i="0" u="none" strike="noStrike" kern="1200" baseline="0" dirty="0" smtClean="0">
+              <a:rPr lang="zh-TW" altLang="en-US" sz="1200" b="0" i="0" u="none" strike="noStrike" kern="1200" baseline="0" dirty="0">
                 <a:solidFill>
                   <a:schemeClr val="tx1"/>
                 </a:solidFill>
@@ -1253,7 +1263,7 @@
               <a:t>方案，此被保人</a:t>
             </a:r>
             <a:r>
-              <a:rPr lang="en-US" altLang="zh-TW" sz="1200" b="0" i="0" u="none" strike="noStrike" kern="1200" baseline="0" dirty="0" smtClean="0">
+              <a:rPr lang="en-US" altLang="zh-TW" sz="1200" b="0" i="0" u="none" strike="noStrike" kern="1200" baseline="0" dirty="0">
                 <a:solidFill>
                   <a:schemeClr val="tx1"/>
                 </a:solidFill>
@@ -1264,7 +1274,7 @@
               <a:t>ID </a:t>
             </a:r>
             <a:r>
-              <a:rPr lang="zh-TW" altLang="en-US" sz="1200" b="0" i="0" u="none" strike="noStrike" kern="1200" baseline="0" dirty="0" smtClean="0">
+              <a:rPr lang="zh-TW" altLang="en-US" sz="1200" b="0" i="0" u="none" strike="noStrike" kern="1200" baseline="0" dirty="0">
                 <a:solidFill>
                   <a:schemeClr val="tx1"/>
                 </a:solidFill>
@@ -1275,7 +1285,7 @@
               <a:t>下無投保醫療險主附約者</a:t>
             </a:r>
             <a:r>
-              <a:rPr lang="en-US" altLang="zh-TW" sz="1200" b="0" i="0" u="none" strike="noStrike" kern="1200" baseline="0" dirty="0" smtClean="0">
+              <a:rPr lang="en-US" altLang="zh-TW" sz="1200" b="0" i="0" u="none" strike="noStrike" kern="1200" baseline="0" dirty="0">
                 <a:solidFill>
                   <a:schemeClr val="tx1"/>
                 </a:solidFill>
@@ -1286,7 +1296,7 @@
               <a:t>(</a:t>
             </a:r>
             <a:r>
-              <a:rPr lang="zh-TW" altLang="en-US" sz="1200" b="0" i="0" u="none" strike="noStrike" kern="1200" baseline="0" dirty="0" smtClean="0">
+              <a:rPr lang="zh-TW" altLang="en-US" sz="1200" b="0" i="0" u="none" strike="noStrike" kern="1200" baseline="0" dirty="0">
                 <a:solidFill>
                   <a:schemeClr val="tx1"/>
                 </a:solidFill>
@@ -1297,7 +1307,7 @@
               <a:t>核保型態為</a:t>
             </a:r>
             <a:r>
-              <a:rPr lang="en-US" altLang="zh-TW" sz="1200" b="0" i="0" u="none" strike="noStrike" kern="1200" baseline="0" dirty="0" smtClean="0">
+              <a:rPr lang="en-US" altLang="zh-TW" sz="1200" b="0" i="0" u="none" strike="noStrike" kern="1200" baseline="0" dirty="0">
                 <a:solidFill>
                   <a:schemeClr val="tx1"/>
                 </a:solidFill>
@@ -1308,7 +1318,7 @@
               <a:t>J T 1 2 3 a n s v p l r e o b)</a:t>
             </a:r>
             <a:r>
-              <a:rPr lang="zh-TW" altLang="en-US" sz="1200" b="0" i="0" u="none" strike="noStrike" kern="1200" baseline="0" dirty="0" smtClean="0">
+              <a:rPr lang="zh-TW" altLang="en-US" sz="1200" b="0" i="0" u="none" strike="noStrike" kern="1200" baseline="0" dirty="0">
                 <a:solidFill>
                   <a:schemeClr val="tx1"/>
                 </a:solidFill>
@@ -1321,7 +1331,7 @@
           </a:p>
           <a:p>
             <a:r>
-              <a:rPr lang="en-US" altLang="zh-TW" sz="1200" b="0" i="0" u="none" strike="noStrike" kern="1200" baseline="0" dirty="0" smtClean="0">
+              <a:rPr lang="en-US" altLang="zh-TW" sz="1200" b="0" i="0" u="none" strike="noStrike" kern="1200" baseline="0" dirty="0">
                 <a:solidFill>
                   <a:schemeClr val="tx1"/>
                 </a:solidFill>
@@ -1332,7 +1342,7 @@
               <a:t>3</a:t>
             </a:r>
             <a:r>
-              <a:rPr lang="zh-TW" altLang="en-US" sz="1200" b="0" i="0" u="none" strike="noStrike" kern="1200" baseline="0" dirty="0" smtClean="0">
+              <a:rPr lang="zh-TW" altLang="en-US" sz="1200" b="0" i="0" u="none" strike="noStrike" kern="1200" baseline="0" dirty="0">
                 <a:solidFill>
                   <a:schemeClr val="tx1"/>
                 </a:solidFill>
@@ -1343,7 +1353,7 @@
               <a:t>、續保前一年被保險人</a:t>
             </a:r>
             <a:r>
-              <a:rPr lang="en-US" altLang="zh-TW" sz="1200" b="0" i="0" u="none" strike="noStrike" kern="1200" baseline="0" dirty="0" smtClean="0">
+              <a:rPr lang="en-US" altLang="zh-TW" sz="1200" b="0" i="0" u="none" strike="noStrike" kern="1200" baseline="0" dirty="0">
                 <a:solidFill>
                   <a:schemeClr val="tx1"/>
                 </a:solidFill>
@@ -1354,7 +1364,7 @@
               <a:t>ID </a:t>
             </a:r>
             <a:r>
-              <a:rPr lang="zh-TW" altLang="en-US" sz="1200" b="0" i="0" u="none" strike="noStrike" kern="1200" baseline="0" dirty="0" smtClean="0">
+              <a:rPr lang="zh-TW" altLang="en-US" sz="1200" b="0" i="0" u="none" strike="noStrike" kern="1200" baseline="0" dirty="0">
                 <a:solidFill>
                   <a:schemeClr val="tx1"/>
                 </a:solidFill>
@@ -1365,7 +1375,7 @@
               <a:t>項下，有理賠重疾、殘廢、</a:t>
             </a:r>
             <a:r>
-              <a:rPr lang="en-US" altLang="zh-TW" sz="1200" b="0" i="0" u="none" strike="noStrike" kern="1200" baseline="0" dirty="0" smtClean="0">
+              <a:rPr lang="en-US" altLang="zh-TW" sz="1200" b="0" i="0" u="none" strike="noStrike" kern="1200" baseline="0" dirty="0">
                 <a:solidFill>
                   <a:schemeClr val="tx1"/>
                 </a:solidFill>
@@ -1376,7 +1386,7 @@
               <a:t>ICD(</a:t>
             </a:r>
             <a:r>
-              <a:rPr lang="zh-TW" altLang="en-US" sz="1200" b="0" i="0" u="none" strike="noStrike" kern="1200" baseline="0" dirty="0" smtClean="0">
+              <a:rPr lang="zh-TW" altLang="en-US" sz="1200" b="0" i="0" u="none" strike="noStrike" kern="1200" baseline="0" dirty="0">
                 <a:solidFill>
                   <a:schemeClr val="tx1"/>
                 </a:solidFill>
@@ -1387,7 +1397,7 @@
               <a:t>依照團保</a:t>
             </a:r>
             <a:r>
-              <a:rPr lang="en-US" altLang="zh-TW" sz="1200" b="0" i="0" u="none" strike="noStrike" kern="1200" baseline="0" dirty="0" smtClean="0">
+              <a:rPr lang="en-US" altLang="zh-TW" sz="1200" b="0" i="0" u="none" strike="noStrike" kern="1200" baseline="0" dirty="0">
                 <a:solidFill>
                   <a:schemeClr val="tx1"/>
                 </a:solidFill>
@@ -1398,7 +1408,7 @@
               <a:t>)</a:t>
             </a:r>
             <a:r>
-              <a:rPr lang="zh-TW" altLang="en-US" sz="1200" b="0" i="0" u="none" strike="noStrike" kern="1200" baseline="0" dirty="0" smtClean="0">
+              <a:rPr lang="zh-TW" altLang="en-US" sz="1200" b="0" i="0" u="none" strike="noStrike" kern="1200" baseline="0" dirty="0">
                 <a:solidFill>
                   <a:schemeClr val="tx1"/>
                 </a:solidFill>
@@ -1409,7 +1419,7 @@
               <a:t>、意外事故日期超過</a:t>
             </a:r>
             <a:r>
-              <a:rPr lang="en-US" altLang="zh-TW" sz="1200" b="0" i="0" u="none" strike="noStrike" kern="1200" baseline="0" dirty="0" smtClean="0">
+              <a:rPr lang="en-US" altLang="zh-TW" sz="1200" b="0" i="0" u="none" strike="noStrike" kern="1200" baseline="0" dirty="0">
                 <a:solidFill>
                   <a:schemeClr val="tx1"/>
                 </a:solidFill>
@@ -1420,7 +1430,7 @@
               <a:t>3 </a:t>
             </a:r>
             <a:r>
-              <a:rPr lang="zh-TW" altLang="en-US" sz="1200" b="0" i="0" u="none" strike="noStrike" kern="1200" baseline="0" dirty="0" smtClean="0">
+              <a:rPr lang="zh-TW" altLang="en-US" sz="1200" b="0" i="0" u="none" strike="noStrike" kern="1200" baseline="0" dirty="0">
                 <a:solidFill>
                   <a:schemeClr val="tx1"/>
                 </a:solidFill>
@@ -1431,7 +1441,7 @@
               <a:t>個</a:t>
             </a:r>
             <a:r>
-              <a:rPr lang="en-US" altLang="zh-TW" sz="1200" b="0" i="0" u="none" strike="noStrike" kern="1200" baseline="0" dirty="0" smtClean="0">
+              <a:rPr lang="en-US" altLang="zh-TW" sz="1200" b="0" i="0" u="none" strike="noStrike" kern="1200" baseline="0" dirty="0">
                 <a:solidFill>
                   <a:schemeClr val="tx1"/>
                 </a:solidFill>
@@ -1442,7 +1452,7 @@
               <a:t>(</a:t>
             </a:r>
             <a:r>
-              <a:rPr lang="zh-TW" altLang="en-US" sz="1200" b="0" i="0" u="none" strike="noStrike" kern="1200" baseline="0" dirty="0" smtClean="0">
+              <a:rPr lang="zh-TW" altLang="en-US" sz="1200" b="0" i="0" u="none" strike="noStrike" kern="1200" baseline="0" dirty="0">
                 <a:solidFill>
                   <a:schemeClr val="tx1"/>
                 </a:solidFill>
@@ -1453,7 +1463,7 @@
               <a:t>不含</a:t>
             </a:r>
             <a:r>
-              <a:rPr lang="en-US" altLang="zh-TW" sz="1200" b="0" i="0" u="none" strike="noStrike" kern="1200" baseline="0" dirty="0" smtClean="0">
+              <a:rPr lang="en-US" altLang="zh-TW" sz="1200" b="0" i="0" u="none" strike="noStrike" kern="1200" baseline="0" dirty="0">
                 <a:solidFill>
                   <a:schemeClr val="tx1"/>
                 </a:solidFill>
@@ -1464,7 +1474,7 @@
               <a:t>3 </a:t>
             </a:r>
             <a:r>
-              <a:rPr lang="zh-TW" altLang="en-US" sz="1200" b="0" i="0" u="none" strike="noStrike" kern="1200" baseline="0" dirty="0" smtClean="0">
+              <a:rPr lang="zh-TW" altLang="en-US" sz="1200" b="0" i="0" u="none" strike="noStrike" kern="1200" baseline="0" dirty="0">
                 <a:solidFill>
                   <a:schemeClr val="tx1"/>
                 </a:solidFill>
@@ -1475,7 +1485,7 @@
               <a:t>個</a:t>
             </a:r>
             <a:r>
-              <a:rPr lang="en-US" altLang="zh-TW" sz="1200" b="0" i="0" u="none" strike="noStrike" kern="1200" baseline="0" dirty="0" smtClean="0">
+              <a:rPr lang="en-US" altLang="zh-TW" sz="1200" b="0" i="0" u="none" strike="noStrike" kern="1200" baseline="0" dirty="0">
                 <a:solidFill>
                   <a:schemeClr val="tx1"/>
                 </a:solidFill>
@@ -1486,7 +1496,7 @@
               <a:t>), </a:t>
             </a:r>
             <a:r>
-              <a:rPr lang="zh-TW" altLang="en-US" sz="1200" b="0" i="0" u="none" strike="noStrike" kern="1200" baseline="0" dirty="0" smtClean="0">
+              <a:rPr lang="zh-TW" altLang="en-US" sz="1200" b="0" i="0" u="none" strike="noStrike" kern="1200" baseline="0" dirty="0">
                 <a:solidFill>
                   <a:schemeClr val="tx1"/>
                 </a:solidFill>
@@ -1497,7 +1507,7 @@
               <a:t>其中若遇</a:t>
             </a:r>
             <a:r>
-              <a:rPr lang="en-US" altLang="zh-TW" sz="1200" b="0" i="0" u="none" strike="noStrike" kern="1200" baseline="0" dirty="0" smtClean="0">
+              <a:rPr lang="en-US" altLang="zh-TW" sz="1200" b="0" i="0" u="none" strike="noStrike" kern="1200" baseline="0" dirty="0">
                 <a:solidFill>
                   <a:schemeClr val="tx1"/>
                 </a:solidFill>
@@ -1508,7 +1518,7 @@
               <a:t>ICD(</a:t>
             </a:r>
             <a:r>
-              <a:rPr lang="zh-TW" altLang="en-US" sz="1200" b="0" i="0" u="none" strike="noStrike" kern="1200" baseline="0" dirty="0" smtClean="0">
+              <a:rPr lang="zh-TW" altLang="en-US" sz="1200" b="0" i="0" u="none" strike="noStrike" kern="1200" baseline="0" dirty="0">
                 <a:solidFill>
                   <a:schemeClr val="tx1"/>
                 </a:solidFill>
@@ -1519,7 +1529,7 @@
               <a:t>依照團保</a:t>
             </a:r>
             <a:r>
-              <a:rPr lang="en-US" altLang="zh-TW" sz="1200" b="0" i="0" u="none" strike="noStrike" kern="1200" baseline="0" dirty="0" smtClean="0">
+              <a:rPr lang="en-US" altLang="zh-TW" sz="1200" b="0" i="0" u="none" strike="noStrike" kern="1200" baseline="0" dirty="0">
                 <a:solidFill>
                   <a:schemeClr val="tx1"/>
                 </a:solidFill>
@@ -1530,7 +1540,7 @@
               <a:t>)+</a:t>
             </a:r>
             <a:r>
-              <a:rPr lang="zh-TW" altLang="en-US" sz="1200" b="0" i="0" u="none" strike="noStrike" kern="1200" baseline="0" dirty="0" smtClean="0">
+              <a:rPr lang="zh-TW" altLang="en-US" sz="1200" b="0" i="0" u="none" strike="noStrike" kern="1200" baseline="0" dirty="0">
                 <a:solidFill>
                   <a:schemeClr val="tx1"/>
                 </a:solidFill>
@@ -1541,7 +1551,7 @@
               <a:t>理賠只有門診者則可續保</a:t>
             </a:r>
             <a:r>
-              <a:rPr lang="en-US" altLang="zh-TW" sz="1200" b="0" i="0" u="none" strike="noStrike" kern="1200" baseline="0" dirty="0" smtClean="0">
+              <a:rPr lang="en-US" altLang="zh-TW" sz="1200" b="0" i="0" u="none" strike="noStrike" kern="1200" baseline="0" dirty="0">
                 <a:solidFill>
                   <a:schemeClr val="tx1"/>
                 </a:solidFill>
@@ -1552,7 +1562,7 @@
               <a:t>(</a:t>
             </a:r>
             <a:r>
-              <a:rPr lang="zh-TW" altLang="en-US" sz="1200" b="0" i="0" u="none" strike="noStrike" kern="1200" baseline="0" dirty="0" smtClean="0">
+              <a:rPr lang="zh-TW" altLang="en-US" sz="1200" b="0" i="0" u="none" strike="noStrike" kern="1200" baseline="0" dirty="0">
                 <a:solidFill>
                   <a:schemeClr val="tx1"/>
                 </a:solidFill>
@@ -1563,7 +1573,7 @@
               <a:t>詳</a:t>
             </a:r>
             <a:r>
-              <a:rPr lang="en-US" altLang="zh-TW" sz="1200" b="0" i="0" u="none" strike="noStrike" kern="1200" baseline="0" dirty="0" smtClean="0">
+              <a:rPr lang="en-US" altLang="zh-TW" sz="1200" b="0" i="0" u="none" strike="noStrike" kern="1200" baseline="0" dirty="0">
                 <a:solidFill>
                   <a:schemeClr val="tx1"/>
                 </a:solidFill>
@@ -1574,7 +1584,7 @@
               <a:t>ICD</a:t>
             </a:r>
             <a:r>
-              <a:rPr lang="zh-TW" altLang="en-US" sz="1200" b="0" i="0" u="none" strike="noStrike" kern="1200" baseline="0" dirty="0" smtClean="0">
+              <a:rPr lang="zh-TW" altLang="en-US" sz="1200" b="0" i="0" u="none" strike="noStrike" kern="1200" baseline="0" dirty="0">
                 <a:solidFill>
                   <a:schemeClr val="tx1"/>
                 </a:solidFill>
@@ -1585,7 +1595,7 @@
               <a:t>加理賠只有門診</a:t>
             </a:r>
             <a:r>
-              <a:rPr lang="en-US" altLang="zh-TW" sz="1200" b="0" i="0" u="none" strike="noStrike" kern="1200" baseline="0" dirty="0" smtClean="0">
+              <a:rPr lang="en-US" altLang="zh-TW" sz="1200" b="0" i="0" u="none" strike="noStrike" kern="1200" baseline="0" dirty="0">
                 <a:solidFill>
                   <a:schemeClr val="tx1"/>
                 </a:solidFill>
@@ -1596,7 +1606,7 @@
               <a:t>_</a:t>
             </a:r>
             <a:r>
-              <a:rPr lang="zh-TW" altLang="en-US" sz="1200" b="0" i="0" u="none" strike="noStrike" kern="1200" baseline="0" dirty="0" smtClean="0">
+              <a:rPr lang="zh-TW" altLang="en-US" sz="1200" b="0" i="0" u="none" strike="noStrike" kern="1200" baseline="0" dirty="0">
                 <a:solidFill>
                   <a:schemeClr val="tx1"/>
                 </a:solidFill>
@@ -1607,7 +1617,7 @@
               <a:t>畫面</a:t>
             </a:r>
             <a:r>
-              <a:rPr lang="en-US" altLang="zh-TW" sz="1200" b="0" i="0" u="none" strike="noStrike" kern="1200" baseline="0" dirty="0" smtClean="0">
+              <a:rPr lang="en-US" altLang="zh-TW" sz="1200" b="0" i="0" u="none" strike="noStrike" kern="1200" baseline="0" dirty="0">
                 <a:solidFill>
                   <a:schemeClr val="tx1"/>
                 </a:solidFill>
@@ -1620,7 +1630,7 @@
           </a:p>
           <a:p>
             <a:r>
-              <a:rPr lang="en-US" altLang="zh-TW" sz="1200" b="0" i="0" u="none" strike="noStrike" kern="1200" baseline="0" dirty="0" smtClean="0">
+              <a:rPr lang="en-US" altLang="zh-TW" sz="1200" b="0" i="0" u="none" strike="noStrike" kern="1200" baseline="0" dirty="0">
                 <a:solidFill>
                   <a:schemeClr val="tx1"/>
                 </a:solidFill>
@@ -1631,7 +1641,7 @@
               <a:t>4</a:t>
             </a:r>
             <a:r>
-              <a:rPr lang="zh-TW" altLang="en-US" sz="1200" b="0" i="0" u="none" strike="noStrike" kern="1200" baseline="0" dirty="0" smtClean="0">
+              <a:rPr lang="zh-TW" altLang="en-US" sz="1200" b="0" i="0" u="none" strike="noStrike" kern="1200" baseline="0" dirty="0">
                 <a:solidFill>
                   <a:schemeClr val="tx1"/>
                 </a:solidFill>
@@ -1642,7 +1652,7 @@
               <a:t>、逾齡</a:t>
             </a:r>
             <a:r>
-              <a:rPr lang="en-US" altLang="zh-TW" sz="1200" b="0" i="0" u="none" strike="noStrike" kern="1200" baseline="0" dirty="0" smtClean="0">
+              <a:rPr lang="en-US" altLang="zh-TW" sz="1200" b="0" i="0" u="none" strike="noStrike" kern="1200" baseline="0" dirty="0">
                 <a:solidFill>
                   <a:schemeClr val="tx1"/>
                 </a:solidFill>
@@ -1653,7 +1663,7 @@
               <a:t>(</a:t>
             </a:r>
             <a:r>
-              <a:rPr lang="zh-TW" altLang="en-US" sz="1200" b="0" i="0" u="none" strike="noStrike" kern="1200" baseline="0" dirty="0" smtClean="0">
+              <a:rPr lang="zh-TW" altLang="en-US" sz="1200" b="0" i="0" u="none" strike="noStrike" kern="1200" baseline="0" dirty="0">
                 <a:solidFill>
                   <a:schemeClr val="tx1"/>
                 </a:solidFill>
@@ -1664,7 +1674,7 @@
               <a:t>兒童方案滿</a:t>
             </a:r>
             <a:r>
-              <a:rPr lang="en-US" altLang="zh-TW" sz="1200" b="0" i="0" u="none" strike="noStrike" kern="1200" baseline="0" dirty="0" smtClean="0">
+              <a:rPr lang="en-US" altLang="zh-TW" sz="1200" b="0" i="0" u="none" strike="noStrike" kern="1200" baseline="0" dirty="0">
                 <a:solidFill>
                   <a:schemeClr val="tx1"/>
                 </a:solidFill>
@@ -1675,7 +1685,7 @@
               <a:t>16 </a:t>
             </a:r>
             <a:r>
-              <a:rPr lang="zh-TW" altLang="en-US" sz="1200" b="0" i="0" u="none" strike="noStrike" kern="1200" baseline="0" dirty="0" smtClean="0">
+              <a:rPr lang="zh-TW" altLang="en-US" sz="1200" b="0" i="0" u="none" strike="noStrike" kern="1200" baseline="0" dirty="0">
                 <a:solidFill>
                   <a:schemeClr val="tx1"/>
                 </a:solidFill>
@@ -1686,7 +1696,7 @@
               <a:t>歲及年滿</a:t>
             </a:r>
             <a:r>
-              <a:rPr lang="en-US" altLang="zh-TW" sz="1200" b="0" i="0" u="none" strike="noStrike" kern="1200" baseline="0" dirty="0" smtClean="0">
+              <a:rPr lang="en-US" altLang="zh-TW" sz="1200" b="0" i="0" u="none" strike="noStrike" kern="1200" baseline="0" dirty="0">
                 <a:solidFill>
                   <a:schemeClr val="tx1"/>
                 </a:solidFill>
@@ -1697,7 +1707,7 @@
               <a:t>75 </a:t>
             </a:r>
             <a:r>
-              <a:rPr lang="zh-TW" altLang="en-US" sz="1200" b="0" i="0" u="none" strike="noStrike" kern="1200" baseline="0" dirty="0" smtClean="0">
+              <a:rPr lang="zh-TW" altLang="en-US" sz="1200" b="0" i="0" u="none" strike="noStrike" kern="1200" baseline="0" dirty="0">
                 <a:solidFill>
                   <a:schemeClr val="tx1"/>
                 </a:solidFill>
@@ -1708,7 +1718,7 @@
               <a:t>足歲</a:t>
             </a:r>
             <a:r>
-              <a:rPr lang="en-US" altLang="zh-TW" sz="1200" b="0" i="0" u="none" strike="noStrike" kern="1200" baseline="0" dirty="0" smtClean="0">
+              <a:rPr lang="en-US" altLang="zh-TW" sz="1200" b="0" i="0" u="none" strike="noStrike" kern="1200" baseline="0" dirty="0">
                 <a:solidFill>
                   <a:schemeClr val="tx1"/>
                 </a:solidFill>
@@ -1719,7 +1729,7 @@
               <a:t>)</a:t>
             </a:r>
             <a:r>
-              <a:rPr lang="zh-TW" altLang="en-US" sz="1200" b="0" i="0" u="none" strike="noStrike" kern="1200" baseline="0" dirty="0" smtClean="0">
+              <a:rPr lang="zh-TW" altLang="en-US" sz="1200" b="0" i="0" u="none" strike="noStrike" kern="1200" baseline="0" dirty="0">
                 <a:solidFill>
                   <a:schemeClr val="tx1"/>
                 </a:solidFill>
@@ -1730,7 +1740,7 @@
               <a:t>，</a:t>
             </a:r>
             <a:r>
-              <a:rPr lang="en-US" altLang="zh-TW" sz="1200" b="0" i="0" u="none" strike="noStrike" kern="1200" baseline="0" dirty="0" smtClean="0">
+              <a:rPr lang="en-US" altLang="zh-TW" sz="1200" b="0" i="0" u="none" strike="noStrike" kern="1200" baseline="0" dirty="0">
                 <a:solidFill>
                   <a:schemeClr val="tx1"/>
                 </a:solidFill>
@@ -1741,7 +1751,7 @@
               <a:t>D </a:t>
             </a:r>
             <a:r>
-              <a:rPr lang="zh-TW" altLang="en-US" sz="1200" b="0" i="0" u="none" strike="noStrike" kern="1200" baseline="0" dirty="0" smtClean="0">
+              <a:rPr lang="zh-TW" altLang="en-US" sz="1200" b="0" i="0" u="none" strike="noStrike" kern="1200" baseline="0" dirty="0">
                 <a:solidFill>
                   <a:schemeClr val="tx1"/>
                 </a:solidFill>
@@ -1752,7 +1762,7 @@
               <a:t>方案年滿</a:t>
             </a:r>
             <a:r>
-              <a:rPr lang="en-US" altLang="zh-TW" sz="1200" b="0" i="0" u="none" strike="noStrike" kern="1200" baseline="0" dirty="0" smtClean="0">
+              <a:rPr lang="en-US" altLang="zh-TW" sz="1200" b="0" i="0" u="none" strike="noStrike" kern="1200" baseline="0" dirty="0">
                 <a:solidFill>
                   <a:schemeClr val="tx1"/>
                 </a:solidFill>
@@ -1763,7 +1773,7 @@
               <a:t>65 </a:t>
             </a:r>
             <a:r>
-              <a:rPr lang="zh-TW" altLang="en-US" sz="1200" b="0" i="0" u="none" strike="noStrike" kern="1200" baseline="0" dirty="0" smtClean="0">
+              <a:rPr lang="zh-TW" altLang="en-US" sz="1200" b="0" i="0" u="none" strike="noStrike" kern="1200" baseline="0" dirty="0">
                 <a:solidFill>
                   <a:schemeClr val="tx1"/>
                 </a:solidFill>
@@ -1774,7 +1784,7 @@
               <a:t>足歲，或傷害醫療超過</a:t>
             </a:r>
             <a:r>
-              <a:rPr lang="en-US" altLang="zh-TW" sz="1200" b="0" i="0" u="none" strike="noStrike" kern="1200" baseline="0" dirty="0" smtClean="0">
+              <a:rPr lang="en-US" altLang="zh-TW" sz="1200" b="0" i="0" u="none" strike="noStrike" kern="1200" baseline="0" dirty="0">
                 <a:solidFill>
                   <a:schemeClr val="tx1"/>
                 </a:solidFill>
@@ -1785,7 +1795,7 @@
               <a:t>2</a:t>
             </a:r>
             <a:r>
-              <a:rPr lang="zh-TW" altLang="en-US" sz="1200" b="0" i="0" u="none" strike="noStrike" kern="1200" baseline="0" dirty="0" smtClean="0">
+              <a:rPr lang="zh-TW" altLang="en-US" sz="1200" b="0" i="0" u="none" strike="noStrike" kern="1200" baseline="0" dirty="0">
                 <a:solidFill>
                   <a:schemeClr val="tx1"/>
                 </a:solidFill>
@@ -1798,7 +1808,7 @@
           </a:p>
           <a:p>
             <a:r>
-              <a:rPr lang="en-US" altLang="zh-TW" sz="1200" b="0" i="0" u="none" strike="noStrike" kern="1200" baseline="0" dirty="0" smtClean="0">
+              <a:rPr lang="en-US" altLang="zh-TW" sz="1200" b="0" i="0" u="none" strike="noStrike" kern="1200" baseline="0" dirty="0">
                 <a:solidFill>
                   <a:schemeClr val="tx1"/>
                 </a:solidFill>
@@ -1809,7 +1819,7 @@
               <a:t>5</a:t>
             </a:r>
             <a:r>
-              <a:rPr lang="zh-TW" altLang="en-US" sz="1200" b="0" i="0" u="none" strike="noStrike" kern="1200" baseline="0" dirty="0" smtClean="0">
+              <a:rPr lang="zh-TW" altLang="en-US" sz="1200" b="0" i="0" u="none" strike="noStrike" kern="1200" baseline="0" dirty="0">
                 <a:solidFill>
                   <a:schemeClr val="tx1"/>
                 </a:solidFill>
@@ -1820,7 +1830,7 @@
               <a:t>、未滿</a:t>
             </a:r>
             <a:r>
-              <a:rPr lang="en-US" altLang="zh-TW" sz="1200" b="0" i="0" u="none" strike="noStrike" kern="1200" baseline="0" dirty="0" smtClean="0">
+              <a:rPr lang="en-US" altLang="zh-TW" sz="1200" b="0" i="0" u="none" strike="noStrike" kern="1200" baseline="0" dirty="0">
                 <a:solidFill>
                   <a:schemeClr val="tx1"/>
                 </a:solidFill>
@@ -1831,7 +1841,7 @@
               <a:t>15 </a:t>
             </a:r>
             <a:r>
-              <a:rPr lang="zh-TW" altLang="en-US" sz="1200" b="0" i="0" u="none" strike="noStrike" kern="1200" baseline="0" dirty="0" smtClean="0">
+              <a:rPr lang="zh-TW" altLang="en-US" sz="1200" b="0" i="0" u="none" strike="noStrike" kern="1200" baseline="0" dirty="0">
                 <a:solidFill>
                   <a:schemeClr val="tx1"/>
                 </a:solidFill>
@@ -1842,7 +1852,7 @@
               <a:t>足歲累額超過</a:t>
             </a:r>
             <a:r>
-              <a:rPr lang="en-US" altLang="zh-TW" sz="1200" b="0" i="0" u="none" strike="noStrike" kern="1200" baseline="0" dirty="0" smtClean="0">
+              <a:rPr lang="en-US" altLang="zh-TW" sz="1200" b="0" i="0" u="none" strike="noStrike" kern="1200" baseline="0" dirty="0">
                 <a:solidFill>
                   <a:schemeClr val="tx1"/>
                 </a:solidFill>
@@ -1853,7 +1863,7 @@
               <a:t>200 </a:t>
             </a:r>
             <a:r>
-              <a:rPr lang="zh-TW" altLang="en-US" sz="1200" b="0" i="0" u="none" strike="noStrike" kern="1200" baseline="0" dirty="0" smtClean="0">
+              <a:rPr lang="zh-TW" altLang="en-US" sz="1200" b="0" i="0" u="none" strike="noStrike" kern="1200" baseline="0" dirty="0">
                 <a:solidFill>
                   <a:schemeClr val="tx1"/>
                 </a:solidFill>
@@ -1864,7 +1874,7 @@
               <a:t>萬</a:t>
             </a:r>
             <a:r>
-              <a:rPr lang="en-US" altLang="zh-TW" sz="1200" b="0" i="0" u="none" strike="noStrike" kern="1200" baseline="0" dirty="0" smtClean="0">
+              <a:rPr lang="en-US" altLang="zh-TW" sz="1200" b="0" i="0" u="none" strike="noStrike" kern="1200" baseline="0" dirty="0">
                 <a:solidFill>
                   <a:schemeClr val="tx1"/>
                 </a:solidFill>
@@ -1875,7 +1885,7 @@
               <a:t>(Z679</a:t>
             </a:r>
             <a:r>
-              <a:rPr lang="zh-TW" altLang="en-US" sz="1200" b="0" i="0" u="none" strike="noStrike" kern="1200" baseline="0" dirty="0" smtClean="0">
+              <a:rPr lang="zh-TW" altLang="en-US" sz="1200" b="0" i="0" u="none" strike="noStrike" kern="1200" baseline="0" dirty="0">
                 <a:solidFill>
                   <a:schemeClr val="tx1"/>
                 </a:solidFill>
@@ -1886,7 +1896,7 @@
               <a:t>、</a:t>
             </a:r>
             <a:r>
-              <a:rPr lang="en-US" altLang="zh-TW" sz="1200" b="0" i="0" u="none" strike="noStrike" kern="1200" baseline="0" dirty="0" smtClean="0">
+              <a:rPr lang="en-US" altLang="zh-TW" sz="1200" b="0" i="0" u="none" strike="noStrike" kern="1200" baseline="0" dirty="0">
                 <a:solidFill>
                   <a:schemeClr val="tx1"/>
                 </a:solidFill>
@@ -1899,7 +1909,7 @@
           </a:p>
           <a:p>
             <a:r>
-              <a:rPr lang="en-US" altLang="zh-TW" sz="1200" b="0" i="0" u="none" strike="noStrike" kern="1200" baseline="0" dirty="0" smtClean="0">
+              <a:rPr lang="en-US" altLang="zh-TW" sz="1200" b="0" i="0" u="none" strike="noStrike" kern="1200" baseline="0" dirty="0">
                 <a:solidFill>
                   <a:schemeClr val="tx1"/>
                 </a:solidFill>
@@ -1910,7 +1920,7 @@
               <a:t>6</a:t>
             </a:r>
             <a:r>
-              <a:rPr lang="zh-TW" altLang="en-US" sz="1200" b="0" i="0" u="none" strike="noStrike" kern="1200" baseline="0" dirty="0" smtClean="0">
+              <a:rPr lang="zh-TW" altLang="en-US" sz="1200" b="0" i="0" u="none" strike="noStrike" kern="1200" baseline="0" dirty="0">
                 <a:solidFill>
                   <a:schemeClr val="tx1"/>
                 </a:solidFill>
@@ -1921,7 +1931,7 @@
               <a:t>、保險年齡超過</a:t>
             </a:r>
             <a:r>
-              <a:rPr lang="en-US" altLang="zh-TW" sz="1200" b="0" i="0" u="none" strike="noStrike" kern="1200" baseline="0" dirty="0" smtClean="0">
+              <a:rPr lang="en-US" altLang="zh-TW" sz="1200" b="0" i="0" u="none" strike="noStrike" kern="1200" baseline="0" dirty="0">
                 <a:solidFill>
                   <a:schemeClr val="tx1"/>
                 </a:solidFill>
@@ -1932,7 +1942,7 @@
               <a:t>71 </a:t>
             </a:r>
             <a:r>
-              <a:rPr lang="zh-TW" altLang="en-US" sz="1200" b="0" i="0" u="none" strike="noStrike" kern="1200" baseline="0" dirty="0" smtClean="0">
+              <a:rPr lang="zh-TW" altLang="en-US" sz="1200" b="0" i="0" u="none" strike="noStrike" kern="1200" baseline="0" dirty="0">
                 <a:solidFill>
                   <a:schemeClr val="tx1"/>
                 </a:solidFill>
@@ -1943,7 +1953,7 @@
               <a:t>歲</a:t>
             </a:r>
             <a:r>
-              <a:rPr lang="en-US" altLang="zh-TW" sz="1200" b="0" i="0" u="none" strike="noStrike" kern="1200" baseline="0" dirty="0" smtClean="0">
+              <a:rPr lang="en-US" altLang="zh-TW" sz="1200" b="0" i="0" u="none" strike="noStrike" kern="1200" baseline="0" dirty="0">
                 <a:solidFill>
                   <a:schemeClr val="tx1"/>
                 </a:solidFill>
@@ -1954,7 +1964,7 @@
               <a:t>(</a:t>
             </a:r>
             <a:r>
-              <a:rPr lang="zh-TW" altLang="en-US" sz="1200" b="0" i="0" u="none" strike="noStrike" kern="1200" baseline="0" dirty="0" smtClean="0">
+              <a:rPr lang="zh-TW" altLang="en-US" sz="1200" b="0" i="0" u="none" strike="noStrike" kern="1200" baseline="0" dirty="0">
                 <a:solidFill>
                   <a:schemeClr val="tx1"/>
                 </a:solidFill>
@@ -1965,7 +1975,7 @@
               <a:t>含</a:t>
             </a:r>
             <a:r>
-              <a:rPr lang="en-US" altLang="zh-TW" sz="1200" b="0" i="0" u="none" strike="noStrike" kern="1200" baseline="0" dirty="0" smtClean="0">
+              <a:rPr lang="en-US" altLang="zh-TW" sz="1200" b="0" i="0" u="none" strike="noStrike" kern="1200" baseline="0" dirty="0">
                 <a:solidFill>
                   <a:schemeClr val="tx1"/>
                 </a:solidFill>
@@ -1976,7 +1986,7 @@
               <a:t>)</a:t>
             </a:r>
             <a:r>
-              <a:rPr lang="zh-TW" altLang="en-US" sz="1200" b="0" i="0" u="none" strike="noStrike" kern="1200" baseline="0" dirty="0" smtClean="0">
+              <a:rPr lang="zh-TW" altLang="en-US" sz="1200" b="0" i="0" u="none" strike="noStrike" kern="1200" baseline="0" dirty="0">
                 <a:solidFill>
                   <a:schemeClr val="tx1"/>
                 </a:solidFill>
@@ -1987,7 +1997,7 @@
               <a:t>以上，</a:t>
             </a:r>
             <a:r>
-              <a:rPr lang="en-US" altLang="zh-TW" sz="1200" b="0" i="0" u="none" strike="noStrike" kern="1200" baseline="0" dirty="0" smtClean="0">
+              <a:rPr lang="en-US" altLang="zh-TW" sz="1200" b="0" i="0" u="none" strike="noStrike" kern="1200" baseline="0" dirty="0">
                 <a:solidFill>
                   <a:schemeClr val="tx1"/>
                 </a:solidFill>
@@ -1998,7 +2008,7 @@
               <a:t>(</a:t>
             </a:r>
             <a:r>
-              <a:rPr lang="zh-TW" altLang="en-US" sz="1200" b="0" i="0" u="none" strike="noStrike" kern="1200" baseline="0" dirty="0" smtClean="0">
+              <a:rPr lang="zh-TW" altLang="en-US" sz="1200" b="0" i="0" u="none" strike="noStrike" kern="1200" baseline="0" dirty="0">
                 <a:solidFill>
                   <a:schemeClr val="tx1"/>
                 </a:solidFill>
@@ -2009,7 +2019,7 @@
               <a:t>因為要專任生調</a:t>
             </a:r>
             <a:r>
-              <a:rPr lang="en-US" altLang="zh-TW" sz="1200" b="0" i="0" u="none" strike="noStrike" kern="1200" baseline="0" dirty="0" smtClean="0">
+              <a:rPr lang="en-US" altLang="zh-TW" sz="1200" b="0" i="0" u="none" strike="noStrike" kern="1200" baseline="0" dirty="0">
                 <a:solidFill>
                   <a:schemeClr val="tx1"/>
                 </a:solidFill>
@@ -2022,7 +2032,7 @@
           </a:p>
           <a:p>
             <a:r>
-              <a:rPr lang="en-US" altLang="zh-TW" sz="1200" b="0" i="0" u="none" strike="noStrike" kern="1200" baseline="0" dirty="0" smtClean="0">
+              <a:rPr lang="en-US" altLang="zh-TW" sz="1200" b="0" i="0" u="none" strike="noStrike" kern="1200" baseline="0" dirty="0">
                 <a:solidFill>
                   <a:schemeClr val="tx1"/>
                 </a:solidFill>
@@ -2033,7 +2043,7 @@
               <a:t>7</a:t>
             </a:r>
             <a:r>
-              <a:rPr lang="zh-TW" altLang="en-US" sz="1200" b="0" i="0" u="none" strike="noStrike" kern="1200" baseline="0" dirty="0" smtClean="0">
+              <a:rPr lang="zh-TW" altLang="en-US" sz="1200" b="0" i="0" u="none" strike="noStrike" kern="1200" baseline="0" dirty="0">
                 <a:solidFill>
                   <a:schemeClr val="tx1"/>
                 </a:solidFill>
@@ -2044,7 +2054,7 @@
               <a:t>、被保險人</a:t>
             </a:r>
             <a:r>
-              <a:rPr lang="en-US" altLang="zh-TW" sz="1200" b="0" i="0" u="none" strike="noStrike" kern="1200" baseline="0" dirty="0" smtClean="0">
+              <a:rPr lang="en-US" altLang="zh-TW" sz="1200" b="0" i="0" u="none" strike="noStrike" kern="1200" baseline="0" dirty="0">
                 <a:solidFill>
                   <a:schemeClr val="tx1"/>
                 </a:solidFill>
@@ -2055,7 +2065,7 @@
               <a:t>61~75 </a:t>
             </a:r>
             <a:r>
-              <a:rPr lang="zh-TW" altLang="en-US" sz="1200" b="0" i="0" u="none" strike="noStrike" kern="1200" baseline="0" dirty="0" smtClean="0">
+              <a:rPr lang="zh-TW" altLang="en-US" sz="1200" b="0" i="0" u="none" strike="noStrike" kern="1200" baseline="0" dirty="0">
                 <a:solidFill>
                   <a:schemeClr val="tx1"/>
                 </a:solidFill>
@@ -2066,7 +2076,7 @@
               <a:t>歲，</a:t>
             </a:r>
             <a:r>
-              <a:rPr lang="en-US" altLang="zh-TW" sz="1200" b="0" i="0" u="none" strike="noStrike" kern="1200" baseline="0" dirty="0" smtClean="0">
+              <a:rPr lang="en-US" altLang="zh-TW" sz="1200" b="0" i="0" u="none" strike="noStrike" kern="1200" baseline="0" dirty="0">
                 <a:solidFill>
                   <a:schemeClr val="tx1"/>
                 </a:solidFill>
@@ -2077,7 +2087,7 @@
               <a:t>3%,K,K2,03,04,05,20,</a:t>
             </a:r>
             <a:r>
-              <a:rPr lang="zh-TW" altLang="en-US" sz="1200" b="0" i="0" u="none" strike="noStrike" kern="1200" baseline="0" dirty="0" smtClean="0">
+              <a:rPr lang="zh-TW" altLang="en-US" sz="1200" b="0" i="0" u="none" strike="noStrike" kern="1200" baseline="0" dirty="0">
                 <a:solidFill>
                   <a:schemeClr val="tx1"/>
                 </a:solidFill>
@@ -2088,7 +2098,7 @@
               <a:t>閤家安</a:t>
             </a:r>
             <a:r>
-              <a:rPr lang="en-US" altLang="zh-TW" sz="1200" b="0" i="0" u="none" strike="noStrike" kern="1200" baseline="0" dirty="0" smtClean="0">
+              <a:rPr lang="en-US" altLang="zh-TW" sz="1200" b="0" i="0" u="none" strike="noStrike" kern="1200" baseline="0" dirty="0">
                 <a:solidFill>
                   <a:schemeClr val="tx1"/>
                 </a:solidFill>
@@ -2099,7 +2109,7 @@
               <a:t>,</a:t>
             </a:r>
             <a:r>
-              <a:rPr lang="zh-TW" altLang="en-US" sz="1200" b="0" i="0" u="none" strike="noStrike" kern="1200" baseline="0" dirty="0" smtClean="0">
+              <a:rPr lang="zh-TW" altLang="en-US" sz="1200" b="0" i="0" u="none" strike="noStrike" kern="1200" baseline="0" dirty="0">
                 <a:solidFill>
                   <a:schemeClr val="tx1"/>
                 </a:solidFill>
@@ -2110,7 +2120,7 @@
               <a:t>活力平安</a:t>
             </a:r>
             <a:r>
-              <a:rPr lang="en-US" altLang="zh-TW" sz="1200" b="0" i="0" u="none" strike="noStrike" kern="1200" baseline="0" dirty="0" smtClean="0">
+              <a:rPr lang="en-US" altLang="zh-TW" sz="1200" b="0" i="0" u="none" strike="noStrike" kern="1200" baseline="0" dirty="0">
                 <a:solidFill>
                   <a:schemeClr val="tx1"/>
                 </a:solidFill>
@@ -2121,7 +2131,7 @@
               <a:t>,</a:t>
             </a:r>
             <a:r>
-              <a:rPr lang="en-US" altLang="zh-TW" sz="1200" b="0" i="0" u="none" strike="noStrike" kern="1200" baseline="0" dirty="0" err="1" smtClean="0">
+              <a:rPr lang="en-US" altLang="zh-TW" sz="1200" b="0" i="0" u="none" strike="noStrike" kern="1200" baseline="0" dirty="0" err="1">
                 <a:solidFill>
                   <a:schemeClr val="tx1"/>
                 </a:solidFill>
@@ -2132,7 +2142,7 @@
               <a:t>i</a:t>
             </a:r>
             <a:r>
-              <a:rPr lang="en-US" altLang="zh-TW" sz="1200" b="0" i="0" u="none" strike="noStrike" kern="1200" baseline="0" dirty="0" smtClean="0">
+              <a:rPr lang="en-US" altLang="zh-TW" sz="1200" b="0" i="0" u="none" strike="noStrike" kern="1200" baseline="0" dirty="0">
                 <a:solidFill>
                   <a:schemeClr val="tx1"/>
                 </a:solidFill>
@@ -2143,7 +2153,7 @@
               <a:t> </a:t>
             </a:r>
             <a:r>
-              <a:rPr lang="zh-TW" altLang="en-US" sz="1200" b="0" i="0" u="none" strike="noStrike" kern="1200" baseline="0" dirty="0" smtClean="0">
+              <a:rPr lang="zh-TW" altLang="en-US" sz="1200" b="0" i="0" u="none" strike="noStrike" kern="1200" baseline="0" dirty="0">
                 <a:solidFill>
                   <a:schemeClr val="tx1"/>
                 </a:solidFill>
@@ -2154,7 +2164,7 @@
               <a:t>平安</a:t>
             </a:r>
             <a:r>
-              <a:rPr lang="en-US" altLang="zh-TW" sz="1200" b="0" i="0" u="none" strike="noStrike" kern="1200" baseline="0" dirty="0" smtClean="0">
+              <a:rPr lang="en-US" altLang="zh-TW" sz="1200" b="0" i="0" u="none" strike="noStrike" kern="1200" baseline="0" dirty="0">
                 <a:solidFill>
                   <a:schemeClr val="tx1"/>
                 </a:solidFill>
@@ -2165,7 +2175,7 @@
               <a:t>,</a:t>
             </a:r>
             <a:r>
-              <a:rPr lang="en-US" altLang="zh-TW" sz="1200" b="0" i="0" u="none" strike="noStrike" kern="1200" baseline="0" dirty="0" err="1" smtClean="0">
+              <a:rPr lang="en-US" altLang="zh-TW" sz="1200" b="0" i="0" u="none" strike="noStrike" kern="1200" baseline="0" dirty="0" err="1">
                 <a:solidFill>
                   <a:schemeClr val="tx1"/>
                 </a:solidFill>
@@ -2176,7 +2186,7 @@
               <a:t>i</a:t>
             </a:r>
             <a:r>
-              <a:rPr lang="en-US" altLang="zh-TW" sz="1200" b="0" i="0" u="none" strike="noStrike" kern="1200" baseline="0" dirty="0" smtClean="0">
+              <a:rPr lang="en-US" altLang="zh-TW" sz="1200" b="0" i="0" u="none" strike="noStrike" kern="1200" baseline="0" dirty="0">
                 <a:solidFill>
                   <a:schemeClr val="tx1"/>
                 </a:solidFill>
@@ -2187,7 +2197,7 @@
               <a:t>-going</a:t>
             </a:r>
             <a:r>
-              <a:rPr lang="zh-TW" altLang="en-US" sz="1200" b="0" i="0" u="none" strike="noStrike" kern="1200" baseline="0" dirty="0" smtClean="0">
+              <a:rPr lang="zh-TW" altLang="en-US" sz="1200" b="0" i="0" u="none" strike="noStrike" kern="1200" baseline="0" dirty="0">
                 <a:solidFill>
                   <a:schemeClr val="tx1"/>
                 </a:solidFill>
@@ -2198,7 +2208,7 @@
               <a:t>，累計危險保額不得超過新臺幣</a:t>
             </a:r>
             <a:r>
-              <a:rPr lang="en-US" altLang="zh-TW" sz="1200" b="0" i="0" u="none" strike="noStrike" kern="1200" baseline="0" dirty="0" smtClean="0">
+              <a:rPr lang="en-US" altLang="zh-TW" sz="1200" b="0" i="0" u="none" strike="noStrike" kern="1200" baseline="0" dirty="0">
                 <a:solidFill>
                   <a:schemeClr val="tx1"/>
                 </a:solidFill>
@@ -2209,7 +2219,7 @@
               <a:t>1200 </a:t>
             </a:r>
             <a:r>
-              <a:rPr lang="zh-TW" altLang="en-US" sz="1200" b="0" i="0" u="none" strike="noStrike" kern="1200" baseline="0" dirty="0" smtClean="0">
+              <a:rPr lang="zh-TW" altLang="en-US" sz="1200" b="0" i="0" u="none" strike="noStrike" kern="1200" baseline="0" dirty="0">
                 <a:solidFill>
                   <a:schemeClr val="tx1"/>
                 </a:solidFill>
@@ -2220,7 +2230,7 @@
               <a:t>萬元。</a:t>
             </a:r>
             <a:r>
-              <a:rPr lang="en-US" altLang="zh-TW" sz="1200" b="0" i="0" u="none" strike="noStrike" kern="1200" baseline="0" dirty="0" smtClean="0">
+              <a:rPr lang="en-US" altLang="zh-TW" sz="1200" b="0" i="0" u="none" strike="noStrike" kern="1200" baseline="0" dirty="0">
                 <a:solidFill>
                   <a:schemeClr val="tx1"/>
                 </a:solidFill>
@@ -2233,7 +2243,7 @@
           </a:p>
           <a:p>
             <a:r>
-              <a:rPr lang="en-US" altLang="zh-TW" sz="1200" b="0" i="0" u="none" strike="noStrike" kern="1200" baseline="0" dirty="0" smtClean="0">
+              <a:rPr lang="en-US" altLang="zh-TW" sz="1200" b="0" i="0" u="none" strike="noStrike" kern="1200" baseline="0" dirty="0">
                 <a:solidFill>
                   <a:schemeClr val="tx1"/>
                 </a:solidFill>
@@ -2244,7 +2254,7 @@
               <a:t>8</a:t>
             </a:r>
             <a:r>
-              <a:rPr lang="zh-TW" altLang="en-US" sz="1200" b="0" i="0" u="none" strike="noStrike" kern="1200" baseline="0" dirty="0" smtClean="0">
+              <a:rPr lang="zh-TW" altLang="en-US" sz="1200" b="0" i="0" u="none" strike="noStrike" kern="1200" baseline="0" dirty="0">
                 <a:solidFill>
                   <a:schemeClr val="tx1"/>
                 </a:solidFill>
@@ -2255,7 +2265,7 @@
               <a:t>、未滿</a:t>
             </a:r>
             <a:r>
-              <a:rPr lang="en-US" altLang="zh-TW" sz="1200" b="0" i="0" u="none" strike="noStrike" kern="1200" baseline="0" dirty="0" smtClean="0">
+              <a:rPr lang="en-US" altLang="zh-TW" sz="1200" b="0" i="0" u="none" strike="noStrike" kern="1200" baseline="0" dirty="0">
                 <a:solidFill>
                   <a:schemeClr val="tx1"/>
                 </a:solidFill>
@@ -2266,7 +2276,7 @@
               <a:t>15 </a:t>
             </a:r>
             <a:r>
-              <a:rPr lang="zh-TW" altLang="en-US" sz="1200" b="0" i="0" u="none" strike="noStrike" kern="1200" baseline="0" dirty="0" smtClean="0">
+              <a:rPr lang="zh-TW" altLang="en-US" sz="1200" b="0" i="0" u="none" strike="noStrike" kern="1200" baseline="0" dirty="0">
                 <a:solidFill>
                   <a:schemeClr val="tx1"/>
                 </a:solidFill>
@@ -2277,7 +2287,7 @@
               <a:t>足歲，累計同業保額超過</a:t>
             </a:r>
             <a:r>
-              <a:rPr lang="en-US" altLang="zh-TW" sz="1200" b="0" i="0" u="none" strike="noStrike" kern="1200" baseline="0" dirty="0" smtClean="0">
+              <a:rPr lang="en-US" altLang="zh-TW" sz="1200" b="0" i="0" u="none" strike="noStrike" kern="1200" baseline="0" dirty="0">
                 <a:solidFill>
                   <a:schemeClr val="tx1"/>
                 </a:solidFill>
@@ -2288,7 +2298,7 @@
               <a:t>1200 </a:t>
             </a:r>
             <a:r>
-              <a:rPr lang="zh-TW" altLang="en-US" sz="1200" b="0" i="0" u="none" strike="noStrike" kern="1200" baseline="0" dirty="0" smtClean="0">
+              <a:rPr lang="zh-TW" altLang="en-US" sz="1200" b="0" i="0" u="none" strike="noStrike" kern="1200" baseline="0" dirty="0">
                 <a:solidFill>
                   <a:schemeClr val="tx1"/>
                 </a:solidFill>
@@ -2299,7 +2309,7 @@
               <a:t>萬。</a:t>
             </a:r>
             <a:r>
-              <a:rPr lang="en-US" altLang="zh-TW" sz="1200" b="0" i="0" u="none" strike="noStrike" kern="1200" baseline="0" dirty="0" smtClean="0">
+              <a:rPr lang="en-US" altLang="zh-TW" sz="1200" b="0" i="0" u="none" strike="noStrike" kern="1200" baseline="0" dirty="0">
                 <a:solidFill>
                   <a:schemeClr val="tx1"/>
                 </a:solidFill>
@@ -2310,7 +2320,7 @@
               <a:t>(Z681</a:t>
             </a:r>
             <a:r>
-              <a:rPr lang="zh-TW" altLang="en-US" sz="1200" b="0" i="0" u="none" strike="noStrike" kern="1200" baseline="0" dirty="0" smtClean="0">
+              <a:rPr lang="zh-TW" altLang="en-US" sz="1200" b="0" i="0" u="none" strike="noStrike" kern="1200" baseline="0" dirty="0">
                 <a:solidFill>
                   <a:schemeClr val="tx1"/>
                 </a:solidFill>
@@ -2321,7 +2331,7 @@
               <a:t>、</a:t>
             </a:r>
             <a:r>
-              <a:rPr lang="en-US" altLang="zh-TW" sz="1200" b="0" i="0" u="none" strike="noStrike" kern="1200" baseline="0" dirty="0" smtClean="0">
+              <a:rPr lang="en-US" altLang="zh-TW" sz="1200" b="0" i="0" u="none" strike="noStrike" kern="1200" baseline="0" dirty="0">
                 <a:solidFill>
                   <a:schemeClr val="tx1"/>
                 </a:solidFill>
@@ -2332,7 +2342,7 @@
               <a:t>Z682</a:t>
             </a:r>
             <a:r>
-              <a:rPr lang="zh-TW" altLang="en-US" sz="1200" b="0" i="0" u="none" strike="noStrike" kern="1200" baseline="0" dirty="0" smtClean="0">
+              <a:rPr lang="zh-TW" altLang="en-US" sz="1200" b="0" i="0" u="none" strike="noStrike" kern="1200" baseline="0" dirty="0">
                 <a:solidFill>
                   <a:schemeClr val="tx1"/>
                 </a:solidFill>
@@ -2343,7 +2353,7 @@
               <a:t>、</a:t>
             </a:r>
             <a:r>
-              <a:rPr lang="en-US" altLang="zh-TW" sz="1200" b="0" i="0" u="none" strike="noStrike" kern="1200" baseline="0" dirty="0" smtClean="0">
+              <a:rPr lang="en-US" altLang="zh-TW" sz="1200" b="0" i="0" u="none" strike="noStrike" kern="1200" baseline="0" dirty="0">
                 <a:solidFill>
                   <a:schemeClr val="tx1"/>
                 </a:solidFill>
@@ -2356,7 +2366,7 @@
           </a:p>
           <a:p>
             <a:r>
-              <a:rPr lang="en-US" altLang="zh-TW" sz="1200" b="0" i="0" u="none" strike="noStrike" kern="1200" baseline="0" dirty="0" smtClean="0">
+              <a:rPr lang="en-US" altLang="zh-TW" sz="1200" b="0" i="0" u="none" strike="noStrike" kern="1200" baseline="0" dirty="0">
                 <a:solidFill>
                   <a:schemeClr val="tx1"/>
                 </a:solidFill>
@@ -2367,7 +2377,7 @@
               <a:t>9</a:t>
             </a:r>
             <a:r>
-              <a:rPr lang="zh-TW" altLang="en-US" sz="1200" b="0" i="0" u="none" strike="noStrike" kern="1200" baseline="0" dirty="0" smtClean="0">
+              <a:rPr lang="zh-TW" altLang="en-US" sz="1200" b="0" i="0" u="none" strike="noStrike" kern="1200" baseline="0" dirty="0">
                 <a:solidFill>
                   <a:schemeClr val="tx1"/>
                 </a:solidFill>
@@ -2378,7 +2388,7 @@
               <a:t>、累計同業人壽險人壽保險及傷害保險</a:t>
             </a:r>
             <a:r>
-              <a:rPr lang="en-US" altLang="zh-TW" sz="1200" b="0" i="0" u="none" strike="noStrike" kern="1200" baseline="0" dirty="0" smtClean="0">
+              <a:rPr lang="en-US" altLang="zh-TW" sz="1200" b="0" i="0" u="none" strike="noStrike" kern="1200" baseline="0" dirty="0">
                 <a:solidFill>
                   <a:schemeClr val="tx1"/>
                 </a:solidFill>
@@ -2389,7 +2399,7 @@
               <a:t>(</a:t>
             </a:r>
             <a:r>
-              <a:rPr lang="zh-TW" altLang="en-US" sz="1200" b="0" i="0" u="none" strike="noStrike" kern="1200" baseline="0" dirty="0" smtClean="0">
+              <a:rPr lang="zh-TW" altLang="en-US" sz="1200" b="0" i="0" u="none" strike="noStrike" kern="1200" baseline="0" dirty="0">
                 <a:solidFill>
                   <a:schemeClr val="tx1"/>
                 </a:solidFill>
@@ -2400,7 +2410,7 @@
               <a:t>含主、附約</a:t>
             </a:r>
             <a:r>
-              <a:rPr lang="en-US" altLang="zh-TW" sz="1200" b="0" i="0" u="none" strike="noStrike" kern="1200" baseline="0" dirty="0" smtClean="0">
+              <a:rPr lang="en-US" altLang="zh-TW" sz="1200" b="0" i="0" u="none" strike="noStrike" kern="1200" baseline="0" dirty="0">
                 <a:solidFill>
                   <a:schemeClr val="tx1"/>
                 </a:solidFill>
@@ -2411,7 +2421,7 @@
               <a:t>)</a:t>
             </a:r>
             <a:r>
-              <a:rPr lang="zh-TW" altLang="en-US" sz="1200" b="0" i="0" u="none" strike="noStrike" kern="1200" baseline="0" dirty="0" smtClean="0">
+              <a:rPr lang="zh-TW" altLang="en-US" sz="1200" b="0" i="0" u="none" strike="noStrike" kern="1200" baseline="0" dirty="0">
                 <a:solidFill>
                   <a:schemeClr val="tx1"/>
                 </a:solidFill>
@@ -2422,7 +2432,7 @@
               <a:t>超過</a:t>
             </a:r>
             <a:r>
-              <a:rPr lang="en-US" altLang="zh-TW" sz="1200" b="0" i="0" u="none" strike="noStrike" kern="1200" baseline="0" dirty="0" smtClean="0">
+              <a:rPr lang="en-US" altLang="zh-TW" sz="1200" b="0" i="0" u="none" strike="noStrike" kern="1200" baseline="0" dirty="0">
                 <a:solidFill>
                   <a:schemeClr val="tx1"/>
                 </a:solidFill>
@@ -2433,7 +2443,7 @@
               <a:t>2501 </a:t>
             </a:r>
             <a:r>
-              <a:rPr lang="zh-TW" altLang="en-US" sz="1200" b="0" i="0" u="none" strike="noStrike" kern="1200" baseline="0" dirty="0" smtClean="0">
+              <a:rPr lang="zh-TW" altLang="en-US" sz="1200" b="0" i="0" u="none" strike="noStrike" kern="1200" baseline="0" dirty="0">
                 <a:solidFill>
                   <a:schemeClr val="tx1"/>
                 </a:solidFill>
@@ -2444,7 +2454,7 @@
               <a:t>萬以上。</a:t>
             </a:r>
             <a:r>
-              <a:rPr lang="en-US" altLang="zh-TW" sz="1200" b="0" i="0" u="none" strike="noStrike" kern="1200" baseline="0" dirty="0" smtClean="0">
+              <a:rPr lang="en-US" altLang="zh-TW" sz="1200" b="0" i="0" u="none" strike="noStrike" kern="1200" baseline="0" dirty="0">
                 <a:solidFill>
                   <a:schemeClr val="tx1"/>
                 </a:solidFill>
@@ -2456,7 +2466,7 @@
             </a:r>
           </a:p>
           <a:p>
-            <a:endParaRPr lang="zh-TW" altLang="en-US" sz="1200" b="0" i="0" u="none" strike="noStrike" kern="1200" baseline="0" dirty="0" smtClean="0">
+            <a:endParaRPr lang="zh-TW" altLang="en-US" sz="1200" b="0" i="0" u="none" strike="noStrike" kern="1200" baseline="0" dirty="0">
               <a:solidFill>
                 <a:schemeClr val="tx1"/>
               </a:solidFill>
@@ -2676,7 +2686,7 @@
           </a:lstStyle>
           <a:p>
             <a:r>
-              <a:rPr kumimoji="0" lang="zh-TW" altLang="en-US" smtClean="0"/>
+              <a:rPr kumimoji="0" lang="zh-TW" altLang="en-US"/>
               <a:t>按一下以編輯母片副標題樣式</a:t>
             </a:r>
             <a:endParaRPr kumimoji="0" lang="en-US"/>
@@ -2700,7 +2710,7 @@
           <a:p>
             <a:fld id="{4974B3A4-CCE2-40CC-9E35-8D3F9993C93C}" type="datetimeFigureOut">
               <a:rPr lang="zh-TW" altLang="en-US" smtClean="0"/>
-              <a:t>2017/5/31</a:t>
+              <a:t>2017/11/28</a:t>
             </a:fld>
             <a:endParaRPr lang="zh-TW" altLang="en-US"/>
           </a:p>
@@ -2929,7 +2939,7 @@
           </a:lstStyle>
           <a:p>
             <a:r>
-              <a:rPr kumimoji="0" lang="zh-TW" altLang="en-US" smtClean="0"/>
+              <a:rPr kumimoji="0" lang="zh-TW" altLang="en-US"/>
               <a:t>按一下以編輯母片標題樣式</a:t>
             </a:r>
             <a:endParaRPr kumimoji="0" lang="en-US"/>
@@ -2977,7 +2987,7 @@
           <a:lstStyle/>
           <a:p>
             <a:r>
-              <a:rPr kumimoji="0" lang="zh-TW" altLang="en-US" smtClean="0"/>
+              <a:rPr kumimoji="0" lang="zh-TW" altLang="en-US"/>
               <a:t>按一下以編輯母片標題樣式</a:t>
             </a:r>
             <a:endParaRPr kumimoji="0" lang="en-US"/>
@@ -3001,35 +3011,35 @@
           <a:p>
             <a:pPr lvl="0" eaLnBrk="1" latinLnBrk="0" hangingPunct="1"/>
             <a:r>
-              <a:rPr lang="zh-TW" altLang="en-US" smtClean="0"/>
+              <a:rPr lang="zh-TW" altLang="en-US"/>
               <a:t>按一下以編輯母片文字樣式</a:t>
             </a:r>
           </a:p>
           <a:p>
             <a:pPr lvl="1" eaLnBrk="1" latinLnBrk="0" hangingPunct="1"/>
             <a:r>
-              <a:rPr lang="zh-TW" altLang="en-US" smtClean="0"/>
+              <a:rPr lang="zh-TW" altLang="en-US"/>
               <a:t>第二層</a:t>
             </a:r>
           </a:p>
           <a:p>
             <a:pPr lvl="2" eaLnBrk="1" latinLnBrk="0" hangingPunct="1"/>
             <a:r>
-              <a:rPr lang="zh-TW" altLang="en-US" smtClean="0"/>
+              <a:rPr lang="zh-TW" altLang="en-US"/>
               <a:t>第三層</a:t>
             </a:r>
           </a:p>
           <a:p>
             <a:pPr lvl="3" eaLnBrk="1" latinLnBrk="0" hangingPunct="1"/>
             <a:r>
-              <a:rPr lang="zh-TW" altLang="en-US" smtClean="0"/>
+              <a:rPr lang="zh-TW" altLang="en-US"/>
               <a:t>第四層</a:t>
             </a:r>
           </a:p>
           <a:p>
             <a:pPr lvl="4" eaLnBrk="1" latinLnBrk="0" hangingPunct="1"/>
             <a:r>
-              <a:rPr lang="zh-TW" altLang="en-US" smtClean="0"/>
+              <a:rPr lang="zh-TW" altLang="en-US"/>
               <a:t>第五層</a:t>
             </a:r>
             <a:endParaRPr kumimoji="0" lang="en-US"/>
@@ -3053,7 +3063,7 @@
           <a:p>
             <a:fld id="{4974B3A4-CCE2-40CC-9E35-8D3F9993C93C}" type="datetimeFigureOut">
               <a:rPr lang="zh-TW" altLang="en-US" smtClean="0"/>
-              <a:t>2017/5/31</a:t>
+              <a:t>2017/11/28</a:t>
             </a:fld>
             <a:endParaRPr lang="zh-TW" altLang="en-US"/>
           </a:p>
@@ -3147,7 +3157,7 @@
           <a:lstStyle/>
           <a:p>
             <a:r>
-              <a:rPr kumimoji="0" lang="zh-TW" altLang="en-US" smtClean="0"/>
+              <a:rPr kumimoji="0" lang="zh-TW" altLang="en-US"/>
               <a:t>按一下以編輯母片標題樣式</a:t>
             </a:r>
             <a:endParaRPr kumimoji="0" lang="en-US"/>
@@ -3176,35 +3186,35 @@
           <a:p>
             <a:pPr lvl="0" eaLnBrk="1" latinLnBrk="0" hangingPunct="1"/>
             <a:r>
-              <a:rPr lang="zh-TW" altLang="en-US" smtClean="0"/>
+              <a:rPr lang="zh-TW" altLang="en-US"/>
               <a:t>按一下以編輯母片文字樣式</a:t>
             </a:r>
           </a:p>
           <a:p>
             <a:pPr lvl="1" eaLnBrk="1" latinLnBrk="0" hangingPunct="1"/>
             <a:r>
-              <a:rPr lang="zh-TW" altLang="en-US" smtClean="0"/>
+              <a:rPr lang="zh-TW" altLang="en-US"/>
               <a:t>第二層</a:t>
             </a:r>
           </a:p>
           <a:p>
             <a:pPr lvl="2" eaLnBrk="1" latinLnBrk="0" hangingPunct="1"/>
             <a:r>
-              <a:rPr lang="zh-TW" altLang="en-US" smtClean="0"/>
+              <a:rPr lang="zh-TW" altLang="en-US"/>
               <a:t>第三層</a:t>
             </a:r>
           </a:p>
           <a:p>
             <a:pPr lvl="3" eaLnBrk="1" latinLnBrk="0" hangingPunct="1"/>
             <a:r>
-              <a:rPr lang="zh-TW" altLang="en-US" smtClean="0"/>
+              <a:rPr lang="zh-TW" altLang="en-US"/>
               <a:t>第四層</a:t>
             </a:r>
           </a:p>
           <a:p>
             <a:pPr lvl="4" eaLnBrk="1" latinLnBrk="0" hangingPunct="1"/>
             <a:r>
-              <a:rPr lang="zh-TW" altLang="en-US" smtClean="0"/>
+              <a:rPr lang="zh-TW" altLang="en-US"/>
               <a:t>第五層</a:t>
             </a:r>
             <a:endParaRPr kumimoji="0" lang="en-US"/>
@@ -3228,7 +3238,7 @@
           <a:p>
             <a:fld id="{4974B3A4-CCE2-40CC-9E35-8D3F9993C93C}" type="datetimeFigureOut">
               <a:rPr lang="zh-TW" altLang="en-US" smtClean="0"/>
-              <a:t>2017/5/31</a:t>
+              <a:t>2017/11/28</a:t>
             </a:fld>
             <a:endParaRPr lang="zh-TW" altLang="en-US"/>
           </a:p>
@@ -3317,7 +3327,7 @@
           <a:lstStyle/>
           <a:p>
             <a:r>
-              <a:rPr kumimoji="0" lang="zh-TW" altLang="en-US" smtClean="0"/>
+              <a:rPr kumimoji="0" lang="zh-TW" altLang="en-US"/>
               <a:t>按一下以編輯母片標題樣式</a:t>
             </a:r>
             <a:endParaRPr kumimoji="0" lang="en-US"/>
@@ -3341,7 +3351,7 @@
           <a:p>
             <a:fld id="{4974B3A4-CCE2-40CC-9E35-8D3F9993C93C}" type="datetimeFigureOut">
               <a:rPr lang="zh-TW" altLang="en-US" smtClean="0"/>
-              <a:t>2017/5/31</a:t>
+              <a:t>2017/11/28</a:t>
             </a:fld>
             <a:endParaRPr lang="zh-TW" altLang="en-US"/>
           </a:p>
@@ -3411,35 +3421,35 @@
           <a:p>
             <a:pPr lvl="0" eaLnBrk="1" latinLnBrk="0" hangingPunct="1"/>
             <a:r>
-              <a:rPr lang="zh-TW" altLang="en-US" smtClean="0"/>
+              <a:rPr lang="zh-TW" altLang="en-US"/>
               <a:t>按一下以編輯母片文字樣式</a:t>
             </a:r>
           </a:p>
           <a:p>
             <a:pPr lvl="1" eaLnBrk="1" latinLnBrk="0" hangingPunct="1"/>
             <a:r>
-              <a:rPr lang="zh-TW" altLang="en-US" smtClean="0"/>
+              <a:rPr lang="zh-TW" altLang="en-US"/>
               <a:t>第二層</a:t>
             </a:r>
           </a:p>
           <a:p>
             <a:pPr lvl="2" eaLnBrk="1" latinLnBrk="0" hangingPunct="1"/>
             <a:r>
-              <a:rPr lang="zh-TW" altLang="en-US" smtClean="0"/>
+              <a:rPr lang="zh-TW" altLang="en-US"/>
               <a:t>第三層</a:t>
             </a:r>
           </a:p>
           <a:p>
             <a:pPr lvl="3" eaLnBrk="1" latinLnBrk="0" hangingPunct="1"/>
             <a:r>
-              <a:rPr lang="zh-TW" altLang="en-US" smtClean="0"/>
+              <a:rPr lang="zh-TW" altLang="en-US"/>
               <a:t>第四層</a:t>
             </a:r>
           </a:p>
           <a:p>
             <a:pPr lvl="4" eaLnBrk="1" latinLnBrk="0" hangingPunct="1"/>
             <a:r>
-              <a:rPr lang="zh-TW" altLang="en-US" smtClean="0"/>
+              <a:rPr lang="zh-TW" altLang="en-US"/>
               <a:t>第五層</a:t>
             </a:r>
             <a:endParaRPr kumimoji="0" lang="en-US"/>
@@ -3596,7 +3606,7 @@
           </a:lstStyle>
           <a:p>
             <a:r>
-              <a:rPr kumimoji="0" lang="zh-TW" altLang="en-US" smtClean="0"/>
+              <a:rPr kumimoji="0" lang="zh-TW" altLang="en-US"/>
               <a:t>按一下以編輯母片標題樣式</a:t>
             </a:r>
             <a:endParaRPr kumimoji="0" lang="en-US"/>
@@ -3676,7 +3686,7 @@
           <a:p>
             <a:pPr lvl="0" eaLnBrk="1" latinLnBrk="0" hangingPunct="1"/>
             <a:r>
-              <a:rPr kumimoji="0" lang="zh-TW" altLang="en-US" smtClean="0"/>
+              <a:rPr kumimoji="0" lang="zh-TW" altLang="en-US"/>
               <a:t>按一下以編輯母片文字樣式</a:t>
             </a:r>
           </a:p>
@@ -3699,7 +3709,7 @@
           <a:p>
             <a:fld id="{4974B3A4-CCE2-40CC-9E35-8D3F9993C93C}" type="datetimeFigureOut">
               <a:rPr lang="zh-TW" altLang="en-US" smtClean="0"/>
-              <a:t>2017/5/31</a:t>
+              <a:t>2017/11/28</a:t>
             </a:fld>
             <a:endParaRPr lang="zh-TW" altLang="en-US"/>
           </a:p>
@@ -3940,7 +3950,7 @@
           <a:lstStyle/>
           <a:p>
             <a:r>
-              <a:rPr kumimoji="0" lang="zh-TW" altLang="en-US" smtClean="0"/>
+              <a:rPr kumimoji="0" lang="zh-TW" altLang="en-US"/>
               <a:t>按一下以編輯母片標題樣式</a:t>
             </a:r>
             <a:endParaRPr kumimoji="0" lang="en-US"/>
@@ -3964,7 +3974,7 @@
           <a:p>
             <a:fld id="{4974B3A4-CCE2-40CC-9E35-8D3F9993C93C}" type="datetimeFigureOut">
               <a:rPr lang="zh-TW" altLang="en-US" smtClean="0"/>
-              <a:t>2017/5/31</a:t>
+              <a:t>2017/11/28</a:t>
             </a:fld>
             <a:endParaRPr lang="zh-TW" altLang="en-US"/>
           </a:p>
@@ -4034,35 +4044,35 @@
           <a:p>
             <a:pPr lvl="0" eaLnBrk="1" latinLnBrk="0" hangingPunct="1"/>
             <a:r>
-              <a:rPr lang="zh-TW" altLang="en-US" smtClean="0"/>
+              <a:rPr lang="zh-TW" altLang="en-US"/>
               <a:t>按一下以編輯母片文字樣式</a:t>
             </a:r>
           </a:p>
           <a:p>
             <a:pPr lvl="1" eaLnBrk="1" latinLnBrk="0" hangingPunct="1"/>
             <a:r>
-              <a:rPr lang="zh-TW" altLang="en-US" smtClean="0"/>
+              <a:rPr lang="zh-TW" altLang="en-US"/>
               <a:t>第二層</a:t>
             </a:r>
           </a:p>
           <a:p>
             <a:pPr lvl="2" eaLnBrk="1" latinLnBrk="0" hangingPunct="1"/>
             <a:r>
-              <a:rPr lang="zh-TW" altLang="en-US" smtClean="0"/>
+              <a:rPr lang="zh-TW" altLang="en-US"/>
               <a:t>第三層</a:t>
             </a:r>
           </a:p>
           <a:p>
             <a:pPr lvl="3" eaLnBrk="1" latinLnBrk="0" hangingPunct="1"/>
             <a:r>
-              <a:rPr lang="zh-TW" altLang="en-US" smtClean="0"/>
+              <a:rPr lang="zh-TW" altLang="en-US"/>
               <a:t>第四層</a:t>
             </a:r>
           </a:p>
           <a:p>
             <a:pPr lvl="4" eaLnBrk="1" latinLnBrk="0" hangingPunct="1"/>
             <a:r>
-              <a:rPr lang="zh-TW" altLang="en-US" smtClean="0"/>
+              <a:rPr lang="zh-TW" altLang="en-US"/>
               <a:t>第五層</a:t>
             </a:r>
             <a:endParaRPr kumimoji="0" lang="en-US"/>
@@ -4091,35 +4101,35 @@
           <a:p>
             <a:pPr lvl="0" eaLnBrk="1" latinLnBrk="0" hangingPunct="1"/>
             <a:r>
-              <a:rPr lang="zh-TW" altLang="en-US" smtClean="0"/>
+              <a:rPr lang="zh-TW" altLang="en-US"/>
               <a:t>按一下以編輯母片文字樣式</a:t>
             </a:r>
           </a:p>
           <a:p>
             <a:pPr lvl="1" eaLnBrk="1" latinLnBrk="0" hangingPunct="1"/>
             <a:r>
-              <a:rPr lang="zh-TW" altLang="en-US" smtClean="0"/>
+              <a:rPr lang="zh-TW" altLang="en-US"/>
               <a:t>第二層</a:t>
             </a:r>
           </a:p>
           <a:p>
             <a:pPr lvl="2" eaLnBrk="1" latinLnBrk="0" hangingPunct="1"/>
             <a:r>
-              <a:rPr lang="zh-TW" altLang="en-US" smtClean="0"/>
+              <a:rPr lang="zh-TW" altLang="en-US"/>
               <a:t>第三層</a:t>
             </a:r>
           </a:p>
           <a:p>
             <a:pPr lvl="3" eaLnBrk="1" latinLnBrk="0" hangingPunct="1"/>
             <a:r>
-              <a:rPr lang="zh-TW" altLang="en-US" smtClean="0"/>
+              <a:rPr lang="zh-TW" altLang="en-US"/>
               <a:t>第四層</a:t>
             </a:r>
           </a:p>
           <a:p>
             <a:pPr lvl="4" eaLnBrk="1" latinLnBrk="0" hangingPunct="1"/>
             <a:r>
-              <a:rPr lang="zh-TW" altLang="en-US" smtClean="0"/>
+              <a:rPr lang="zh-TW" altLang="en-US"/>
               <a:t>第五層</a:t>
             </a:r>
             <a:endParaRPr kumimoji="0" lang="en-US"/>
@@ -4176,7 +4186,7 @@
           </a:lstStyle>
           <a:p>
             <a:r>
-              <a:rPr kumimoji="0" lang="zh-TW" altLang="en-US" smtClean="0"/>
+              <a:rPr kumimoji="0" lang="zh-TW" altLang="en-US"/>
               <a:t>按一下以編輯母片標題樣式</a:t>
             </a:r>
             <a:endParaRPr kumimoji="0" lang="en-US"/>
@@ -4240,7 +4250,7 @@
           <a:p>
             <a:pPr lvl="0" eaLnBrk="1" latinLnBrk="0" hangingPunct="1"/>
             <a:r>
-              <a:rPr kumimoji="0" lang="zh-TW" altLang="en-US" smtClean="0"/>
+              <a:rPr kumimoji="0" lang="zh-TW" altLang="en-US"/>
               <a:t>按一下以編輯母片文字樣式</a:t>
             </a:r>
           </a:p>
@@ -4303,7 +4313,7 @@
           <a:p>
             <a:pPr lvl="0" eaLnBrk="1" latinLnBrk="0" hangingPunct="1"/>
             <a:r>
-              <a:rPr kumimoji="0" lang="zh-TW" altLang="en-US" smtClean="0"/>
+              <a:rPr kumimoji="0" lang="zh-TW" altLang="en-US"/>
               <a:t>按一下以編輯母片文字樣式</a:t>
             </a:r>
           </a:p>
@@ -4326,7 +4336,7 @@
           <a:p>
             <a:fld id="{4974B3A4-CCE2-40CC-9E35-8D3F9993C93C}" type="datetimeFigureOut">
               <a:rPr lang="zh-TW" altLang="en-US" smtClean="0"/>
-              <a:t>2017/5/31</a:t>
+              <a:t>2017/11/28</a:t>
             </a:fld>
             <a:endParaRPr lang="zh-TW" altLang="en-US"/>
           </a:p>
@@ -4396,35 +4406,35 @@
           <a:p>
             <a:pPr lvl="0" eaLnBrk="1" latinLnBrk="0" hangingPunct="1"/>
             <a:r>
-              <a:rPr lang="zh-TW" altLang="en-US" smtClean="0"/>
+              <a:rPr lang="zh-TW" altLang="en-US"/>
               <a:t>按一下以編輯母片文字樣式</a:t>
             </a:r>
           </a:p>
           <a:p>
             <a:pPr lvl="1" eaLnBrk="1" latinLnBrk="0" hangingPunct="1"/>
             <a:r>
-              <a:rPr lang="zh-TW" altLang="en-US" smtClean="0"/>
+              <a:rPr lang="zh-TW" altLang="en-US"/>
               <a:t>第二層</a:t>
             </a:r>
           </a:p>
           <a:p>
             <a:pPr lvl="2" eaLnBrk="1" latinLnBrk="0" hangingPunct="1"/>
             <a:r>
-              <a:rPr lang="zh-TW" altLang="en-US" smtClean="0"/>
+              <a:rPr lang="zh-TW" altLang="en-US"/>
               <a:t>第三層</a:t>
             </a:r>
           </a:p>
           <a:p>
             <a:pPr lvl="3" eaLnBrk="1" latinLnBrk="0" hangingPunct="1"/>
             <a:r>
-              <a:rPr lang="zh-TW" altLang="en-US" smtClean="0"/>
+              <a:rPr lang="zh-TW" altLang="en-US"/>
               <a:t>第四層</a:t>
             </a:r>
           </a:p>
           <a:p>
             <a:pPr lvl="4" eaLnBrk="1" latinLnBrk="0" hangingPunct="1"/>
             <a:r>
-              <a:rPr lang="zh-TW" altLang="en-US" smtClean="0"/>
+              <a:rPr lang="zh-TW" altLang="en-US"/>
               <a:t>第五層</a:t>
             </a:r>
             <a:endParaRPr kumimoji="0" lang="en-US"/>
@@ -4453,35 +4463,35 @@
           <a:p>
             <a:pPr lvl="0" eaLnBrk="1" latinLnBrk="0" hangingPunct="1"/>
             <a:r>
-              <a:rPr lang="zh-TW" altLang="en-US" smtClean="0"/>
+              <a:rPr lang="zh-TW" altLang="en-US"/>
               <a:t>按一下以編輯母片文字樣式</a:t>
             </a:r>
           </a:p>
           <a:p>
             <a:pPr lvl="1" eaLnBrk="1" latinLnBrk="0" hangingPunct="1"/>
             <a:r>
-              <a:rPr lang="zh-TW" altLang="en-US" smtClean="0"/>
+              <a:rPr lang="zh-TW" altLang="en-US"/>
               <a:t>第二層</a:t>
             </a:r>
           </a:p>
           <a:p>
             <a:pPr lvl="2" eaLnBrk="1" latinLnBrk="0" hangingPunct="1"/>
             <a:r>
-              <a:rPr lang="zh-TW" altLang="en-US" smtClean="0"/>
+              <a:rPr lang="zh-TW" altLang="en-US"/>
               <a:t>第三層</a:t>
             </a:r>
           </a:p>
           <a:p>
             <a:pPr lvl="3" eaLnBrk="1" latinLnBrk="0" hangingPunct="1"/>
             <a:r>
-              <a:rPr lang="zh-TW" altLang="en-US" smtClean="0"/>
+              <a:rPr lang="zh-TW" altLang="en-US"/>
               <a:t>第四層</a:t>
             </a:r>
           </a:p>
           <a:p>
             <a:pPr lvl="4" eaLnBrk="1" latinLnBrk="0" hangingPunct="1"/>
             <a:r>
-              <a:rPr lang="zh-TW" altLang="en-US" smtClean="0"/>
+              <a:rPr lang="zh-TW" altLang="en-US"/>
               <a:t>第五層</a:t>
             </a:r>
             <a:endParaRPr kumimoji="0" lang="en-US"/>
@@ -4529,7 +4539,7 @@
           <a:lstStyle/>
           <a:p>
             <a:r>
-              <a:rPr kumimoji="0" lang="zh-TW" altLang="en-US" smtClean="0"/>
+              <a:rPr kumimoji="0" lang="zh-TW" altLang="en-US"/>
               <a:t>按一下以編輯母片標題樣式</a:t>
             </a:r>
             <a:endParaRPr kumimoji="0" lang="en-US"/>
@@ -4553,7 +4563,7 @@
           <a:p>
             <a:fld id="{4974B3A4-CCE2-40CC-9E35-8D3F9993C93C}" type="datetimeFigureOut">
               <a:rPr lang="zh-TW" altLang="en-US" smtClean="0"/>
-              <a:t>2017/5/31</a:t>
+              <a:t>2017/11/28</a:t>
             </a:fld>
             <a:endParaRPr lang="zh-TW" altLang="en-US"/>
           </a:p>
@@ -4643,7 +4653,7 @@
           <a:p>
             <a:fld id="{4974B3A4-CCE2-40CC-9E35-8D3F9993C93C}" type="datetimeFigureOut">
               <a:rPr lang="zh-TW" altLang="en-US" smtClean="0"/>
-              <a:t>2017/5/31</a:t>
+              <a:t>2017/11/28</a:t>
             </a:fld>
             <a:endParaRPr lang="zh-TW" altLang="en-US"/>
           </a:p>
@@ -4837,7 +4847,7 @@
           </a:lstStyle>
           <a:p>
             <a:r>
-              <a:rPr kumimoji="0" lang="zh-TW" altLang="en-US" smtClean="0"/>
+              <a:rPr kumimoji="0" lang="zh-TW" altLang="en-US"/>
               <a:t>按一下以編輯母片標題樣式</a:t>
             </a:r>
             <a:endParaRPr kumimoji="0" lang="en-US"/>
@@ -4887,7 +4897,7 @@
           <a:p>
             <a:pPr lvl="0" eaLnBrk="1" latinLnBrk="0" hangingPunct="1"/>
             <a:r>
-              <a:rPr kumimoji="0" lang="zh-TW" altLang="en-US" smtClean="0"/>
+              <a:rPr kumimoji="0" lang="zh-TW" altLang="en-US"/>
               <a:t>按一下以編輯母片文字樣式</a:t>
             </a:r>
           </a:p>
@@ -4910,7 +4920,7 @@
           <a:p>
             <a:fld id="{4974B3A4-CCE2-40CC-9E35-8D3F9993C93C}" type="datetimeFigureOut">
               <a:rPr lang="zh-TW" altLang="en-US" smtClean="0"/>
-              <a:t>2017/5/31</a:t>
+              <a:t>2017/11/28</a:t>
             </a:fld>
             <a:endParaRPr lang="zh-TW" altLang="en-US"/>
           </a:p>
@@ -4980,35 +4990,35 @@
           <a:p>
             <a:pPr lvl="0" eaLnBrk="1" latinLnBrk="0" hangingPunct="1"/>
             <a:r>
-              <a:rPr lang="zh-TW" altLang="en-US" smtClean="0"/>
+              <a:rPr lang="zh-TW" altLang="en-US"/>
               <a:t>按一下以編輯母片文字樣式</a:t>
             </a:r>
           </a:p>
           <a:p>
             <a:pPr lvl="1" eaLnBrk="1" latinLnBrk="0" hangingPunct="1"/>
             <a:r>
-              <a:rPr lang="zh-TW" altLang="en-US" smtClean="0"/>
+              <a:rPr lang="zh-TW" altLang="en-US"/>
               <a:t>第二層</a:t>
             </a:r>
           </a:p>
           <a:p>
             <a:pPr lvl="2" eaLnBrk="1" latinLnBrk="0" hangingPunct="1"/>
             <a:r>
-              <a:rPr lang="zh-TW" altLang="en-US" smtClean="0"/>
+              <a:rPr lang="zh-TW" altLang="en-US"/>
               <a:t>第三層</a:t>
             </a:r>
           </a:p>
           <a:p>
             <a:pPr lvl="3" eaLnBrk="1" latinLnBrk="0" hangingPunct="1"/>
             <a:r>
-              <a:rPr lang="zh-TW" altLang="en-US" smtClean="0"/>
+              <a:rPr lang="zh-TW" altLang="en-US"/>
               <a:t>第四層</a:t>
             </a:r>
           </a:p>
           <a:p>
             <a:pPr lvl="4" eaLnBrk="1" latinLnBrk="0" hangingPunct="1"/>
             <a:r>
-              <a:rPr lang="zh-TW" altLang="en-US" smtClean="0"/>
+              <a:rPr lang="zh-TW" altLang="en-US"/>
               <a:t>第五層</a:t>
             </a:r>
             <a:endParaRPr kumimoji="0" lang="en-US"/>
@@ -5068,7 +5078,7 @@
           </a:lstStyle>
           <a:p>
             <a:r>
-              <a:rPr kumimoji="0" lang="zh-TW" altLang="en-US" smtClean="0"/>
+              <a:rPr kumimoji="0" lang="zh-TW" altLang="en-US"/>
               <a:t>按一下以編輯母片標題樣式</a:t>
             </a:r>
             <a:endParaRPr kumimoji="0" lang="en-US"/>
@@ -5115,7 +5125,7 @@
           <a:p>
             <a:pPr lvl="0" eaLnBrk="1" latinLnBrk="0" hangingPunct="1"/>
             <a:r>
-              <a:rPr kumimoji="0" lang="zh-TW" altLang="en-US" smtClean="0"/>
+              <a:rPr kumimoji="0" lang="zh-TW" altLang="en-US"/>
               <a:t>按一下以編輯母片文字樣式</a:t>
             </a:r>
           </a:p>
@@ -5138,7 +5148,7 @@
           <a:p>
             <a:fld id="{4974B3A4-CCE2-40CC-9E35-8D3F9993C93C}" type="datetimeFigureOut">
               <a:rPr lang="zh-TW" altLang="en-US" smtClean="0"/>
-              <a:t>2017/5/31</a:t>
+              <a:t>2017/11/28</a:t>
             </a:fld>
             <a:endParaRPr lang="zh-TW" altLang="en-US"/>
           </a:p>
@@ -5378,7 +5388,7 @@
           </a:lstStyle>
           <a:p>
             <a:r>
-              <a:rPr kumimoji="0" lang="zh-TW" altLang="en-US" smtClean="0"/>
+              <a:rPr kumimoji="0" lang="zh-TW" altLang="en-US"/>
               <a:t>按一下圖示以新增圖片</a:t>
             </a:r>
             <a:endParaRPr kumimoji="0" lang="en-US" dirty="0"/>
@@ -5535,7 +5545,7 @@
           <a:lstStyle/>
           <a:p>
             <a:r>
-              <a:rPr kumimoji="0" lang="zh-TW" altLang="en-US" smtClean="0"/>
+              <a:rPr kumimoji="0" lang="zh-TW" altLang="en-US"/>
               <a:t>按一下以編輯母片標題樣式</a:t>
             </a:r>
             <a:endParaRPr kumimoji="0" lang="en-US"/>
@@ -5569,35 +5579,35 @@
           <a:p>
             <a:pPr lvl="0" eaLnBrk="1" latinLnBrk="0" hangingPunct="1"/>
             <a:r>
-              <a:rPr kumimoji="0" lang="zh-TW" altLang="en-US" smtClean="0"/>
+              <a:rPr kumimoji="0" lang="zh-TW" altLang="en-US"/>
               <a:t>按一下以編輯母片文字樣式</a:t>
             </a:r>
           </a:p>
           <a:p>
             <a:pPr lvl="1" eaLnBrk="1" latinLnBrk="0" hangingPunct="1"/>
             <a:r>
-              <a:rPr kumimoji="0" lang="zh-TW" altLang="en-US" smtClean="0"/>
+              <a:rPr kumimoji="0" lang="zh-TW" altLang="en-US"/>
               <a:t>第二層</a:t>
             </a:r>
           </a:p>
           <a:p>
             <a:pPr lvl="2" eaLnBrk="1" latinLnBrk="0" hangingPunct="1"/>
             <a:r>
-              <a:rPr kumimoji="0" lang="zh-TW" altLang="en-US" smtClean="0"/>
+              <a:rPr kumimoji="0" lang="zh-TW" altLang="en-US"/>
               <a:t>第三層</a:t>
             </a:r>
           </a:p>
           <a:p>
             <a:pPr lvl="3" eaLnBrk="1" latinLnBrk="0" hangingPunct="1"/>
             <a:r>
-              <a:rPr kumimoji="0" lang="zh-TW" altLang="en-US" smtClean="0"/>
+              <a:rPr kumimoji="0" lang="zh-TW" altLang="en-US"/>
               <a:t>第四層</a:t>
             </a:r>
           </a:p>
           <a:p>
             <a:pPr lvl="4" eaLnBrk="1" latinLnBrk="0" hangingPunct="1"/>
             <a:r>
-              <a:rPr kumimoji="0" lang="zh-TW" altLang="en-US" smtClean="0"/>
+              <a:rPr kumimoji="0" lang="zh-TW" altLang="en-US"/>
               <a:t>第五層</a:t>
             </a:r>
             <a:endParaRPr kumimoji="0" lang="en-US"/>
@@ -5637,7 +5647,7 @@
           <a:p>
             <a:fld id="{4974B3A4-CCE2-40CC-9E35-8D3F9993C93C}" type="datetimeFigureOut">
               <a:rPr lang="zh-TW" altLang="en-US" smtClean="0"/>
-              <a:t>2017/5/31</a:t>
+              <a:t>2017/11/28</a:t>
             </a:fld>
             <a:endParaRPr lang="zh-TW" altLang="en-US"/>
           </a:p>
@@ -6076,10 +6086,9 @@
           <a:lstStyle/>
           <a:p>
             <a:r>
-              <a:rPr lang="zh-TW" altLang="en-US" dirty="0" smtClean="0"/>
+              <a:rPr lang="zh-TW" altLang="en-US" dirty="0"/>
               <a:t>續保作業</a:t>
             </a:r>
-            <a:endParaRPr lang="zh-TW" altLang="en-US" dirty="0"/>
           </a:p>
         </p:txBody>
       </p:sp>
@@ -6115,6 +6124,256 @@
       </p:grpSpPr>
       <p:sp>
         <p:nvSpPr>
+          <p:cNvPr id="3" name="內容版面配置區 2"/>
+          <p:cNvSpPr>
+            <a:spLocks noGrp="1"/>
+          </p:cNvSpPr>
+          <p:nvPr>
+            <p:ph sz="quarter" idx="1"/>
+          </p:nvPr>
+        </p:nvSpPr>
+        <p:spPr>
+          <a:xfrm>
+            <a:off x="914400" y="413931"/>
+            <a:ext cx="7772400" cy="5553482"/>
+          </a:xfrm>
+        </p:spPr>
+        <p:txBody>
+          <a:bodyPr vert="horz" anchor="t">
+            <a:normAutofit/>
+          </a:bodyPr>
+          <a:lstStyle/>
+          <a:p>
+            <a:pPr lvl="1">
+              <a:spcBef>
+                <a:spcPts val="300"/>
+              </a:spcBef>
+              <a:buFont typeface="Arial"/>
+              <a:buChar char="•"/>
+            </a:pPr>
+            <a:r>
+              <a:rPr lang="zh-TW">
+                <a:latin typeface="新細明體"/>
+                <a:ea typeface="新細明體"/>
+              </a:rPr>
+              <a:t>檢核</a:t>
+            </a:r>
+            <a:endParaRPr lang="zh-TW" dirty="0">
+              <a:latin typeface="新細明體"/>
+              <a:ea typeface="新細明體"/>
+            </a:endParaRPr>
+          </a:p>
+          <a:p>
+            <a:pPr lvl="2">
+              <a:spcBef>
+                <a:spcPts val="300"/>
+              </a:spcBef>
+              <a:buFont typeface="Arial"/>
+              <a:buChar char="•"/>
+            </a:pPr>
+            <a:r>
+              <a:rPr lang="zh-TW" sz="2400">
+                <a:latin typeface="新細明體"/>
+                <a:ea typeface="新細明體"/>
+              </a:rPr>
+              <a:t>可續保需為有效保單 PWUMRAL</a:t>
+            </a:r>
+            <a:endParaRPr lang="zh-TW" altLang="en-US" sz="2400" dirty="0">
+              <a:latin typeface="新細明體"/>
+              <a:ea typeface="新細明體"/>
+            </a:endParaRPr>
+          </a:p>
+          <a:p>
+            <a:pPr lvl="2">
+              <a:spcBef>
+                <a:spcPts val="300"/>
+              </a:spcBef>
+              <a:buClr>
+                <a:srgbClr val="E6B1AB"/>
+              </a:buClr>
+              <a:buFont typeface="Arial"/>
+              <a:buChar char="•"/>
+            </a:pPr>
+            <a:endParaRPr lang="zh-TW" sz="2400" dirty="0">
+              <a:latin typeface="新細明體"/>
+              <a:ea typeface="新細明體"/>
+            </a:endParaRPr>
+          </a:p>
+          <a:p>
+            <a:pPr lvl="2">
+              <a:spcBef>
+                <a:spcPts val="300"/>
+              </a:spcBef>
+              <a:buClr>
+                <a:srgbClr val="E6B1AB"/>
+              </a:buClr>
+              <a:buFont typeface="Arial"/>
+              <a:buChar char="•"/>
+            </a:pPr>
+            <a:endParaRPr lang="zh-TW" sz="2400" dirty="0">
+              <a:latin typeface="新細明體"/>
+              <a:ea typeface="新細明體"/>
+            </a:endParaRPr>
+          </a:p>
+          <a:p>
+            <a:pPr lvl="2">
+              <a:spcBef>
+                <a:spcPts val="300"/>
+              </a:spcBef>
+              <a:buClr>
+                <a:srgbClr val="E6B1AB"/>
+              </a:buClr>
+              <a:buFont typeface="Arial"/>
+              <a:buChar char="•"/>
+            </a:pPr>
+            <a:endParaRPr lang="zh-TW" sz="2400" dirty="0">
+              <a:latin typeface="新細明體"/>
+              <a:ea typeface="新細明體"/>
+            </a:endParaRPr>
+          </a:p>
+          <a:p>
+            <a:pPr lvl="2">
+              <a:spcBef>
+                <a:spcPts val="300"/>
+              </a:spcBef>
+              <a:buClr>
+                <a:srgbClr val="E6B1AB"/>
+              </a:buClr>
+              <a:buFont typeface="Arial"/>
+              <a:buChar char="•"/>
+            </a:pPr>
+            <a:endParaRPr lang="zh-TW" sz="2400" dirty="0">
+              <a:latin typeface="新細明體"/>
+              <a:ea typeface="新細明體"/>
+            </a:endParaRPr>
+          </a:p>
+          <a:p>
+            <a:pPr lvl="2">
+              <a:spcBef>
+                <a:spcPts val="300"/>
+              </a:spcBef>
+              <a:buClr>
+                <a:srgbClr val="E6B1AB"/>
+              </a:buClr>
+              <a:buFont typeface="Arial"/>
+              <a:buChar char="•"/>
+            </a:pPr>
+            <a:r>
+              <a:rPr lang="zh-TW" altLang="en-US" sz="2400">
+                <a:latin typeface="新細明體"/>
+                <a:ea typeface="新細明體"/>
+              </a:rPr>
+              <a:t>符</a:t>
+            </a:r>
+            <a:r>
+              <a:rPr lang="zh-TW" sz="2400">
+                <a:latin typeface="新細明體"/>
+                <a:ea typeface="新細明體"/>
+              </a:rPr>
+              <a:t>合   </a:t>
+            </a:r>
+            <a:r>
+              <a:rPr lang="en-US" altLang="zh-TW" sz="2400" dirty="0" err="1">
+                <a:latin typeface="新細明體"/>
+                <a:ea typeface="新細明體"/>
+              </a:rPr>
+              <a:t>uwtb</a:t>
+            </a:r>
+            <a:r>
+              <a:rPr lang="en-US" altLang="zh-TW" sz="2400" dirty="0">
+                <a:latin typeface="新細明體"/>
+                <a:ea typeface="新細明體"/>
+              </a:rPr>
+              <a:t>(Y1,</a:t>
+            </a:r>
+            <a:r>
+              <a:rPr lang="zh-TW" altLang="en-US" sz="2400" dirty="0">
+                <a:latin typeface="新細明體"/>
+                <a:ea typeface="新細明體"/>
+              </a:rPr>
+              <a:t> </a:t>
+            </a:r>
+            <a:r>
+              <a:rPr lang="en-US" altLang="zh-TW" sz="2400" dirty="0">
+                <a:latin typeface="新細明體"/>
+                <a:ea typeface="新細明體"/>
+              </a:rPr>
+              <a:t>Y2</a:t>
+            </a:r>
+            <a:r>
+              <a:rPr lang="zh-TW" altLang="en-US" sz="2400">
+                <a:latin typeface="新細明體"/>
+                <a:ea typeface="新細明體"/>
+              </a:rPr>
+              <a:t>：補辦</a:t>
+            </a:r>
+            <a:r>
+              <a:rPr lang="en-US" altLang="zh-TW" sz="2400" dirty="0">
+                <a:latin typeface="新細明體"/>
+                <a:ea typeface="新細明體"/>
+              </a:rPr>
+              <a:t>)</a:t>
+            </a:r>
+          </a:p>
+          <a:p>
+            <a:pPr marL="320040" lvl="1" indent="0">
+              <a:spcBef>
+                <a:spcPts val="300"/>
+              </a:spcBef>
+              <a:buNone/>
+            </a:pPr>
+            <a:endParaRPr lang="en-US" altLang="zh-TW" dirty="0">
+              <a:latin typeface="新細明體"/>
+              <a:ea typeface="新細明體"/>
+            </a:endParaRPr>
+          </a:p>
+          <a:p>
+            <a:pPr lvl="3">
+              <a:spcBef>
+                <a:spcPts val="300"/>
+              </a:spcBef>
+              <a:buFont typeface="Arial"/>
+              <a:buChar char="•"/>
+            </a:pPr>
+            <a:endParaRPr lang="zh-TW" altLang="en-US" sz="2400" dirty="0">
+              <a:latin typeface="新細明體"/>
+              <a:ea typeface="新細明體"/>
+            </a:endParaRPr>
+          </a:p>
+        </p:txBody>
+      </p:sp>
+    </p:spTree>
+    <p:extLst>
+      <p:ext uri="{BB962C8B-B14F-4D97-AF65-F5344CB8AC3E}">
+        <p14:creationId xmlns:p14="http://schemas.microsoft.com/office/powerpoint/2010/main" val="3882619721"/>
+      </p:ext>
+    </p:extLst>
+  </p:cSld>
+  <p:clrMapOvr>
+    <a:masterClrMapping/>
+  </p:clrMapOvr>
+</p:sld>
+</file>
+
+<file path=ppt/slides/slide11.xml><?xml version="1.0" encoding="utf-8"?>
+<p:sld xmlns:a="http://schemas.openxmlformats.org/drawingml/2006/main" xmlns:r="http://schemas.openxmlformats.org/officeDocument/2006/relationships" xmlns:p="http://schemas.openxmlformats.org/presentationml/2006/main">
+  <p:cSld>
+    <p:spTree>
+      <p:nvGrpSpPr>
+        <p:cNvPr id="1" name=""/>
+        <p:cNvGrpSpPr/>
+        <p:nvPr/>
+      </p:nvGrpSpPr>
+      <p:grpSpPr>
+        <a:xfrm>
+          <a:off x="0" y="0"/>
+          <a:ext cx="0" cy="0"/>
+          <a:chOff x="0" y="0"/>
+          <a:chExt cx="0" cy="0"/>
+        </a:xfrm>
+      </p:grpSpPr>
+      <p:sp>
+        <p:nvSpPr>
           <p:cNvPr id="2" name="標題 1"/>
           <p:cNvSpPr>
             <a:spLocks noGrp="1"/>
@@ -6129,16 +6388,662 @@
           <a:lstStyle/>
           <a:p>
             <a:r>
+              <a:rPr lang="en-US" altLang="zh-TW" b="1" dirty="0"/>
+              <a:t>六. </a:t>
+            </a:r>
+            <a:r>
+              <a:rPr lang="zh-TW" altLang="en-US" b="1"/>
+              <a:t>續保的優點</a:t>
+            </a:r>
+            <a:endParaRPr lang="zh-TW" altLang="en-US"/>
+          </a:p>
+        </p:txBody>
+      </p:sp>
+      <p:sp>
+        <p:nvSpPr>
+          <p:cNvPr id="3" name="內容版面配置區 2"/>
+          <p:cNvSpPr>
+            <a:spLocks noGrp="1"/>
+          </p:cNvSpPr>
+          <p:nvPr>
+            <p:ph sz="quarter" idx="1"/>
+          </p:nvPr>
+        </p:nvSpPr>
+        <p:spPr/>
+        <p:txBody>
+          <a:bodyPr/>
+          <a:lstStyle/>
+          <a:p>
+            <a:r>
               <a:rPr lang="zh-TW" altLang="en-US" b="1" dirty="0"/>
-              <a:t>需要爭取的續</a:t>
-            </a:r>
-            <a:r>
-              <a:rPr lang="zh-TW" altLang="en-US" b="1" dirty="0" smtClean="0"/>
-              <a:t>保 → 沒有</a:t>
+              <a:t>對</a:t>
+            </a:r>
+            <a:r>
+              <a:rPr lang="zh-TW" altLang="en-US" sz="2400" b="1" dirty="0">
+                <a:solidFill>
+                  <a:srgbClr val="0070C0"/>
+                </a:solidFill>
+              </a:rPr>
+              <a:t>保險人</a:t>
             </a:r>
             <a:r>
               <a:rPr lang="zh-TW" altLang="en-US" b="1" dirty="0"/>
-              <a:t>寫清楚</a:t>
+              <a:t>而言：</a:t>
+            </a:r>
+            <a:endParaRPr lang="en-US" altLang="zh-TW" b="1" dirty="0"/>
+          </a:p>
+          <a:p>
+            <a:pPr marL="777240" lvl="1" indent="-457200">
+              <a:buFont typeface="+mj-lt"/>
+              <a:buAutoNum type="arabicPeriod"/>
+            </a:pPr>
+            <a:r>
+              <a:rPr lang="zh-TW" altLang="en-US" dirty="0"/>
+              <a:t>穩定保單</a:t>
+            </a:r>
+            <a:endParaRPr lang="en-US" altLang="zh-TW" dirty="0"/>
+          </a:p>
+          <a:p>
+            <a:pPr marL="777240" lvl="1" indent="-457200">
+              <a:buFont typeface="+mj-lt"/>
+              <a:buAutoNum type="arabicPeriod"/>
+            </a:pPr>
+            <a:r>
+              <a:rPr lang="zh-TW" altLang="en-US" dirty="0"/>
+              <a:t>減少開發新保單的工作和費用</a:t>
+            </a:r>
+            <a:endParaRPr lang="en-US" altLang="zh-TW" dirty="0"/>
+          </a:p>
+          <a:p>
+            <a:r>
+              <a:rPr lang="zh-TW" altLang="en-US" b="1" dirty="0"/>
+              <a:t>對</a:t>
+            </a:r>
+            <a:r>
+              <a:rPr lang="zh-TW" altLang="en-US" sz="2400" b="1" dirty="0">
+                <a:solidFill>
+                  <a:srgbClr val="0070C0"/>
+                </a:solidFill>
+              </a:rPr>
+              <a:t>投保人</a:t>
+            </a:r>
+            <a:r>
+              <a:rPr lang="zh-TW" altLang="en-US" b="1" dirty="0"/>
+              <a:t>而言：</a:t>
+            </a:r>
+            <a:endParaRPr lang="en-US" altLang="zh-TW" b="1" dirty="0"/>
+          </a:p>
+          <a:p>
+            <a:pPr marL="777240" lvl="1" indent="-457200">
+              <a:buFont typeface="+mj-lt"/>
+              <a:buAutoNum type="arabicPeriod"/>
+            </a:pPr>
+            <a:r>
+              <a:rPr lang="zh-TW" altLang="en-US" dirty="0"/>
+              <a:t>得到連續不斷的</a:t>
+            </a:r>
+            <a:r>
+              <a:rPr lang="zh-TW" altLang="en-US" b="1" dirty="0">
+                <a:solidFill>
+                  <a:srgbClr val="0070C0"/>
+                </a:solidFill>
+              </a:rPr>
+              <a:t>保險</a:t>
+            </a:r>
+            <a:endParaRPr lang="en-US" altLang="zh-TW" dirty="0"/>
+          </a:p>
+          <a:p>
+            <a:pPr marL="777240" lvl="1" indent="-457200">
+              <a:buFont typeface="+mj-lt"/>
+              <a:buAutoNum type="arabicPeriod"/>
+            </a:pPr>
+            <a:r>
+              <a:rPr lang="zh-TW" altLang="en-US" dirty="0"/>
+              <a:t>得到公司的</a:t>
+            </a:r>
+            <a:r>
+              <a:rPr lang="zh-TW" altLang="en-US" b="1" dirty="0">
+                <a:solidFill>
+                  <a:srgbClr val="0070C0"/>
+                </a:solidFill>
+              </a:rPr>
+              <a:t>優惠</a:t>
+            </a:r>
+            <a:endParaRPr lang="zh-TW" altLang="en-US" dirty="0"/>
+          </a:p>
+          <a:p>
+            <a:endParaRPr lang="zh-TW" altLang="en-US" dirty="0"/>
+          </a:p>
+        </p:txBody>
+      </p:sp>
+    </p:spTree>
+    <p:extLst>
+      <p:ext uri="{BB962C8B-B14F-4D97-AF65-F5344CB8AC3E}">
+        <p14:creationId xmlns:p14="http://schemas.microsoft.com/office/powerpoint/2010/main" val="1493964185"/>
+      </p:ext>
+    </p:extLst>
+  </p:cSld>
+  <p:clrMapOvr>
+    <a:masterClrMapping/>
+  </p:clrMapOvr>
+</p:sld>
+</file>
+
+<file path=ppt/slides/slide12.xml><?xml version="1.0" encoding="utf-8"?>
+<p:sld xmlns:a="http://schemas.openxmlformats.org/drawingml/2006/main" xmlns:r="http://schemas.openxmlformats.org/officeDocument/2006/relationships" xmlns:p="http://schemas.openxmlformats.org/presentationml/2006/main">
+  <p:cSld>
+    <p:spTree>
+      <p:nvGrpSpPr>
+        <p:cNvPr id="1" name=""/>
+        <p:cNvGrpSpPr/>
+        <p:nvPr/>
+      </p:nvGrpSpPr>
+      <p:grpSpPr>
+        <a:xfrm>
+          <a:off x="0" y="0"/>
+          <a:ext cx="0" cy="0"/>
+          <a:chOff x="0" y="0"/>
+          <a:chExt cx="0" cy="0"/>
+        </a:xfrm>
+      </p:grpSpPr>
+      <p:sp>
+        <p:nvSpPr>
+          <p:cNvPr id="2" name="標題 1"/>
+          <p:cNvSpPr>
+            <a:spLocks noGrp="1"/>
+          </p:cNvSpPr>
+          <p:nvPr>
+            <p:ph type="title"/>
+          </p:nvPr>
+        </p:nvSpPr>
+        <p:spPr/>
+        <p:txBody>
+          <a:bodyPr>
+            <a:normAutofit/>
+          </a:bodyPr>
+          <a:lstStyle/>
+          <a:p>
+            <a:r>
+              <a:rPr lang="en-US" altLang="zh-TW" b="1" dirty="0">
+                <a:latin typeface="Franklin Gothic Book"/>
+              </a:rPr>
+              <a:t>七</a:t>
+            </a:r>
+            <a:r>
+              <a:rPr lang="en-US" altLang="zh-TW" b="1" dirty="0"/>
+              <a:t>. </a:t>
+            </a:r>
+            <a:r>
+              <a:rPr lang="zh-TW" altLang="en-US" b="1"/>
+              <a:t>分辨</a:t>
+            </a:r>
+            <a:r>
+              <a:rPr lang="en-US" altLang="zh-TW" b="1" dirty="0"/>
+              <a:t>『</a:t>
+            </a:r>
+            <a:r>
+              <a:rPr lang="zh-TW" altLang="en-US" b="1"/>
+              <a:t>續保</a:t>
+            </a:r>
+            <a:r>
+              <a:rPr lang="en-US" altLang="zh-TW" b="1" dirty="0"/>
+              <a:t>』</a:t>
+            </a:r>
+            <a:r>
+              <a:rPr lang="zh-TW" altLang="en-US" b="1"/>
+              <a:t>條款</a:t>
+            </a:r>
+            <a:endParaRPr lang="zh-TW" altLang="en-US"/>
+          </a:p>
+        </p:txBody>
+      </p:sp>
+      <p:sp>
+        <p:nvSpPr>
+          <p:cNvPr id="4" name="圓角矩形 3"/>
+          <p:cNvSpPr/>
+          <p:nvPr/>
+        </p:nvSpPr>
+        <p:spPr>
+          <a:xfrm>
+            <a:off x="1619672" y="2204864"/>
+            <a:ext cx="5544616" cy="3528392"/>
+          </a:xfrm>
+          <a:prstGeom prst="roundRect">
+            <a:avLst/>
+          </a:prstGeom>
+          <a:solidFill>
+            <a:schemeClr val="tx1">
+              <a:lumMod val="85000"/>
+              <a:lumOff val="15000"/>
+            </a:schemeClr>
+          </a:solidFill>
+        </p:spPr>
+        <p:style>
+          <a:lnRef idx="2">
+            <a:schemeClr val="accent1">
+              <a:shade val="50000"/>
+            </a:schemeClr>
+          </a:lnRef>
+          <a:fillRef idx="1">
+            <a:schemeClr val="accent1"/>
+          </a:fillRef>
+          <a:effectRef idx="0">
+            <a:schemeClr val="accent1"/>
+          </a:effectRef>
+          <a:fontRef idx="minor">
+            <a:schemeClr val="lt1"/>
+          </a:fontRef>
+        </p:style>
+        <p:txBody>
+          <a:bodyPr rtlCol="0" anchor="ctr"/>
+          <a:lstStyle/>
+          <a:p>
+            <a:pPr algn="ctr"/>
+            <a:r>
+              <a:rPr lang="zh-TW" altLang="en-US" sz="2400" b="1" dirty="0">
+                <a:solidFill>
+                  <a:srgbClr val="FFC000"/>
+                </a:solidFill>
+                <a:latin typeface="+mn-ea"/>
+              </a:rPr>
+              <a:t>保證續保就是</a:t>
+            </a:r>
+            <a:endParaRPr lang="en-US" altLang="zh-TW" sz="2400" b="1" dirty="0">
+              <a:solidFill>
+                <a:srgbClr val="FFC000"/>
+              </a:solidFill>
+              <a:latin typeface="+mn-ea"/>
+            </a:endParaRPr>
+          </a:p>
+          <a:p>
+            <a:pPr algn="ctr"/>
+            <a:r>
+              <a:rPr lang="zh-TW" altLang="en-US" sz="2400" dirty="0">
+                <a:latin typeface="+mn-ea"/>
+              </a:rPr>
+              <a:t>本公司不得拒絕</a:t>
+            </a:r>
+            <a:endParaRPr lang="en-US" altLang="zh-TW" sz="2400" dirty="0">
+              <a:latin typeface="+mn-ea"/>
+            </a:endParaRPr>
+          </a:p>
+          <a:p>
+            <a:pPr algn="ctr"/>
+            <a:endParaRPr lang="en-US" altLang="zh-TW" sz="2400" dirty="0">
+              <a:latin typeface="+mn-ea"/>
+            </a:endParaRPr>
+          </a:p>
+          <a:p>
+            <a:pPr algn="ctr"/>
+            <a:r>
+              <a:rPr lang="zh-TW" altLang="en-US" sz="2400" dirty="0">
+                <a:solidFill>
+                  <a:srgbClr val="FFC000"/>
+                </a:solidFill>
+                <a:latin typeface="+mn-ea"/>
+              </a:rPr>
+              <a:t>非保證續保就是</a:t>
+            </a:r>
+            <a:endParaRPr lang="en-US" altLang="zh-TW" sz="2400" dirty="0">
+              <a:solidFill>
+                <a:srgbClr val="FFC000"/>
+              </a:solidFill>
+              <a:latin typeface="+mn-ea"/>
+            </a:endParaRPr>
+          </a:p>
+          <a:p>
+            <a:pPr algn="ctr"/>
+            <a:r>
+              <a:rPr lang="zh-TW" altLang="en-US" sz="2400" b="1" dirty="0">
+                <a:latin typeface="+mn-ea"/>
+              </a:rPr>
+              <a:t>經本公司同意</a:t>
+            </a:r>
+            <a:endParaRPr lang="en-US" altLang="zh-TW" sz="2400" b="1" dirty="0">
+              <a:latin typeface="+mn-ea"/>
+            </a:endParaRPr>
+          </a:p>
+          <a:p>
+            <a:pPr algn="ctr"/>
+            <a:r>
+              <a:rPr lang="zh-TW" altLang="en-US" sz="2400" dirty="0">
+                <a:latin typeface="+mn-ea"/>
+              </a:rPr>
+              <a:t>雙方無反對意思</a:t>
+            </a:r>
+          </a:p>
+        </p:txBody>
+      </p:sp>
+    </p:spTree>
+    <p:extLst>
+      <p:ext uri="{BB962C8B-B14F-4D97-AF65-F5344CB8AC3E}">
+        <p14:creationId xmlns:p14="http://schemas.microsoft.com/office/powerpoint/2010/main" val="427595084"/>
+      </p:ext>
+    </p:extLst>
+  </p:cSld>
+  <p:clrMapOvr>
+    <a:masterClrMapping/>
+  </p:clrMapOvr>
+</p:sld>
+</file>
+
+<file path=ppt/slides/slide13.xml><?xml version="1.0" encoding="utf-8"?>
+<p:sld xmlns:a="http://schemas.openxmlformats.org/drawingml/2006/main" xmlns:r="http://schemas.openxmlformats.org/officeDocument/2006/relationships" xmlns:p="http://schemas.openxmlformats.org/presentationml/2006/main">
+  <p:cSld>
+    <p:spTree>
+      <p:nvGrpSpPr>
+        <p:cNvPr id="1" name=""/>
+        <p:cNvGrpSpPr/>
+        <p:nvPr/>
+      </p:nvGrpSpPr>
+      <p:grpSpPr>
+        <a:xfrm>
+          <a:off x="0" y="0"/>
+          <a:ext cx="0" cy="0"/>
+          <a:chOff x="0" y="0"/>
+          <a:chExt cx="0" cy="0"/>
+        </a:xfrm>
+      </p:grpSpPr>
+      <p:sp>
+        <p:nvSpPr>
+          <p:cNvPr id="2" name="標題 1"/>
+          <p:cNvSpPr>
+            <a:spLocks noGrp="1"/>
+          </p:cNvSpPr>
+          <p:nvPr>
+            <p:ph type="title"/>
+          </p:nvPr>
+        </p:nvSpPr>
+        <p:spPr/>
+        <p:txBody>
+          <a:bodyPr/>
+          <a:lstStyle/>
+          <a:p>
+            <a:r>
+              <a:rPr lang="zh-TW" altLang="en-US" b="1" dirty="0"/>
+              <a:t>非保證續保 → 經本公司同意承保</a:t>
+            </a:r>
+            <a:endParaRPr lang="zh-TW" altLang="en-US" dirty="0"/>
+          </a:p>
+        </p:txBody>
+      </p:sp>
+      <p:pic>
+        <p:nvPicPr>
+          <p:cNvPr id="2050" name="Picture 2" descr="續保4"/>
+          <p:cNvPicPr>
+            <a:picLocks noChangeAspect="1" noChangeArrowheads="1"/>
+          </p:cNvPicPr>
+          <p:nvPr/>
+        </p:nvPicPr>
+        <p:blipFill>
+          <a:blip r:embed="rId2">
+            <a:extLst>
+              <a:ext uri="{28A0092B-C50C-407E-A947-70E740481C1C}">
+                <a14:useLocalDpi xmlns:a14="http://schemas.microsoft.com/office/drawing/2010/main" val="0"/>
+              </a:ext>
+            </a:extLst>
+          </a:blip>
+          <a:srcRect/>
+          <a:stretch>
+            <a:fillRect/>
+          </a:stretch>
+        </p:blipFill>
+        <p:spPr bwMode="auto">
+          <a:xfrm>
+            <a:off x="1405930" y="1508403"/>
+            <a:ext cx="6286500" cy="4232911"/>
+          </a:xfrm>
+          <a:prstGeom prst="rect">
+            <a:avLst/>
+          </a:prstGeom>
+          <a:noFill/>
+          <a:extLst>
+            <a:ext uri="{909E8E84-426E-40DD-AFC4-6F175D3DCCD1}">
+              <a14:hiddenFill xmlns:a14="http://schemas.microsoft.com/office/drawing/2010/main">
+                <a:solidFill>
+                  <a:srgbClr val="FFFFFF"/>
+                </a:solidFill>
+              </a14:hiddenFill>
+            </a:ext>
+          </a:extLst>
+        </p:spPr>
+      </p:pic>
+    </p:spTree>
+    <p:extLst>
+      <p:ext uri="{BB962C8B-B14F-4D97-AF65-F5344CB8AC3E}">
+        <p14:creationId xmlns:p14="http://schemas.microsoft.com/office/powerpoint/2010/main" val="1590148524"/>
+      </p:ext>
+    </p:extLst>
+  </p:cSld>
+  <p:clrMapOvr>
+    <a:masterClrMapping/>
+  </p:clrMapOvr>
+</p:sld>
+</file>
+
+<file path=ppt/slides/slide14.xml><?xml version="1.0" encoding="utf-8"?>
+<p:sld xmlns:a="http://schemas.openxmlformats.org/drawingml/2006/main" xmlns:r="http://schemas.openxmlformats.org/officeDocument/2006/relationships" xmlns:p="http://schemas.openxmlformats.org/presentationml/2006/main">
+  <p:cSld>
+    <p:spTree>
+      <p:nvGrpSpPr>
+        <p:cNvPr id="1" name=""/>
+        <p:cNvGrpSpPr/>
+        <p:nvPr/>
+      </p:nvGrpSpPr>
+      <p:grpSpPr>
+        <a:xfrm>
+          <a:off x="0" y="0"/>
+          <a:ext cx="0" cy="0"/>
+          <a:chOff x="0" y="0"/>
+          <a:chExt cx="0" cy="0"/>
+        </a:xfrm>
+      </p:grpSpPr>
+      <p:sp>
+        <p:nvSpPr>
+          <p:cNvPr id="2" name="標題 1"/>
+          <p:cNvSpPr>
+            <a:spLocks noGrp="1"/>
+          </p:cNvSpPr>
+          <p:nvPr>
+            <p:ph type="title"/>
+          </p:nvPr>
+        </p:nvSpPr>
+        <p:spPr/>
+        <p:txBody>
+          <a:bodyPr/>
+          <a:lstStyle/>
+          <a:p>
+            <a:r>
+              <a:rPr lang="zh-TW" altLang="en-US" b="1" dirty="0"/>
+              <a:t>非保證續保 → 雙方無反對意思</a:t>
+            </a:r>
+            <a:endParaRPr lang="zh-TW" altLang="en-US" dirty="0"/>
+          </a:p>
+        </p:txBody>
+      </p:sp>
+      <p:pic>
+        <p:nvPicPr>
+          <p:cNvPr id="3076" name="Picture 4" descr="續保5"/>
+          <p:cNvPicPr>
+            <a:picLocks noChangeAspect="1" noChangeArrowheads="1"/>
+          </p:cNvPicPr>
+          <p:nvPr/>
+        </p:nvPicPr>
+        <p:blipFill>
+          <a:blip r:embed="rId2">
+            <a:extLst>
+              <a:ext uri="{28A0092B-C50C-407E-A947-70E740481C1C}">
+                <a14:useLocalDpi xmlns:a14="http://schemas.microsoft.com/office/drawing/2010/main" val="0"/>
+              </a:ext>
+            </a:extLst>
+          </a:blip>
+          <a:srcRect/>
+          <a:stretch>
+            <a:fillRect/>
+          </a:stretch>
+        </p:blipFill>
+        <p:spPr bwMode="auto">
+          <a:xfrm>
+            <a:off x="1243346" y="1642093"/>
+            <a:ext cx="6641022" cy="4451203"/>
+          </a:xfrm>
+          <a:prstGeom prst="rect">
+            <a:avLst/>
+          </a:prstGeom>
+          <a:noFill/>
+          <a:extLst>
+            <a:ext uri="{909E8E84-426E-40DD-AFC4-6F175D3DCCD1}">
+              <a14:hiddenFill xmlns:a14="http://schemas.microsoft.com/office/drawing/2010/main">
+                <a:solidFill>
+                  <a:srgbClr val="FFFFFF"/>
+                </a:solidFill>
+              </a14:hiddenFill>
+            </a:ext>
+          </a:extLst>
+        </p:spPr>
+      </p:pic>
+    </p:spTree>
+    <p:extLst>
+      <p:ext uri="{BB962C8B-B14F-4D97-AF65-F5344CB8AC3E}">
+        <p14:creationId xmlns:p14="http://schemas.microsoft.com/office/powerpoint/2010/main" val="2768345361"/>
+      </p:ext>
+    </p:extLst>
+  </p:cSld>
+  <p:clrMapOvr>
+    <a:masterClrMapping/>
+  </p:clrMapOvr>
+</p:sld>
+</file>
+
+<file path=ppt/slides/slide15.xml><?xml version="1.0" encoding="utf-8"?>
+<p:sld xmlns:a="http://schemas.openxmlformats.org/drawingml/2006/main" xmlns:r="http://schemas.openxmlformats.org/officeDocument/2006/relationships" xmlns:p="http://schemas.openxmlformats.org/presentationml/2006/main">
+  <p:cSld>
+    <p:spTree>
+      <p:nvGrpSpPr>
+        <p:cNvPr id="1" name=""/>
+        <p:cNvGrpSpPr/>
+        <p:nvPr/>
+      </p:nvGrpSpPr>
+      <p:grpSpPr>
+        <a:xfrm>
+          <a:off x="0" y="0"/>
+          <a:ext cx="0" cy="0"/>
+          <a:chOff x="0" y="0"/>
+          <a:chExt cx="0" cy="0"/>
+        </a:xfrm>
+      </p:grpSpPr>
+      <p:sp>
+        <p:nvSpPr>
+          <p:cNvPr id="2" name="標題 1"/>
+          <p:cNvSpPr>
+            <a:spLocks noGrp="1"/>
+          </p:cNvSpPr>
+          <p:nvPr>
+            <p:ph type="title"/>
+          </p:nvPr>
+        </p:nvSpPr>
+        <p:spPr/>
+        <p:txBody>
+          <a:bodyPr/>
+          <a:lstStyle/>
+          <a:p>
+            <a:r>
+              <a:rPr lang="zh-TW" altLang="en-US" b="1" dirty="0"/>
+              <a:t>非保證續保 → 自動續保</a:t>
+            </a:r>
+            <a:endParaRPr lang="zh-TW" altLang="en-US" dirty="0"/>
+          </a:p>
+        </p:txBody>
+      </p:sp>
+      <p:pic>
+        <p:nvPicPr>
+          <p:cNvPr id="4098" name="Picture 2" descr="續保6"/>
+          <p:cNvPicPr>
+            <a:picLocks noChangeAspect="1" noChangeArrowheads="1"/>
+          </p:cNvPicPr>
+          <p:nvPr/>
+        </p:nvPicPr>
+        <p:blipFill>
+          <a:blip r:embed="rId2">
+            <a:extLst>
+              <a:ext uri="{28A0092B-C50C-407E-A947-70E740481C1C}">
+                <a14:useLocalDpi xmlns:a14="http://schemas.microsoft.com/office/drawing/2010/main" val="0"/>
+              </a:ext>
+            </a:extLst>
+          </a:blip>
+          <a:srcRect/>
+          <a:stretch>
+            <a:fillRect/>
+          </a:stretch>
+        </p:blipFill>
+        <p:spPr bwMode="auto">
+          <a:xfrm>
+            <a:off x="969218" y="1424771"/>
+            <a:ext cx="6915150" cy="4840606"/>
+          </a:xfrm>
+          <a:prstGeom prst="rect">
+            <a:avLst/>
+          </a:prstGeom>
+          <a:noFill/>
+          <a:extLst>
+            <a:ext uri="{909E8E84-426E-40DD-AFC4-6F175D3DCCD1}">
+              <a14:hiddenFill xmlns:a14="http://schemas.microsoft.com/office/drawing/2010/main">
+                <a:solidFill>
+                  <a:srgbClr val="FFFFFF"/>
+                </a:solidFill>
+              </a14:hiddenFill>
+            </a:ext>
+          </a:extLst>
+        </p:spPr>
+      </p:pic>
+    </p:spTree>
+    <p:extLst>
+      <p:ext uri="{BB962C8B-B14F-4D97-AF65-F5344CB8AC3E}">
+        <p14:creationId xmlns:p14="http://schemas.microsoft.com/office/powerpoint/2010/main" val="3231598837"/>
+      </p:ext>
+    </p:extLst>
+  </p:cSld>
+  <p:clrMapOvr>
+    <a:masterClrMapping/>
+  </p:clrMapOvr>
+</p:sld>
+</file>
+
+<file path=ppt/slides/slide16.xml><?xml version="1.0" encoding="utf-8"?>
+<p:sld xmlns:a="http://schemas.openxmlformats.org/drawingml/2006/main" xmlns:r="http://schemas.openxmlformats.org/officeDocument/2006/relationships" xmlns:p="http://schemas.openxmlformats.org/presentationml/2006/main">
+  <p:cSld>
+    <p:spTree>
+      <p:nvGrpSpPr>
+        <p:cNvPr id="1" name=""/>
+        <p:cNvGrpSpPr/>
+        <p:nvPr/>
+      </p:nvGrpSpPr>
+      <p:grpSpPr>
+        <a:xfrm>
+          <a:off x="0" y="0"/>
+          <a:ext cx="0" cy="0"/>
+          <a:chOff x="0" y="0"/>
+          <a:chExt cx="0" cy="0"/>
+        </a:xfrm>
+      </p:grpSpPr>
+      <p:sp>
+        <p:nvSpPr>
+          <p:cNvPr id="2" name="標題 1"/>
+          <p:cNvSpPr>
+            <a:spLocks noGrp="1"/>
+          </p:cNvSpPr>
+          <p:nvPr>
+            <p:ph type="title"/>
+          </p:nvPr>
+        </p:nvSpPr>
+        <p:spPr/>
+        <p:txBody>
+          <a:bodyPr/>
+          <a:lstStyle/>
+          <a:p>
+            <a:r>
+              <a:rPr lang="zh-TW" altLang="en-US" b="1" dirty="0"/>
+              <a:t>需要爭取的續保 → 沒有寫清楚</a:t>
             </a:r>
             <a:endParaRPr lang="zh-TW" altLang="en-US" dirty="0"/>
           </a:p>
@@ -6198,7 +7103,7 @@
 </p:sld>
 </file>
 
-<file path=ppt/slides/slide11.xml><?xml version="1.0" encoding="utf-8"?>
+<file path=ppt/slides/slide17.xml><?xml version="1.0" encoding="utf-8"?>
 <p:sld xmlns:a="http://schemas.openxmlformats.org/drawingml/2006/main" xmlns:r="http://schemas.openxmlformats.org/officeDocument/2006/relationships" xmlns:p="http://schemas.openxmlformats.org/presentationml/2006/main">
   <p:cSld>
     <p:spTree>
@@ -6232,15 +7137,7 @@
           <a:p>
             <a:r>
               <a:rPr lang="zh-TW" altLang="en-US" b="1" dirty="0"/>
-              <a:t>保證續</a:t>
-            </a:r>
-            <a:r>
-              <a:rPr lang="zh-TW" altLang="en-US" b="1" dirty="0" smtClean="0"/>
-              <a:t>保 → 不得</a:t>
-            </a:r>
-            <a:r>
-              <a:rPr lang="zh-TW" altLang="en-US" b="1" dirty="0"/>
-              <a:t>拒絕續保</a:t>
+              <a:t>保證續保 → 不得拒絕續保</a:t>
             </a:r>
             <a:endParaRPr lang="zh-TW" altLang="en-US" dirty="0"/>
           </a:p>
@@ -6300,7 +7197,7 @@
 </p:sld>
 </file>
 
-<file path=ppt/slides/slide12.xml><?xml version="1.0" encoding="utf-8"?>
+<file path=ppt/slides/slide18.xml><?xml version="1.0" encoding="utf-8"?>
 <p:sld xmlns:a="http://schemas.openxmlformats.org/drawingml/2006/main" xmlns:r="http://schemas.openxmlformats.org/officeDocument/2006/relationships" xmlns:p="http://schemas.openxmlformats.org/presentationml/2006/main">
   <p:cSld>
     <p:spTree>
@@ -6336,26 +7233,14 @@
           <a:p>
             <a:r>
               <a:rPr lang="zh-TW" altLang="en-US" b="1" dirty="0"/>
-              <a:t>不完整的保證續</a:t>
-            </a:r>
-            <a:r>
-              <a:rPr lang="zh-TW" altLang="en-US" b="1" dirty="0" smtClean="0"/>
-              <a:t>保 → </a:t>
-            </a:r>
-            <a:r>
-              <a:rPr lang="en-US" altLang="zh-TW" b="1" dirty="0" smtClean="0"/>
-              <a:t/>
+              <a:t>不完整的保證續保 → </a:t>
             </a:r>
             <a:br>
-              <a:rPr lang="en-US" altLang="zh-TW" b="1" dirty="0" smtClean="0"/>
+              <a:rPr lang="en-US" altLang="zh-TW" b="1" dirty="0"/>
             </a:br>
             <a:r>
-              <a:rPr lang="zh-TW" altLang="en-US" b="1" dirty="0" smtClean="0"/>
-              <a:t>除</a:t>
-            </a:r>
-            <a:r>
               <a:rPr lang="zh-TW" altLang="en-US" b="1" dirty="0"/>
-              <a:t>經主管機關核准停止銷售</a:t>
+              <a:t>除經主管機關核准停止銷售</a:t>
             </a:r>
             <a:endParaRPr lang="zh-TW" altLang="en-US" dirty="0"/>
           </a:p>
@@ -6415,7 +7300,7 @@
 </p:sld>
 </file>
 
-<file path=ppt/slides/slide13.xml><?xml version="1.0" encoding="utf-8"?>
+<file path=ppt/slides/slide19.xml><?xml version="1.0" encoding="utf-8"?>
 <p:sld xmlns:a="http://schemas.openxmlformats.org/drawingml/2006/main" xmlns:r="http://schemas.openxmlformats.org/officeDocument/2006/relationships" xmlns:p="http://schemas.openxmlformats.org/presentationml/2006/main">
   <p:cSld>
     <p:spTree>
@@ -6450,12 +7335,8 @@
           <a:lstStyle/>
           <a:p>
             <a:r>
-              <a:rPr lang="zh-TW" altLang="en-US" b="1" dirty="0" smtClean="0"/>
-              <a:t>五</a:t>
-            </a:r>
-            <a:r>
-              <a:rPr lang="en-US" altLang="zh-TW" b="1" dirty="0" smtClean="0"/>
-              <a:t>. Q&amp;A</a:t>
+              <a:rPr lang="en-US" altLang="zh-TW" b="1" dirty="0"/>
+              <a:t>八. Q&amp;A</a:t>
             </a:r>
             <a:endParaRPr lang="zh-TW" altLang="en-US" dirty="0"/>
           </a:p>
@@ -6626,10 +7507,9 @@
           <a:lstStyle/>
           <a:p>
             <a:r>
-              <a:rPr lang="zh-TW" altLang="en-US" dirty="0" smtClean="0"/>
+              <a:rPr lang="zh-TW" altLang="en-US" dirty="0"/>
               <a:t>大綱</a:t>
             </a:r>
-            <a:endParaRPr lang="zh-TW" altLang="en-US" dirty="0"/>
           </a:p>
         </p:txBody>
       </p:sp>
@@ -6645,7 +7525,9 @@
         </p:nvSpPr>
         <p:spPr/>
         <p:txBody>
-          <a:bodyPr/>
+          <a:bodyPr vert="horz" anchor="t">
+            <a:normAutofit/>
+          </a:bodyPr>
           <a:lstStyle/>
           <a:p>
             <a:pPr marL="514350" indent="-514350">
@@ -6656,6 +7538,10 @@
               <a:rPr lang="zh-TW" altLang="en-US" b="1" dirty="0"/>
               <a:t>什麼是續保</a:t>
             </a:r>
+            <a:endParaRPr lang="zh-TW" altLang="en-US" b="1" dirty="0">
+              <a:latin typeface="新細明體"/>
+              <a:ea typeface="新細明體"/>
+            </a:endParaRPr>
           </a:p>
           <a:p>
             <a:pPr marL="514350" indent="-514350">
@@ -6663,9 +7549,70 @@
               <a:buAutoNum type="ea1ChtPeriod"/>
             </a:pPr>
             <a:r>
-              <a:rPr lang="zh-TW" altLang="en-US" b="1" dirty="0"/>
+              <a:rPr lang="zh-TW" altLang="en-US" b="1"/>
               <a:t>續保的方式</a:t>
             </a:r>
+            <a:endParaRPr lang="zh-TW" altLang="en-US" b="1" dirty="0">
+              <a:latin typeface="新細明體"/>
+              <a:ea typeface="新細明體"/>
+            </a:endParaRPr>
+          </a:p>
+          <a:p>
+            <a:pPr marL="514350" indent="-514350">
+              <a:spcBef>
+                <a:spcPts val="500"/>
+              </a:spcBef>
+              <a:buAutoNum type="ea1ChtPeriod"/>
+            </a:pPr>
+            <a:r>
+              <a:rPr lang="zh-TW" altLang="en-US" b="1">
+                <a:latin typeface="新細明體"/>
+                <a:ea typeface="新細明體"/>
+              </a:rPr>
+              <a:t>續保作業</a:t>
+            </a:r>
+            <a:endParaRPr lang="zh-TW" altLang="en-US" b="1" dirty="0">
+              <a:latin typeface="新細明體"/>
+              <a:ea typeface="新細明體"/>
+            </a:endParaRPr>
+          </a:p>
+          <a:p>
+            <a:pPr marL="514350" indent="-514350">
+              <a:spcBef>
+                <a:spcPts val="500"/>
+              </a:spcBef>
+              <a:buAutoNum type="ea1ChtPeriod"/>
+            </a:pPr>
+            <a:r>
+              <a:rPr lang="zh-TW" b="1">
+                <a:latin typeface="新細明體"/>
+                <a:ea typeface="新細明體"/>
+              </a:rPr>
+              <a:t>個意險續保資料套印下傳作業</a:t>
+            </a:r>
+            <a:endParaRPr lang="zh-TW" altLang="en-US" b="1" dirty="0">
+              <a:latin typeface="新細明體"/>
+              <a:ea typeface="新細明體"/>
+            </a:endParaRPr>
+          </a:p>
+          <a:p>
+            <a:pPr marL="514350" indent="-514350">
+              <a:spcBef>
+                <a:spcPts val="500"/>
+              </a:spcBef>
+              <a:buAutoNum type="ea1ChtPeriod"/>
+            </a:pPr>
+            <a:r>
+              <a:rPr lang="zh-TW" altLang="en-US" b="1">
+                <a:latin typeface="新細明體"/>
+                <a:ea typeface="新細明體"/>
+              </a:rPr>
+              <a:t>意外險網路投保續保資料下傳 </a:t>
+            </a:r>
+            <a:endParaRPr lang="zh-TW" b="1">
+              <a:latin typeface="新細明體"/>
+              <a:ea typeface="新細明體"/>
+            </a:endParaRPr>
           </a:p>
           <a:p>
             <a:pPr marL="514350" indent="-514350">
@@ -6676,6 +7623,10 @@
               <a:rPr lang="zh-TW" altLang="en-US" b="1" dirty="0"/>
               <a:t>續保的優點</a:t>
             </a:r>
+            <a:endParaRPr lang="zh-TW" altLang="en-US" b="1" dirty="0">
+              <a:latin typeface="新細明體"/>
+              <a:ea typeface="新細明體"/>
+            </a:endParaRPr>
           </a:p>
           <a:p>
             <a:pPr marL="514350" indent="-514350">
@@ -6683,11 +7634,11 @@
               <a:buAutoNum type="ea1ChtPeriod"/>
             </a:pPr>
             <a:r>
-              <a:rPr lang="zh-TW" altLang="en-US" b="1" dirty="0" smtClean="0"/>
+              <a:rPr lang="zh-TW" altLang="en-US" b="1" dirty="0"/>
               <a:t>分辨</a:t>
             </a:r>
             <a:r>
-              <a:rPr lang="en-US" altLang="zh-TW" b="1" dirty="0" smtClean="0"/>
+              <a:rPr lang="en-US" altLang="zh-TW" b="1" dirty="0"/>
               <a:t>『</a:t>
             </a:r>
             <a:r>
@@ -6699,10 +7650,10 @@
               <a:t>』</a:t>
             </a:r>
             <a:r>
-              <a:rPr lang="zh-TW" altLang="en-US" b="1" dirty="0" smtClean="0"/>
+              <a:rPr lang="zh-TW" altLang="en-US" b="1" dirty="0"/>
               <a:t>條款</a:t>
             </a:r>
-            <a:endParaRPr lang="en-US" altLang="zh-TW" b="1" dirty="0" smtClean="0"/>
+            <a:endParaRPr lang="en-US" altLang="zh-TW" b="1" dirty="0"/>
           </a:p>
           <a:p>
             <a:pPr marL="514350" indent="-514350">
@@ -6710,10 +7661,10 @@
               <a:buAutoNum type="ea1ChtPeriod"/>
             </a:pPr>
             <a:r>
-              <a:rPr lang="en-US" altLang="zh-TW" b="1" dirty="0" smtClean="0"/>
+              <a:rPr lang="en-US" altLang="zh-TW" b="1" dirty="0"/>
               <a:t>Q&amp;A</a:t>
             </a:r>
-            <a:endParaRPr lang="zh-TW" altLang="en-US" dirty="0"/>
+            <a:endParaRPr lang="zh-TW" altLang="en-US" b="1" dirty="0"/>
           </a:p>
         </p:txBody>
       </p:sp>
@@ -6765,24 +7716,16 @@
           <a:lstStyle/>
           <a:p>
             <a:r>
-              <a:rPr lang="zh-TW" altLang="en-US" b="1" dirty="0" smtClean="0"/>
+              <a:rPr lang="zh-TW" altLang="en-US" b="1" dirty="0"/>
               <a:t>一</a:t>
             </a:r>
             <a:r>
-              <a:rPr lang="en-US" altLang="zh-TW" b="1" dirty="0" smtClean="0"/>
+              <a:rPr lang="en-US" altLang="zh-TW" b="1" dirty="0"/>
               <a:t>.</a:t>
             </a:r>
             <a:r>
-              <a:rPr lang="zh-TW" altLang="en-US" b="1" dirty="0" smtClean="0"/>
-              <a:t> 什麼</a:t>
-            </a:r>
-            <a:r>
               <a:rPr lang="zh-TW" altLang="en-US" b="1" dirty="0"/>
-              <a:t>是續</a:t>
-            </a:r>
-            <a:r>
-              <a:rPr lang="zh-TW" altLang="en-US" b="1" dirty="0" smtClean="0"/>
-              <a:t>保</a:t>
+              <a:t> 什麼是續保</a:t>
             </a:r>
             <a:endParaRPr lang="zh-TW" altLang="en-US" dirty="0"/>
           </a:p>
@@ -6804,10 +7747,10 @@
           <a:lstStyle/>
           <a:p>
             <a:r>
-              <a:rPr lang="zh-TW" altLang="en-US" dirty="0" smtClean="0"/>
+              <a:rPr lang="zh-TW" altLang="en-US" dirty="0"/>
               <a:t>定義</a:t>
             </a:r>
-            <a:endParaRPr lang="en-US" altLang="zh-TW" dirty="0" smtClean="0"/>
+            <a:endParaRPr lang="en-US" altLang="zh-TW" dirty="0"/>
           </a:p>
           <a:p>
             <a:pPr marL="320040" lvl="1" indent="0">
@@ -6887,19 +7830,15 @@
             </a:r>
             <a:r>
               <a:rPr lang="zh-TW" altLang="en-US" dirty="0"/>
-              <a:t>的行為</a:t>
-            </a:r>
-            <a:r>
-              <a:rPr lang="zh-TW" altLang="en-US" dirty="0" smtClean="0"/>
-              <a:t>。</a:t>
-            </a:r>
-            <a:endParaRPr lang="en-US" altLang="zh-TW" dirty="0" smtClean="0"/>
+              <a:t>的行為。</a:t>
+            </a:r>
+            <a:endParaRPr lang="en-US" altLang="zh-TW" dirty="0"/>
           </a:p>
           <a:p>
             <a:pPr marL="0" indent="0">
               <a:buNone/>
             </a:pPr>
-            <a:endParaRPr lang="en-US" altLang="zh-TW" dirty="0" smtClean="0"/>
+            <a:endParaRPr lang="en-US" altLang="zh-TW" dirty="0"/>
           </a:p>
         </p:txBody>
       </p:sp>
@@ -6951,24 +7890,16 @@
           <a:lstStyle/>
           <a:p>
             <a:r>
-              <a:rPr lang="zh-TW" altLang="en-US" b="1" dirty="0" smtClean="0"/>
+              <a:rPr lang="zh-TW" altLang="en-US" b="1" dirty="0"/>
               <a:t>二</a:t>
             </a:r>
             <a:r>
-              <a:rPr lang="en-US" altLang="zh-TW" b="1" dirty="0" smtClean="0"/>
+              <a:rPr lang="en-US" altLang="zh-TW" b="1" dirty="0"/>
               <a:t>.</a:t>
             </a:r>
             <a:r>
-              <a:rPr lang="zh-TW" altLang="en-US" b="1" dirty="0" smtClean="0"/>
-              <a:t> 續</a:t>
-            </a:r>
-            <a:r>
               <a:rPr lang="zh-TW" altLang="en-US" b="1" dirty="0"/>
-              <a:t>保的</a:t>
-            </a:r>
-            <a:r>
-              <a:rPr lang="zh-TW" altLang="en-US" b="1" dirty="0" smtClean="0"/>
-              <a:t>方式</a:t>
+              <a:t> 續保的方式</a:t>
             </a:r>
             <a:endParaRPr lang="zh-TW" altLang="en-US" dirty="0"/>
           </a:p>
@@ -6991,13 +7922,9 @@
           <a:p>
             <a:r>
               <a:rPr lang="zh-TW" altLang="en-US" dirty="0"/>
-              <a:t>續保方式有三</a:t>
-            </a:r>
-            <a:r>
-              <a:rPr lang="zh-TW" altLang="en-US" dirty="0" smtClean="0"/>
-              <a:t>種</a:t>
-            </a:r>
-            <a:endParaRPr lang="en-US" altLang="zh-TW" dirty="0" smtClean="0"/>
+              <a:t>續保方式有三種</a:t>
+            </a:r>
+            <a:endParaRPr lang="en-US" altLang="zh-TW" dirty="0"/>
           </a:p>
           <a:p>
             <a:pPr marL="777240" lvl="1" indent="-457200">
@@ -7006,13 +7933,9 @@
             </a:pPr>
             <a:r>
               <a:rPr lang="zh-TW" altLang="en-US" dirty="0"/>
-              <a:t>另訂新的</a:t>
-            </a:r>
-            <a:r>
-              <a:rPr lang="zh-TW" altLang="en-US" dirty="0" smtClean="0"/>
-              <a:t>保險契約</a:t>
-            </a:r>
-            <a:endParaRPr lang="en-US" altLang="zh-TW" dirty="0" smtClean="0"/>
+              <a:t>另訂新的保險契約</a:t>
+            </a:r>
+            <a:endParaRPr lang="en-US" altLang="zh-TW" dirty="0"/>
           </a:p>
           <a:p>
             <a:pPr marL="777240" lvl="1" indent="-457200">
@@ -7021,13 +7944,9 @@
             </a:pPr>
             <a:r>
               <a:rPr lang="zh-TW" altLang="en-US" dirty="0"/>
-              <a:t>按原條件訂立“續保證明書</a:t>
-            </a:r>
-            <a:r>
-              <a:rPr lang="zh-TW" altLang="en-US" dirty="0" smtClean="0"/>
-              <a:t>”</a:t>
-            </a:r>
-            <a:endParaRPr lang="en-US" altLang="zh-TW" dirty="0" smtClean="0"/>
+              <a:t>按原條件訂立“續保證明書”</a:t>
+            </a:r>
+            <a:endParaRPr lang="en-US" altLang="zh-TW" dirty="0"/>
           </a:p>
           <a:p>
             <a:pPr marL="777240" lvl="1" indent="-457200">
@@ -7095,22 +8014,24 @@
         </p:nvSpPr>
         <p:spPr/>
         <p:txBody>
-          <a:bodyPr/>
+          <a:bodyPr>
+            <a:normAutofit/>
+          </a:bodyPr>
           <a:lstStyle/>
           <a:p>
             <a:r>
-              <a:rPr lang="zh-TW" altLang="en-US" b="1" dirty="0"/>
-              <a:t>三</a:t>
-            </a:r>
-            <a:r>
               <a:rPr lang="en-US" altLang="zh-TW" b="1" dirty="0"/>
-              <a:t>. </a:t>
-            </a:r>
-            <a:r>
-              <a:rPr lang="zh-TW" altLang="en-US" b="1" dirty="0"/>
-              <a:t>續保的優點</a:t>
-            </a:r>
-            <a:endParaRPr lang="zh-TW" altLang="en-US" dirty="0"/>
+              <a:t>三.</a:t>
+            </a:r>
+            <a:r>
+              <a:rPr lang="zh-TW" altLang="en-US" b="1"/>
+              <a:t> </a:t>
+            </a:r>
+            <a:r>
+              <a:rPr lang="zh-TW" b="1"/>
+              <a:t>續保作業</a:t>
+            </a:r>
+            <a:endParaRPr lang="zh-TW"/>
           </a:p>
         </p:txBody>
       </p:sp>
@@ -7126,115 +8047,159 @@
         </p:nvSpPr>
         <p:spPr/>
         <p:txBody>
-          <a:bodyPr/>
+          <a:bodyPr vert="horz" anchor="t">
+            <a:normAutofit/>
+          </a:bodyPr>
           <a:lstStyle/>
           <a:p>
-            <a:r>
-              <a:rPr lang="zh-TW" altLang="en-US" b="1" dirty="0"/>
-              <a:t>對</a:t>
-            </a:r>
-            <a:r>
-              <a:rPr lang="zh-TW" altLang="en-US" sz="2400" b="1" dirty="0">
-                <a:solidFill>
-                  <a:srgbClr val="0070C0"/>
-                </a:solidFill>
-              </a:rPr>
-              <a:t>保險人</a:t>
-            </a:r>
-            <a:r>
-              <a:rPr lang="zh-TW" altLang="en-US" b="1" dirty="0"/>
-              <a:t>而言：</a:t>
-            </a:r>
-            <a:endParaRPr lang="en-US" altLang="zh-TW" b="1" dirty="0"/>
-          </a:p>
-          <a:p>
-            <a:pPr marL="777240" lvl="1" indent="-457200">
-              <a:buFont typeface="+mj-lt"/>
+            <a:pPr lvl="1">
+              <a:buClr>
+                <a:srgbClr val="9B2D1F"/>
+              </a:buClr>
+              <a:buFont typeface="Arial"/>
+              <a:buChar char="•"/>
+            </a:pPr>
+            <a:r>
+              <a:rPr lang="zh-TW">
+                <a:latin typeface="新細明體"/>
+                <a:ea typeface="新細明體"/>
+              </a:rPr>
+              <a:t>承保及後續  &gt;  續保申請</a:t>
+            </a:r>
+          </a:p>
+          <a:p>
+            <a:pPr marL="1051560" lvl="2" indent="-457200">
+              <a:spcBef>
+                <a:spcPts val="300"/>
+              </a:spcBef>
               <a:buAutoNum type="arabicPeriod"/>
             </a:pPr>
             <a:r>
-              <a:rPr lang="zh-TW" altLang="en-US" dirty="0"/>
-              <a:t>穩定保單</a:t>
-            </a:r>
-            <a:endParaRPr lang="en-US" altLang="zh-TW" dirty="0"/>
-          </a:p>
-          <a:p>
-            <a:pPr marL="777240" lvl="1" indent="-457200">
-              <a:buFont typeface="+mj-lt"/>
+              <a:rPr lang="zh-TW" altLang="en-US" sz="2400">
+                <a:latin typeface="新細明體"/>
+                <a:ea typeface="新細明體"/>
+              </a:rPr>
+              <a:t>定期險續保申請書列印作業</a:t>
+            </a:r>
+          </a:p>
+          <a:p>
+            <a:pPr marL="1051560" lvl="2" indent="-457200">
+              <a:spcBef>
+                <a:spcPts val="300"/>
+              </a:spcBef>
+              <a:buClr>
+                <a:srgbClr val="E6B1AB"/>
+              </a:buClr>
               <a:buAutoNum type="arabicPeriod"/>
             </a:pPr>
             <a:r>
-              <a:rPr lang="zh-TW" altLang="en-US" dirty="0"/>
-              <a:t>減少開發新保單的工作和費用</a:t>
-            </a:r>
-            <a:endParaRPr lang="en-US" altLang="zh-TW" dirty="0"/>
-          </a:p>
-          <a:p>
-            <a:r>
-              <a:rPr lang="zh-TW" altLang="en-US" b="1" dirty="0"/>
-              <a:t>對</a:t>
-            </a:r>
-            <a:r>
-              <a:rPr lang="zh-TW" altLang="en-US" sz="2400" b="1" dirty="0" smtClean="0">
-                <a:solidFill>
-                  <a:srgbClr val="0070C0"/>
-                </a:solidFill>
-              </a:rPr>
-              <a:t>投保人</a:t>
-            </a:r>
-            <a:r>
-              <a:rPr lang="zh-TW" altLang="en-US" b="1" dirty="0"/>
-              <a:t>而言：</a:t>
-            </a:r>
-            <a:endParaRPr lang="en-US" altLang="zh-TW" b="1" dirty="0"/>
-          </a:p>
-          <a:p>
-            <a:pPr marL="777240" lvl="1" indent="-457200">
-              <a:buFont typeface="+mj-lt"/>
+              <a:rPr lang="zh-TW" sz="2400">
+                <a:latin typeface="新細明體"/>
+                <a:ea typeface="新細明體"/>
+              </a:rPr>
+              <a:t>意外險續保申請書列印作業</a:t>
+            </a:r>
+          </a:p>
+          <a:p>
+            <a:pPr marL="1051560" lvl="2" indent="-457200">
+              <a:spcBef>
+                <a:spcPts val="300"/>
+              </a:spcBef>
+              <a:buClr>
+                <a:srgbClr val="E6B1AB"/>
+              </a:buClr>
               <a:buAutoNum type="arabicPeriod"/>
             </a:pPr>
             <a:r>
-              <a:rPr lang="zh-TW" altLang="en-US" dirty="0"/>
-              <a:t>得到連續不斷的</a:t>
-            </a:r>
-            <a:r>
-              <a:rPr lang="zh-TW" altLang="en-US" b="1" dirty="0">
-                <a:solidFill>
-                  <a:srgbClr val="0070C0"/>
-                </a:solidFill>
-              </a:rPr>
-              <a:t>保險</a:t>
-            </a:r>
-            <a:endParaRPr lang="en-US" altLang="zh-TW" dirty="0"/>
-          </a:p>
-          <a:p>
-            <a:pPr marL="777240" lvl="1" indent="-457200">
-              <a:buFont typeface="+mj-lt"/>
+              <a:rPr lang="zh-TW" altLang="en-US" sz="2400">
+                <a:latin typeface="新細明體"/>
+                <a:ea typeface="新細明體"/>
+              </a:rPr>
+              <a:t>團意續保待辦訊息</a:t>
+            </a:r>
+          </a:p>
+          <a:p>
+            <a:pPr marL="1051560" lvl="2" indent="-457200">
+              <a:spcBef>
+                <a:spcPts val="300"/>
+              </a:spcBef>
+              <a:buClr>
+                <a:srgbClr val="E6B1AB"/>
+              </a:buClr>
               <a:buAutoNum type="arabicPeriod"/>
             </a:pPr>
             <a:r>
-              <a:rPr lang="zh-TW" altLang="en-US" dirty="0"/>
-              <a:t>得到公司的</a:t>
-            </a:r>
-            <a:r>
-              <a:rPr lang="zh-TW" altLang="en-US" b="1" dirty="0">
-                <a:solidFill>
-                  <a:srgbClr val="0070C0"/>
-                </a:solidFill>
-              </a:rPr>
-              <a:t>優惠</a:t>
-            </a:r>
-            <a:endParaRPr lang="zh-TW" altLang="en-US" dirty="0"/>
-          </a:p>
-          <a:p>
-            <a:endParaRPr lang="zh-TW" altLang="en-US" dirty="0"/>
+              <a:rPr lang="zh-TW" sz="2400">
+                <a:latin typeface="新細明體"/>
+                <a:ea typeface="新細明體"/>
+              </a:rPr>
+              <a:t>意外險續保及拒保通知函下傳作業</a:t>
+            </a:r>
+          </a:p>
+          <a:p>
+            <a:pPr marL="1051560" lvl="2" indent="-457200">
+              <a:spcBef>
+                <a:spcPts val="300"/>
+              </a:spcBef>
+              <a:buClr>
+                <a:srgbClr val="E6B1AB"/>
+              </a:buClr>
+              <a:buAutoNum type="arabicPeriod"/>
+            </a:pPr>
+            <a:r>
+              <a:rPr lang="zh-TW" altLang="en-US" sz="2400">
+                <a:latin typeface="新細明體"/>
+                <a:ea typeface="新細明體"/>
+              </a:rPr>
+              <a:t>個意險續保資料套印下傳作業</a:t>
+            </a:r>
+          </a:p>
+          <a:p>
+            <a:pPr marL="1051560" lvl="2" indent="-457200">
+              <a:spcBef>
+                <a:spcPts val="300"/>
+              </a:spcBef>
+              <a:buClr>
+                <a:srgbClr val="E6B1AB"/>
+              </a:buClr>
+              <a:buAutoNum type="arabicPeriod"/>
+            </a:pPr>
+            <a:r>
+              <a:rPr lang="zh-TW" sz="2400">
+                <a:latin typeface="新細明體"/>
+                <a:ea typeface="新細明體"/>
+              </a:rPr>
+              <a:t>意外險網路投保續保資料下傳</a:t>
+            </a:r>
+          </a:p>
+          <a:p>
+            <a:pPr marL="1051560" lvl="2" indent="-457200">
+              <a:spcBef>
+                <a:spcPts val="300"/>
+              </a:spcBef>
+              <a:buClr>
+                <a:srgbClr val="E6B1AB"/>
+              </a:buClr>
+              <a:buAutoNum type="arabicPeriod"/>
+            </a:pPr>
+            <a:r>
+              <a:rPr lang="zh-TW" altLang="en-US" sz="2400">
+                <a:latin typeface="新細明體"/>
+                <a:ea typeface="新細明體"/>
+              </a:rPr>
+              <a:t>意外險扣款失敗通知函列印</a:t>
+            </a:r>
+            <a:endParaRPr lang="zh-TW" sz="2400">
+              <a:latin typeface="新細明體"/>
+              <a:ea typeface="新細明體"/>
+            </a:endParaRPr>
           </a:p>
         </p:txBody>
       </p:sp>
     </p:spTree>
     <p:extLst>
       <p:ext uri="{BB962C8B-B14F-4D97-AF65-F5344CB8AC3E}">
-        <p14:creationId xmlns:p14="http://schemas.microsoft.com/office/powerpoint/2010/main" val="1493964185"/>
+        <p14:creationId xmlns:p14="http://schemas.microsoft.com/office/powerpoint/2010/main" val="2438788983"/>
       </p:ext>
     </p:extLst>
   </p:cSld>
@@ -7279,168 +8244,161 @@
           <a:lstStyle/>
           <a:p>
             <a:r>
-              <a:rPr lang="zh-TW" altLang="en-US" b="1" dirty="0" smtClean="0"/>
-              <a:t>四</a:t>
-            </a:r>
-            <a:r>
-              <a:rPr lang="en-US" altLang="zh-TW" b="1" dirty="0" smtClean="0"/>
-              <a:t>. </a:t>
-            </a:r>
-            <a:r>
-              <a:rPr lang="zh-TW" altLang="en-US" b="1" dirty="0" smtClean="0"/>
-              <a:t>分辨</a:t>
-            </a:r>
-            <a:r>
-              <a:rPr lang="en-US" altLang="zh-TW" b="1" dirty="0"/>
-              <a:t>『</a:t>
-            </a:r>
-            <a:r>
-              <a:rPr lang="zh-TW" altLang="en-US" b="1" dirty="0"/>
-              <a:t>續保</a:t>
-            </a:r>
-            <a:r>
-              <a:rPr lang="en-US" altLang="zh-TW" b="1" dirty="0"/>
-              <a:t>』</a:t>
-            </a:r>
-            <a:r>
-              <a:rPr lang="zh-TW" altLang="en-US" b="1" dirty="0" smtClean="0"/>
-              <a:t>條款</a:t>
-            </a:r>
-            <a:endParaRPr lang="zh-TW" altLang="en-US" dirty="0"/>
-          </a:p>
-        </p:txBody>
-      </p:sp>
-      <p:sp>
-        <p:nvSpPr>
-          <p:cNvPr id="4" name="圓角矩形 3"/>
-          <p:cNvSpPr/>
-          <p:nvPr/>
-        </p:nvSpPr>
-        <p:spPr>
-          <a:xfrm>
-            <a:off x="1619672" y="2204864"/>
-            <a:ext cx="5544616" cy="3528392"/>
-          </a:xfrm>
-          <a:prstGeom prst="roundRect">
-            <a:avLst/>
-          </a:prstGeom>
-          <a:solidFill>
-            <a:schemeClr val="tx1">
-              <a:lumMod val="85000"/>
-              <a:lumOff val="15000"/>
-            </a:schemeClr>
-          </a:solidFill>
-        </p:spPr>
-        <p:style>
-          <a:lnRef idx="2">
-            <a:schemeClr val="accent1">
-              <a:shade val="50000"/>
-            </a:schemeClr>
-          </a:lnRef>
-          <a:fillRef idx="1">
-            <a:schemeClr val="accent1"/>
-          </a:fillRef>
-          <a:effectRef idx="0">
-            <a:schemeClr val="accent1"/>
-          </a:effectRef>
-          <a:fontRef idx="minor">
-            <a:schemeClr val="lt1"/>
-          </a:fontRef>
-        </p:style>
-        <p:txBody>
-          <a:bodyPr rtlCol="0" anchor="ctr"/>
+              <a:rPr lang="en-US" altLang="zh-TW" b="1"/>
+              <a:t>四.</a:t>
+            </a:r>
+            <a:r>
+              <a:rPr lang="zh-TW" b="1">
+                <a:latin typeface="微軟正黑體"/>
+                <a:ea typeface="微軟正黑體"/>
+              </a:rPr>
+              <a:t>個意險續保資料套印下傳作業</a:t>
+            </a:r>
+            <a:endParaRPr lang="en-US" altLang="zh-TW">
+              <a:latin typeface="微軟正黑體"/>
+              <a:ea typeface="微軟正黑體"/>
+            </a:endParaRPr>
+          </a:p>
+        </p:txBody>
+      </p:sp>
+      <p:sp>
+        <p:nvSpPr>
+          <p:cNvPr id="3" name="內容版面配置區 2"/>
+          <p:cNvSpPr>
+            <a:spLocks noGrp="1"/>
+          </p:cNvSpPr>
+          <p:nvPr>
+            <p:ph sz="quarter" idx="1"/>
+          </p:nvPr>
+        </p:nvSpPr>
+        <p:spPr/>
+        <p:txBody>
+          <a:bodyPr vert="horz" anchor="t">
+            <a:normAutofit/>
+          </a:bodyPr>
           <a:lstStyle/>
           <a:p>
-            <a:pPr algn="ctr"/>
-            <a:r>
-              <a:rPr lang="zh-TW" altLang="en-US" sz="2400" b="1" dirty="0" smtClean="0">
-                <a:solidFill>
-                  <a:srgbClr val="FFC000"/>
-                </a:solidFill>
-                <a:latin typeface="+mn-ea"/>
-              </a:rPr>
-              <a:t>保證續保就是</a:t>
-            </a:r>
-            <a:endParaRPr lang="en-US" altLang="zh-TW" sz="2400" b="1" dirty="0" smtClean="0">
-              <a:solidFill>
-                <a:srgbClr val="FFC000"/>
-              </a:solidFill>
-              <a:latin typeface="+mn-ea"/>
-            </a:endParaRPr>
-          </a:p>
-          <a:p>
-            <a:pPr algn="ctr"/>
-            <a:r>
-              <a:rPr lang="zh-TW" altLang="en-US" sz="2400" dirty="0" smtClean="0">
-                <a:latin typeface="+mn-ea"/>
-              </a:rPr>
-              <a:t>本公司不得拒絕</a:t>
-            </a:r>
-            <a:endParaRPr lang="en-US" altLang="zh-TW" sz="2400" dirty="0" smtClean="0">
-              <a:latin typeface="+mn-ea"/>
-            </a:endParaRPr>
-          </a:p>
-          <a:p>
-            <a:pPr algn="ctr"/>
-            <a:endParaRPr lang="en-US" altLang="zh-TW" sz="2400" dirty="0" smtClean="0">
-              <a:latin typeface="+mn-ea"/>
-            </a:endParaRPr>
-          </a:p>
-          <a:p>
-            <a:pPr algn="ctr"/>
-            <a:r>
-              <a:rPr lang="zh-TW" altLang="en-US" sz="2400" dirty="0">
-                <a:solidFill>
-                  <a:srgbClr val="FFC000"/>
-                </a:solidFill>
-                <a:latin typeface="+mn-ea"/>
-              </a:rPr>
-              <a:t>非保證續保</a:t>
-            </a:r>
-            <a:r>
-              <a:rPr lang="zh-TW" altLang="en-US" sz="2400" dirty="0" smtClean="0">
-                <a:solidFill>
-                  <a:srgbClr val="FFC000"/>
-                </a:solidFill>
-                <a:latin typeface="+mn-ea"/>
-              </a:rPr>
-              <a:t>就是</a:t>
-            </a:r>
-            <a:endParaRPr lang="en-US" altLang="zh-TW" sz="2400" dirty="0" smtClean="0">
-              <a:solidFill>
-                <a:srgbClr val="FFC000"/>
-              </a:solidFill>
-              <a:latin typeface="+mn-ea"/>
-            </a:endParaRPr>
-          </a:p>
-          <a:p>
-            <a:pPr algn="ctr"/>
-            <a:r>
-              <a:rPr lang="zh-TW" altLang="en-US" sz="2400" b="1" dirty="0">
-                <a:latin typeface="+mn-ea"/>
-              </a:rPr>
-              <a:t>經本公司</a:t>
-            </a:r>
-            <a:r>
-              <a:rPr lang="zh-TW" altLang="en-US" sz="2400" b="1" dirty="0" smtClean="0">
-                <a:latin typeface="+mn-ea"/>
-              </a:rPr>
-              <a:t>同意</a:t>
-            </a:r>
-            <a:endParaRPr lang="en-US" altLang="zh-TW" sz="2400" b="1" dirty="0" smtClean="0">
-              <a:latin typeface="+mn-ea"/>
-            </a:endParaRPr>
-          </a:p>
-          <a:p>
-            <a:pPr algn="ctr"/>
-            <a:r>
-              <a:rPr lang="zh-TW" altLang="en-US" sz="2400" dirty="0" smtClean="0">
-                <a:latin typeface="+mn-ea"/>
-              </a:rPr>
-              <a:t>雙方無反對意思</a:t>
-            </a:r>
-            <a:endParaRPr lang="zh-TW" altLang="en-US" sz="2400" dirty="0">
-              <a:latin typeface="+mn-ea"/>
+            <a:pPr lvl="1">
+              <a:buClr>
+                <a:srgbClr val="9B2D1F"/>
+              </a:buClr>
+              <a:buFont typeface="Arial"/>
+              <a:buChar char="•"/>
+            </a:pPr>
+            <a:r>
+              <a:rPr lang="zh-TW">
+                <a:latin typeface="新細明體"/>
+                <a:ea typeface="新細明體"/>
+              </a:rPr>
+              <a:t>精誠下傳檔</a:t>
+            </a:r>
+          </a:p>
+          <a:p>
+            <a:pPr lvl="1">
+              <a:spcBef>
+                <a:spcPts val="300"/>
+              </a:spcBef>
+              <a:buClr>
+                <a:srgbClr val="9B2D1F"/>
+              </a:buClr>
+              <a:buFont typeface="Arial"/>
+              <a:buChar char="•"/>
+            </a:pPr>
+            <a:r>
+              <a:rPr lang="zh-TW" altLang="en-US">
+                <a:latin typeface="新細明體"/>
+                <a:ea typeface="新細明體"/>
+              </a:rPr>
+              <a:t>郵局下傳檔</a:t>
+            </a:r>
+            <a:endParaRPr lang="zh-TW"/>
+          </a:p>
+          <a:p>
+            <a:pPr lvl="1">
+              <a:spcBef>
+                <a:spcPts val="300"/>
+              </a:spcBef>
+              <a:buClr>
+                <a:srgbClr val="9B2D1F"/>
+              </a:buClr>
+              <a:buFont typeface="Arial"/>
+              <a:buChar char="•"/>
+            </a:pPr>
+            <a:r>
+              <a:rPr lang="zh-TW" altLang="en-US">
+                <a:latin typeface="新細明體"/>
+                <a:ea typeface="新細明體"/>
+              </a:rPr>
+              <a:t>寫入</a:t>
+            </a:r>
+            <a:r>
+              <a:rPr lang="zh-TW">
+                <a:latin typeface="新細明體"/>
+                <a:ea typeface="新細明體"/>
+              </a:rPr>
+              <a:t>商機</a:t>
+            </a:r>
+          </a:p>
+          <a:p>
+            <a:pPr lvl="1">
+              <a:spcBef>
+                <a:spcPts val="300"/>
+              </a:spcBef>
+              <a:buClr>
+                <a:srgbClr val="9B2D1F"/>
+              </a:buClr>
+              <a:buFont typeface="Arial"/>
+              <a:buChar char="•"/>
+            </a:pPr>
+            <a:r>
+              <a:rPr lang="zh-TW" altLang="en-US">
+                <a:latin typeface="新細明體"/>
+                <a:ea typeface="新細明體"/>
+              </a:rPr>
+              <a:t>個人意外險續保要保書簽收表</a:t>
+            </a:r>
+            <a:endParaRPr lang="zh-TW"/>
+          </a:p>
+          <a:p>
+            <a:pPr lvl="1">
+              <a:spcBef>
+                <a:spcPts val="300"/>
+              </a:spcBef>
+              <a:buClr>
+                <a:srgbClr val="9B2D1F"/>
+              </a:buClr>
+              <a:buFont typeface="Arial"/>
+              <a:buChar char="•"/>
+            </a:pPr>
+            <a:r>
+              <a:rPr lang="zh-TW" altLang="en-US">
+                <a:latin typeface="新細明體"/>
+                <a:ea typeface="新細明體"/>
+              </a:rPr>
+              <a:t> 個人意外險續保明細表</a:t>
+            </a:r>
+          </a:p>
+          <a:p>
+            <a:pPr lvl="1">
+              <a:spcBef>
+                <a:spcPts val="300"/>
+              </a:spcBef>
+              <a:buClr>
+                <a:srgbClr val="9B2D1F"/>
+              </a:buClr>
+              <a:buFont typeface="Arial"/>
+              <a:buChar char="•"/>
+            </a:pPr>
+            <a:r>
+              <a:rPr lang="zh-TW" altLang="en-US" dirty="0">
+                <a:latin typeface="新細明體"/>
+                <a:ea typeface="新細明體"/>
+              </a:rPr>
+              <a:t> 個人意外險不續保明細表</a:t>
+            </a:r>
+            <a:endParaRPr lang="zh-TW" dirty="0">
+              <a:latin typeface="新細明體"/>
+              <a:ea typeface="新細明體"/>
             </a:endParaRPr>
           </a:p>
         </p:txBody>
@@ -7448,7 +8406,7 @@
     </p:spTree>
     <p:extLst>
       <p:ext uri="{BB962C8B-B14F-4D97-AF65-F5344CB8AC3E}">
-        <p14:creationId xmlns:p14="http://schemas.microsoft.com/office/powerpoint/2010/main" val="427595084"/>
+        <p14:creationId xmlns:p14="http://schemas.microsoft.com/office/powerpoint/2010/main" val="1615307579"/>
       </p:ext>
     </p:extLst>
   </p:cSld>
@@ -7477,80 +8435,423 @@
       </p:grpSpPr>
       <p:sp>
         <p:nvSpPr>
-          <p:cNvPr id="2" name="標題 1"/>
+          <p:cNvPr id="3" name="內容版面配置區 2"/>
           <p:cNvSpPr>
             <a:spLocks noGrp="1"/>
           </p:cNvSpPr>
           <p:nvPr>
-            <p:ph type="title"/>
+            <p:ph sz="quarter" idx="1"/>
           </p:nvPr>
         </p:nvSpPr>
-        <p:spPr/>
-        <p:txBody>
-          <a:bodyPr/>
+        <p:spPr>
+          <a:xfrm>
+            <a:off x="914400" y="206375"/>
+            <a:ext cx="7772400" cy="6295897"/>
+          </a:xfrm>
+        </p:spPr>
+        <p:txBody>
+          <a:bodyPr vert="horz" anchor="t">
+            <a:normAutofit lnSpcReduction="10000"/>
+          </a:bodyPr>
           <a:lstStyle/>
           <a:p>
-            <a:r>
-              <a:rPr lang="zh-TW" altLang="en-US" b="1" dirty="0"/>
-              <a:t>非保證續</a:t>
-            </a:r>
-            <a:r>
-              <a:rPr lang="zh-TW" altLang="en-US" b="1" dirty="0" smtClean="0"/>
-              <a:t>保 → 經</a:t>
-            </a:r>
-            <a:r>
-              <a:rPr lang="zh-TW" altLang="en-US" b="1" dirty="0"/>
-              <a:t>本公司同意承保</a:t>
-            </a:r>
-            <a:endParaRPr lang="zh-TW" altLang="en-US" dirty="0"/>
-          </a:p>
-        </p:txBody>
-      </p:sp>
-      <p:pic>
-        <p:nvPicPr>
-          <p:cNvPr id="2050" name="Picture 2" descr="續保4"/>
-          <p:cNvPicPr>
-            <a:picLocks noChangeAspect="1" noChangeArrowheads="1"/>
-          </p:cNvPicPr>
-          <p:nvPr/>
-        </p:nvPicPr>
-        <p:blipFill>
-          <a:blip r:embed="rId2">
-            <a:extLst>
-              <a:ext uri="{28A0092B-C50C-407E-A947-70E740481C1C}">
-                <a14:useLocalDpi xmlns:a14="http://schemas.microsoft.com/office/drawing/2010/main" val="0"/>
-              </a:ext>
-            </a:extLst>
-          </a:blip>
-          <a:srcRect/>
-          <a:stretch>
-            <a:fillRect/>
-          </a:stretch>
-        </p:blipFill>
-        <p:spPr bwMode="auto">
-          <a:xfrm>
-            <a:off x="1405930" y="1508403"/>
-            <a:ext cx="6286500" cy="4232911"/>
-          </a:xfrm>
-          <a:prstGeom prst="rect">
-            <a:avLst/>
-          </a:prstGeom>
-          <a:noFill/>
-          <a:extLst>
-            <a:ext uri="{909E8E84-426E-40DD-AFC4-6F175D3DCCD1}">
-              <a14:hiddenFill xmlns:a14="http://schemas.microsoft.com/office/drawing/2010/main">
-                <a:solidFill>
-                  <a:srgbClr val="FFFFFF"/>
-                </a:solidFill>
-              </a14:hiddenFill>
-            </a:ext>
-          </a:extLst>
-        </p:spPr>
-      </p:pic>
+            <a:pPr lvl="1">
+              <a:spcBef>
+                <a:spcPts val="300"/>
+              </a:spcBef>
+              <a:buClr>
+                <a:srgbClr val="9B2D1F"/>
+              </a:buClr>
+              <a:buFont typeface="Arial"/>
+              <a:buChar char="•"/>
+            </a:pPr>
+            <a:r>
+              <a:rPr lang="zh-TW">
+                <a:latin typeface="新細明體"/>
+                <a:ea typeface="新細明體"/>
+              </a:rPr>
+              <a:t>檢核</a:t>
+            </a:r>
+            <a:r>
+              <a:rPr lang="zh-TW" altLang="en-US">
+                <a:latin typeface="新細明體"/>
+                <a:ea typeface="新細明體"/>
+              </a:rPr>
+              <a:t>   </a:t>
+            </a:r>
+            <a:r>
+              <a:rPr lang="zh-TW" sz="2400">
+                <a:latin typeface="新細明體"/>
+                <a:ea typeface="新細明體"/>
+              </a:rPr>
+              <a:t>保單狀態   DIKPSTJ</a:t>
+            </a:r>
+            <a:endParaRPr lang="zh-TW" sz="2400" dirty="0">
+              <a:latin typeface="新細明體"/>
+              <a:ea typeface="新細明體"/>
+            </a:endParaRPr>
+          </a:p>
+          <a:p>
+            <a:pPr lvl="2">
+              <a:spcBef>
+                <a:spcPts val="300"/>
+              </a:spcBef>
+              <a:buFont typeface="Arial"/>
+              <a:buChar char="•"/>
+            </a:pPr>
+            <a:endParaRPr lang="zh-TW" altLang="en-US" sz="2400" dirty="0">
+              <a:latin typeface="新細明體"/>
+              <a:ea typeface="新細明體"/>
+            </a:endParaRPr>
+          </a:p>
+          <a:p>
+            <a:pPr lvl="2">
+              <a:spcBef>
+                <a:spcPts val="300"/>
+              </a:spcBef>
+              <a:buClr>
+                <a:srgbClr val="E6B1AB"/>
+              </a:buClr>
+              <a:buFont typeface="Arial"/>
+              <a:buChar char="•"/>
+            </a:pPr>
+            <a:r>
+              <a:rPr lang="zh-TW" sz="2400">
+                <a:latin typeface="新細明體"/>
+                <a:ea typeface="新細明體"/>
+              </a:rPr>
+              <a:t>狀態P</a:t>
+            </a:r>
+            <a:endParaRPr lang="zh-TW" altLang="en-US" sz="2400" dirty="0">
+              <a:latin typeface="新細明體"/>
+              <a:ea typeface="新細明體"/>
+            </a:endParaRPr>
+          </a:p>
+          <a:p>
+            <a:pPr lvl="2">
+              <a:spcBef>
+                <a:spcPts val="300"/>
+              </a:spcBef>
+              <a:buFont typeface="Arial"/>
+              <a:buChar char="•"/>
+            </a:pPr>
+            <a:r>
+              <a:rPr lang="zh-TW" sz="2400">
+                <a:latin typeface="新細明體"/>
+                <a:ea typeface="新細明體"/>
+              </a:rPr>
+              <a:t>原</a:t>
+            </a:r>
+            <a:r>
+              <a:rPr lang="zh-TW" altLang="en-US" sz="2400">
+                <a:latin typeface="新細明體"/>
+                <a:ea typeface="新細明體"/>
+              </a:rPr>
+              <a:t>件可續保</a:t>
+            </a:r>
+            <a:endParaRPr lang="zh-TW" sz="2400" dirty="0">
+              <a:latin typeface="新細明體"/>
+              <a:ea typeface="新細明體"/>
+            </a:endParaRPr>
+          </a:p>
+          <a:p>
+            <a:pPr lvl="3">
+              <a:spcBef>
+                <a:spcPts val="300"/>
+              </a:spcBef>
+              <a:buFont typeface="Arial"/>
+              <a:buChar char="•"/>
+            </a:pPr>
+            <a:r>
+              <a:rPr lang="zh-TW" altLang="en-US" sz="2400">
+                <a:latin typeface="新細明體"/>
+                <a:ea typeface="新細明體"/>
+              </a:rPr>
+              <a:t>公司內部檔</a:t>
+            </a:r>
+            <a:r>
+              <a:rPr lang="en-US" altLang="zh-TW" sz="2400" dirty="0">
+                <a:latin typeface="新細明體"/>
+                <a:ea typeface="新細明體"/>
+              </a:rPr>
+              <a:t>,</a:t>
+            </a:r>
+            <a:r>
+              <a:rPr lang="zh-TW" altLang="en-US" sz="2400">
+                <a:latin typeface="新細明體"/>
+                <a:ea typeface="新細明體"/>
+              </a:rPr>
+              <a:t> 理賠</a:t>
+            </a:r>
+            <a:endParaRPr lang="zh-TW" sz="2400" dirty="0">
+              <a:latin typeface="新細明體"/>
+              <a:ea typeface="新細明體"/>
+            </a:endParaRPr>
+          </a:p>
+          <a:p>
+            <a:pPr lvl="3">
+              <a:spcBef>
+                <a:spcPts val="300"/>
+              </a:spcBef>
+              <a:buFont typeface="Arial"/>
+              <a:buChar char="•"/>
+            </a:pPr>
+            <a:r>
+              <a:rPr lang="zh-TW" sz="2400">
+                <a:latin typeface="新細明體"/>
+                <a:ea typeface="新細明體"/>
+              </a:rPr>
+              <a:t>關鍵行為人為保戶</a:t>
+            </a:r>
+            <a:endParaRPr lang="zh-TW" altLang="en-US" sz="2400" dirty="0">
+              <a:latin typeface="新細明體"/>
+              <a:ea typeface="新細明體"/>
+            </a:endParaRPr>
+          </a:p>
+          <a:p>
+            <a:pPr lvl="3">
+              <a:spcBef>
+                <a:spcPts val="300"/>
+              </a:spcBef>
+              <a:buFont typeface="Arial"/>
+              <a:buChar char="•"/>
+            </a:pPr>
+            <a:r>
+              <a:rPr lang="zh-TW" altLang="en-US" sz="2400">
+                <a:latin typeface="新細明體"/>
+                <a:ea typeface="新細明體"/>
+              </a:rPr>
+              <a:t>個意續：殘廢或重大傷病</a:t>
+            </a:r>
+            <a:endParaRPr lang="zh-TW" sz="2400" dirty="0">
+              <a:latin typeface="新細明體"/>
+              <a:ea typeface="新細明體"/>
+            </a:endParaRPr>
+          </a:p>
+          <a:p>
+            <a:pPr lvl="3">
+              <a:spcBef>
+                <a:spcPts val="300"/>
+              </a:spcBef>
+              <a:buFont typeface="Arial"/>
+              <a:buChar char="•"/>
+            </a:pPr>
+            <a:r>
+              <a:rPr lang="zh-TW" altLang="en-US" sz="2400">
+                <a:latin typeface="新細明體"/>
+                <a:ea typeface="新細明體"/>
+              </a:rPr>
+              <a:t>有疾病</a:t>
+            </a:r>
+            <a:r>
+              <a:rPr lang="en-US" altLang="zh-TW" sz="2400" dirty="0" err="1">
+                <a:latin typeface="新細明體"/>
+                <a:ea typeface="新細明體"/>
+              </a:rPr>
+              <a:t>icd</a:t>
+            </a:r>
+            <a:r>
+              <a:rPr lang="zh-TW" altLang="en-US" sz="2400">
+                <a:latin typeface="新細明體"/>
+                <a:ea typeface="新細明體"/>
+              </a:rPr>
+              <a:t>碼</a:t>
+            </a:r>
+            <a:endParaRPr lang="zh-TW" sz="2400" dirty="0">
+              <a:latin typeface="新細明體"/>
+              <a:ea typeface="新細明體"/>
+            </a:endParaRPr>
+          </a:p>
+          <a:p>
+            <a:pPr lvl="3">
+              <a:spcBef>
+                <a:spcPts val="300"/>
+              </a:spcBef>
+              <a:buFont typeface="Arial"/>
+              <a:buChar char="•"/>
+            </a:pPr>
+            <a:r>
+              <a:rPr lang="zh-TW" sz="2400">
+                <a:latin typeface="新細明體"/>
+                <a:ea typeface="新細明體"/>
+              </a:rPr>
+              <a:t>意外事故日期超過3個</a:t>
+            </a:r>
+            <a:endParaRPr lang="zh-TW" altLang="en-US" sz="2400" dirty="0">
+              <a:latin typeface="新細明體"/>
+              <a:ea typeface="新細明體"/>
+            </a:endParaRPr>
+          </a:p>
+          <a:p>
+            <a:pPr lvl="3">
+              <a:spcBef>
+                <a:spcPts val="300"/>
+              </a:spcBef>
+              <a:buFont typeface="Arial"/>
+              <a:buChar char="•"/>
+            </a:pPr>
+            <a:r>
+              <a:rPr lang="zh-TW" sz="2400">
+                <a:latin typeface="新細明體"/>
+                <a:ea typeface="新細明體"/>
+              </a:rPr>
+              <a:t>年齡不</a:t>
+            </a:r>
+            <a:r>
+              <a:rPr lang="zh-TW" altLang="en-US" sz="2400">
+                <a:latin typeface="新細明體"/>
+                <a:ea typeface="新細明體"/>
+              </a:rPr>
+              <a:t>符合</a:t>
+            </a:r>
+            <a:r>
+              <a:rPr lang="zh-TW" sz="2400">
+                <a:latin typeface="新細明體"/>
+                <a:ea typeface="新細明體"/>
+              </a:rPr>
+              <a:t>續保險種</a:t>
+            </a:r>
+            <a:endParaRPr lang="zh-TW" sz="2400" dirty="0">
+              <a:latin typeface="新細明體"/>
+              <a:ea typeface="新細明體"/>
+            </a:endParaRPr>
+          </a:p>
+          <a:p>
+            <a:pPr lvl="3">
+              <a:spcBef>
+                <a:spcPts val="300"/>
+              </a:spcBef>
+              <a:buFont typeface="Arial"/>
+              <a:buChar char="•"/>
+            </a:pPr>
+            <a:r>
+              <a:rPr lang="zh-TW" sz="2400">
+                <a:latin typeface="新細明體"/>
+                <a:ea typeface="新細明體"/>
+              </a:rPr>
+              <a:t>保險年齡</a:t>
+            </a:r>
+            <a:r>
+              <a:rPr lang="en-US" altLang="zh-TW" sz="2400" dirty="0">
+                <a:latin typeface="新細明體"/>
+                <a:ea typeface="新細明體"/>
+              </a:rPr>
+              <a:t>&gt;=</a:t>
+            </a:r>
+            <a:r>
+              <a:rPr lang="zh-TW" sz="2400">
+                <a:latin typeface="新細明體"/>
+                <a:ea typeface="新細明體"/>
+              </a:rPr>
+              <a:t>71歲</a:t>
+            </a:r>
+            <a:endParaRPr lang="zh-TW" sz="2400" dirty="0">
+              <a:latin typeface="新細明體"/>
+              <a:ea typeface="新細明體"/>
+            </a:endParaRPr>
+          </a:p>
+          <a:p>
+            <a:pPr lvl="3">
+              <a:spcBef>
+                <a:spcPts val="300"/>
+              </a:spcBef>
+              <a:buFont typeface="Arial"/>
+              <a:buChar char="•"/>
+            </a:pPr>
+            <a:r>
+              <a:rPr lang="zh-TW" sz="2400">
+                <a:latin typeface="新細明體"/>
+                <a:ea typeface="新細明體"/>
+              </a:rPr>
+              <a:t>傷害醫療超過2單</a:t>
+            </a:r>
+            <a:endParaRPr lang="zh-TW" altLang="en-US" sz="2400" dirty="0">
+              <a:latin typeface="新細明體"/>
+              <a:ea typeface="新細明體"/>
+            </a:endParaRPr>
+          </a:p>
+          <a:p>
+            <a:pPr lvl="3">
+              <a:spcBef>
+                <a:spcPts val="300"/>
+              </a:spcBef>
+              <a:buFont typeface="Arial"/>
+              <a:buChar char="•"/>
+            </a:pPr>
+            <a:r>
+              <a:rPr lang="zh-TW" sz="2400">
+                <a:latin typeface="新細明體"/>
+                <a:ea typeface="新細明體"/>
+              </a:rPr>
+              <a:t>未滿15足歲累額超過200萬,未滿15足歲，累計同業保額超過1200萬</a:t>
+            </a:r>
+            <a:endParaRPr lang="zh-TW" altLang="en-US" sz="2400" dirty="0">
+              <a:latin typeface="新細明體"/>
+              <a:ea typeface="新細明體"/>
+            </a:endParaRPr>
+          </a:p>
+          <a:p>
+            <a:pPr lvl="3">
+              <a:spcBef>
+                <a:spcPts val="300"/>
+              </a:spcBef>
+              <a:buFont typeface="Arial"/>
+              <a:buChar char="•"/>
+            </a:pPr>
+            <a:r>
+              <a:rPr lang="zh-TW" sz="2400">
+                <a:latin typeface="新細明體"/>
+                <a:ea typeface="新細明體"/>
+              </a:rPr>
+              <a:t>被保險人61~75歲…不得超過1200萬</a:t>
+            </a:r>
+            <a:endParaRPr lang="zh-TW" altLang="en-US" sz="2400" dirty="0">
+              <a:latin typeface="新細明體"/>
+              <a:ea typeface="新細明體"/>
+            </a:endParaRPr>
+          </a:p>
+          <a:p>
+            <a:pPr lvl="2">
+              <a:spcBef>
+                <a:spcPts val="300"/>
+              </a:spcBef>
+              <a:buFont typeface="Arial"/>
+              <a:buChar char="•"/>
+            </a:pPr>
+            <a:r>
+              <a:rPr lang="zh-TW" sz="2400">
+                <a:latin typeface="新細明體"/>
+                <a:ea typeface="新細明體"/>
+              </a:rPr>
+              <a:t>續保通知函，不續保通知函</a:t>
+            </a:r>
+            <a:endParaRPr lang="zh-TW" sz="2400" dirty="0">
+              <a:latin typeface="新細明體"/>
+              <a:ea typeface="新細明體"/>
+            </a:endParaRPr>
+          </a:p>
+          <a:p>
+            <a:pPr lvl="1">
+              <a:spcBef>
+                <a:spcPts val="300"/>
+              </a:spcBef>
+              <a:buClr>
+                <a:srgbClr val="9B2D1F"/>
+              </a:buClr>
+              <a:buFont typeface="Arial"/>
+              <a:buChar char="•"/>
+            </a:pPr>
+            <a:endParaRPr lang="zh-TW" altLang="en-US" sz="2400" dirty="0">
+              <a:latin typeface="新細明體"/>
+              <a:ea typeface="新細明體"/>
+            </a:endParaRPr>
+          </a:p>
+        </p:txBody>
+      </p:sp>
     </p:spTree>
     <p:extLst>
       <p:ext uri="{BB962C8B-B14F-4D97-AF65-F5344CB8AC3E}">
-        <p14:creationId xmlns:p14="http://schemas.microsoft.com/office/powerpoint/2010/main" val="1590148524"/>
+        <p14:creationId xmlns:p14="http://schemas.microsoft.com/office/powerpoint/2010/main" val="1439556772"/>
       </p:ext>
     </p:extLst>
   </p:cSld>
@@ -7579,80 +8880,539 @@
       </p:grpSpPr>
       <p:sp>
         <p:nvSpPr>
-          <p:cNvPr id="2" name="標題 1"/>
+          <p:cNvPr id="3" name="內容版面配置區 2"/>
           <p:cNvSpPr>
             <a:spLocks noGrp="1"/>
           </p:cNvSpPr>
           <p:nvPr>
-            <p:ph type="title"/>
+            <p:ph sz="quarter" idx="1"/>
           </p:nvPr>
         </p:nvSpPr>
-        <p:spPr/>
-        <p:txBody>
-          <a:bodyPr/>
+        <p:spPr>
+          <a:xfrm>
+            <a:off x="914400" y="206375"/>
+            <a:ext cx="7772400" cy="6123585"/>
+          </a:xfrm>
+        </p:spPr>
+        <p:txBody>
+          <a:bodyPr vert="horz" anchor="t">
+            <a:normAutofit/>
+          </a:bodyPr>
           <a:lstStyle/>
           <a:p>
-            <a:r>
-              <a:rPr lang="zh-TW" altLang="en-US" b="1" dirty="0"/>
-              <a:t>非保證續</a:t>
-            </a:r>
-            <a:r>
-              <a:rPr lang="zh-TW" altLang="en-US" b="1" dirty="0" smtClean="0"/>
-              <a:t>保 → 雙方</a:t>
-            </a:r>
-            <a:r>
-              <a:rPr lang="zh-TW" altLang="en-US" b="1" dirty="0"/>
-              <a:t>無反對意思</a:t>
-            </a:r>
-            <a:endParaRPr lang="zh-TW" altLang="en-US" dirty="0"/>
-          </a:p>
-        </p:txBody>
-      </p:sp>
-      <p:pic>
-        <p:nvPicPr>
-          <p:cNvPr id="3076" name="Picture 4" descr="續保5"/>
-          <p:cNvPicPr>
-            <a:picLocks noChangeAspect="1" noChangeArrowheads="1"/>
-          </p:cNvPicPr>
-          <p:nvPr/>
-        </p:nvPicPr>
-        <p:blipFill>
-          <a:blip r:embed="rId2">
-            <a:extLst>
-              <a:ext uri="{28A0092B-C50C-407E-A947-70E740481C1C}">
-                <a14:useLocalDpi xmlns:a14="http://schemas.microsoft.com/office/drawing/2010/main" val="0"/>
-              </a:ext>
-            </a:extLst>
-          </a:blip>
-          <a:srcRect/>
-          <a:stretch>
-            <a:fillRect/>
-          </a:stretch>
-        </p:blipFill>
-        <p:spPr bwMode="auto">
-          <a:xfrm>
-            <a:off x="1243346" y="1642093"/>
-            <a:ext cx="6641022" cy="4451203"/>
-          </a:xfrm>
-          <a:prstGeom prst="rect">
-            <a:avLst/>
-          </a:prstGeom>
-          <a:noFill/>
-          <a:extLst>
-            <a:ext uri="{909E8E84-426E-40DD-AFC4-6F175D3DCCD1}">
-              <a14:hiddenFill xmlns:a14="http://schemas.microsoft.com/office/drawing/2010/main">
-                <a:solidFill>
-                  <a:srgbClr val="FFFFFF"/>
-                </a:solidFill>
-              </a14:hiddenFill>
-            </a:ext>
-          </a:extLst>
-        </p:spPr>
-      </p:pic>
+            <a:pPr lvl="1">
+              <a:spcBef>
+                <a:spcPts val="300"/>
+              </a:spcBef>
+              <a:buClr>
+                <a:srgbClr val="9B2D1F"/>
+              </a:buClr>
+              <a:buFont typeface="Arial"/>
+              <a:buChar char="•"/>
+            </a:pPr>
+            <a:r>
+              <a:rPr lang="zh-TW">
+                <a:latin typeface="新細明體"/>
+                <a:ea typeface="新細明體"/>
+              </a:rPr>
+              <a:t>檢核</a:t>
+            </a:r>
+            <a:endParaRPr lang="zh-TW" dirty="0">
+              <a:latin typeface="新細明體"/>
+              <a:ea typeface="新細明體"/>
+            </a:endParaRPr>
+          </a:p>
+          <a:p>
+            <a:pPr lvl="2">
+              <a:spcBef>
+                <a:spcPts val="300"/>
+              </a:spcBef>
+              <a:buFont typeface="Arial"/>
+              <a:buChar char="•"/>
+            </a:pPr>
+            <a:r>
+              <a:rPr lang="zh-TW" sz="2400">
+                <a:latin typeface="新細明體"/>
+                <a:ea typeface="新細明體"/>
+              </a:rPr>
+              <a:t>狀態P</a:t>
+            </a:r>
+            <a:endParaRPr lang="zh-TW" sz="2400" dirty="0">
+              <a:latin typeface="新細明體"/>
+              <a:ea typeface="新細明體"/>
+            </a:endParaRPr>
+          </a:p>
+          <a:p>
+            <a:pPr lvl="2">
+              <a:spcBef>
+                <a:spcPts val="300"/>
+              </a:spcBef>
+              <a:buFont typeface="Arial"/>
+              <a:buChar char="•"/>
+            </a:pPr>
+            <a:r>
+              <a:rPr lang="zh-TW" sz="2400">
+                <a:latin typeface="新細明體"/>
+                <a:ea typeface="新細明體"/>
+              </a:rPr>
+              <a:t>原件非</a:t>
+            </a:r>
+            <a:r>
+              <a:rPr lang="zh-TW" altLang="en-US" sz="2400">
+                <a:latin typeface="新細明體"/>
+                <a:ea typeface="新細明體"/>
+              </a:rPr>
+              <a:t>自動</a:t>
+            </a:r>
+            <a:r>
+              <a:rPr lang="zh-TW" sz="2400">
+                <a:latin typeface="新細明體"/>
+                <a:ea typeface="新細明體"/>
+              </a:rPr>
+              <a:t>續保</a:t>
+            </a:r>
+            <a:endParaRPr lang="zh-TW" altLang="en-US" sz="2400" dirty="0">
+              <a:latin typeface="新細明體"/>
+              <a:ea typeface="新細明體"/>
+            </a:endParaRPr>
+          </a:p>
+          <a:p>
+            <a:pPr lvl="3">
+              <a:spcBef>
+                <a:spcPts val="300"/>
+              </a:spcBef>
+              <a:buFont typeface="Arial"/>
+              <a:buChar char="•"/>
+            </a:pPr>
+            <a:r>
+              <a:rPr lang="zh-TW" sz="2400">
+                <a:latin typeface="新細明體"/>
+                <a:ea typeface="新細明體"/>
+              </a:rPr>
+              <a:t>個意險續保套印檔案下載排除集體微型</a:t>
+            </a:r>
+            <a:r>
+              <a:rPr lang="zh-TW" altLang="en-US" sz="2400">
+                <a:latin typeface="新細明體"/>
+                <a:ea typeface="新細明體"/>
+              </a:rPr>
+              <a:t>商品</a:t>
+            </a:r>
+            <a:r>
+              <a:rPr lang="en-US" altLang="zh-TW" sz="2400" dirty="0">
+                <a:latin typeface="新細明體"/>
+                <a:ea typeface="新細明體"/>
+              </a:rPr>
+              <a:t>Y8A01</a:t>
+            </a:r>
+            <a:endParaRPr lang="zh-TW" altLang="en-US" sz="2400" dirty="0">
+              <a:latin typeface="新細明體"/>
+              <a:ea typeface="新細明體"/>
+            </a:endParaRPr>
+          </a:p>
+          <a:p>
+            <a:pPr lvl="3">
+              <a:spcBef>
+                <a:spcPts val="300"/>
+              </a:spcBef>
+              <a:buFont typeface="Arial"/>
+              <a:buChar char="•"/>
+            </a:pPr>
+            <a:r>
+              <a:rPr lang="zh-TW" altLang="en-US" sz="2400">
+                <a:latin typeface="新細明體"/>
+                <a:ea typeface="新細明體"/>
+              </a:rPr>
+              <a:t>未投保滿</a:t>
+            </a:r>
+            <a:r>
+              <a:rPr lang="en-US" altLang="zh-TW" sz="2400" dirty="0">
+                <a:latin typeface="新細明體"/>
+                <a:ea typeface="新細明體"/>
+              </a:rPr>
+              <a:t>1</a:t>
+            </a:r>
+            <a:r>
+              <a:rPr lang="zh-TW" altLang="en-US" sz="2400">
+                <a:latin typeface="新細明體"/>
+                <a:ea typeface="新細明體"/>
+              </a:rPr>
+              <a:t>年</a:t>
+            </a:r>
+            <a:r>
+              <a:rPr lang="en-US" altLang="zh-TW" sz="2400" dirty="0">
+                <a:latin typeface="新細明體"/>
+                <a:ea typeface="新細明體"/>
+              </a:rPr>
+              <a:t>,</a:t>
+            </a:r>
+            <a:r>
+              <a:rPr lang="zh-TW" altLang="en-US" sz="2400">
+                <a:latin typeface="新細明體"/>
+                <a:ea typeface="新細明體"/>
+              </a:rPr>
+              <a:t>不作續保</a:t>
+            </a:r>
+            <a:endParaRPr lang="zh-TW" sz="2400" dirty="0">
+              <a:latin typeface="新細明體"/>
+              <a:ea typeface="新細明體"/>
+            </a:endParaRPr>
+          </a:p>
+          <a:p>
+            <a:pPr lvl="3">
+              <a:spcBef>
+                <a:spcPts val="300"/>
+              </a:spcBef>
+              <a:buClr>
+                <a:srgbClr val="A28E6A"/>
+              </a:buClr>
+              <a:buFont typeface="Arial"/>
+              <a:buChar char="•"/>
+            </a:pPr>
+            <a:r>
+              <a:rPr lang="zh-TW" sz="2400">
+                <a:latin typeface="新細明體"/>
+                <a:ea typeface="新細明體"/>
+              </a:rPr>
+              <a:t>逾齡</a:t>
+            </a:r>
+            <a:endParaRPr lang="zh-TW" sz="2400" dirty="0">
+              <a:latin typeface="新細明體"/>
+              <a:ea typeface="新細明體"/>
+            </a:endParaRPr>
+          </a:p>
+          <a:p>
+            <a:pPr lvl="3">
+              <a:spcBef>
+                <a:spcPts val="300"/>
+              </a:spcBef>
+              <a:buClr>
+                <a:srgbClr val="A28E6A"/>
+              </a:buClr>
+              <a:buFont typeface="Arial"/>
+              <a:buChar char="•"/>
+            </a:pPr>
+            <a:r>
+              <a:rPr lang="zh-TW" sz="2400">
+                <a:latin typeface="新細明體"/>
+                <a:ea typeface="新細明體"/>
+              </a:rPr>
+              <a:t>公司內部檔</a:t>
+            </a:r>
+            <a:r>
+              <a:rPr lang="en-US" altLang="zh-TW" sz="2400" dirty="0">
+                <a:latin typeface="新細明體"/>
+                <a:ea typeface="新細明體"/>
+              </a:rPr>
+              <a:t>,</a:t>
+            </a:r>
+            <a:r>
+              <a:rPr lang="zh-TW" sz="2400">
+                <a:latin typeface="新細明體"/>
+                <a:ea typeface="新細明體"/>
+              </a:rPr>
+              <a:t> 理賠</a:t>
+            </a:r>
+            <a:endParaRPr lang="zh-TW" sz="2400" dirty="0">
+              <a:latin typeface="新細明體"/>
+              <a:ea typeface="新細明體"/>
+            </a:endParaRPr>
+          </a:p>
+          <a:p>
+            <a:pPr lvl="3">
+              <a:spcBef>
+                <a:spcPts val="300"/>
+              </a:spcBef>
+              <a:buClr>
+                <a:srgbClr val="A28E6A"/>
+              </a:buClr>
+              <a:buFont typeface="Arial"/>
+              <a:buChar char="•"/>
+            </a:pPr>
+            <a:r>
+              <a:rPr lang="zh-TW" sz="2400">
+                <a:latin typeface="新細明體"/>
+                <a:ea typeface="新細明體"/>
+              </a:rPr>
+              <a:t>個意續：殘廢或重大傷病</a:t>
+            </a:r>
+            <a:endParaRPr lang="zh-TW" sz="2400" dirty="0">
+              <a:latin typeface="新細明體"/>
+              <a:ea typeface="新細明體"/>
+            </a:endParaRPr>
+          </a:p>
+          <a:p>
+            <a:pPr lvl="3">
+              <a:spcBef>
+                <a:spcPts val="300"/>
+              </a:spcBef>
+              <a:buClr>
+                <a:srgbClr val="A28E6A"/>
+              </a:buClr>
+              <a:buFont typeface="Arial"/>
+              <a:buChar char="•"/>
+            </a:pPr>
+            <a:r>
+              <a:rPr lang="zh-TW" altLang="en-US" sz="2400">
+                <a:latin typeface="新細明體"/>
+                <a:ea typeface="新細明體"/>
+              </a:rPr>
+              <a:t>被保險人</a:t>
+            </a:r>
+            <a:r>
+              <a:rPr lang="en-US" altLang="zh-TW" sz="2400" dirty="0">
+                <a:latin typeface="新細明體"/>
+                <a:ea typeface="新細明體"/>
+              </a:rPr>
+              <a:t>61~75</a:t>
+            </a:r>
+            <a:r>
+              <a:rPr lang="zh-TW" altLang="en-US" sz="2400">
+                <a:latin typeface="新細明體"/>
+                <a:ea typeface="新細明體"/>
+              </a:rPr>
+              <a:t>歲</a:t>
+            </a:r>
+            <a:r>
+              <a:rPr lang="en-US" altLang="zh-TW" sz="2400" dirty="0">
+                <a:latin typeface="新細明體"/>
+                <a:ea typeface="新細明體"/>
+              </a:rPr>
+              <a:t>…</a:t>
+            </a:r>
+            <a:r>
+              <a:rPr lang="zh-TW" altLang="en-US" sz="2400">
+                <a:latin typeface="新細明體"/>
+                <a:ea typeface="新細明體"/>
+              </a:rPr>
+              <a:t>不得超過</a:t>
+            </a:r>
+            <a:r>
+              <a:rPr lang="en-US" altLang="zh-TW" sz="2400" dirty="0">
+                <a:latin typeface="新細明體"/>
+                <a:ea typeface="新細明體"/>
+              </a:rPr>
+              <a:t>1200</a:t>
+            </a:r>
+            <a:r>
+              <a:rPr lang="zh-TW" altLang="en-US" sz="2400">
+                <a:latin typeface="新細明體"/>
+                <a:ea typeface="新細明體"/>
+              </a:rPr>
+              <a:t>萬</a:t>
+            </a:r>
+            <a:endParaRPr lang="zh-TW" sz="2400" dirty="0">
+              <a:latin typeface="新細明體"/>
+              <a:ea typeface="新細明體"/>
+            </a:endParaRPr>
+          </a:p>
+          <a:p>
+            <a:pPr lvl="2">
+              <a:buNone/>
+            </a:pPr>
+            <a:r>
+              <a:rPr lang="zh-TW" altLang="en-US" sz="2400">
+                <a:latin typeface="新細明體"/>
+                <a:ea typeface="新細明體"/>
+              </a:rPr>
+              <a:t>續保通知函</a:t>
+            </a:r>
+            <a:endParaRPr lang="zh-TW" altLang="en-US" sz="2400" dirty="0">
+              <a:latin typeface="新細明體"/>
+              <a:ea typeface="新細明體"/>
+            </a:endParaRPr>
+          </a:p>
+          <a:p>
+            <a:pPr lvl="2">
+              <a:spcBef>
+                <a:spcPts val="300"/>
+              </a:spcBef>
+              <a:buClr>
+                <a:srgbClr val="E6B1AB"/>
+              </a:buClr>
+              <a:buFont typeface="Arial"/>
+              <a:buChar char="•"/>
+            </a:pPr>
+            <a:endParaRPr lang="zh-TW" altLang="en-US" sz="2400" dirty="0">
+              <a:latin typeface="新細明體"/>
+              <a:ea typeface="新細明體"/>
+            </a:endParaRPr>
+          </a:p>
+          <a:p>
+            <a:pPr lvl="2">
+              <a:spcBef>
+                <a:spcPts val="300"/>
+              </a:spcBef>
+              <a:buFont typeface="Arial"/>
+              <a:buChar char="•"/>
+            </a:pPr>
+            <a:r>
+              <a:rPr lang="zh-TW" sz="2400">
+                <a:latin typeface="新細明體"/>
+                <a:ea typeface="新細明體"/>
+              </a:rPr>
+              <a:t>狀態</a:t>
+            </a:r>
+            <a:r>
+              <a:rPr lang="zh-TW" altLang="en-US" sz="2400">
+                <a:latin typeface="新細明體"/>
+                <a:ea typeface="新細明體"/>
+              </a:rPr>
+              <a:t>非</a:t>
+            </a:r>
+            <a:r>
+              <a:rPr lang="zh-TW" sz="2400">
+                <a:latin typeface="新細明體"/>
+                <a:ea typeface="新細明體"/>
+              </a:rPr>
+              <a:t>P</a:t>
+            </a:r>
+            <a:endParaRPr lang="zh-TW" sz="2400" dirty="0">
+              <a:latin typeface="新細明體"/>
+              <a:ea typeface="新細明體"/>
+            </a:endParaRPr>
+          </a:p>
+          <a:p>
+            <a:pPr lvl="3">
+              <a:spcBef>
+                <a:spcPts val="300"/>
+              </a:spcBef>
+              <a:buClr>
+                <a:srgbClr val="A28E6A"/>
+              </a:buClr>
+              <a:buFont typeface="Arial"/>
+              <a:buChar char="•"/>
+            </a:pPr>
+            <a:r>
+              <a:rPr lang="zh-TW" sz="2400">
+                <a:latin typeface="新細明體"/>
+                <a:ea typeface="新細明體"/>
+              </a:rPr>
+              <a:t>不續保通知函</a:t>
+            </a:r>
+            <a:endParaRPr lang="zh-TW" altLang="en-US" sz="2400" dirty="0">
+              <a:latin typeface="新細明體"/>
+              <a:ea typeface="新細明體"/>
+            </a:endParaRPr>
+          </a:p>
+          <a:p>
+            <a:pPr lvl="3">
+              <a:spcBef>
+                <a:spcPts val="300"/>
+              </a:spcBef>
+              <a:buClr>
+                <a:srgbClr val="A28E6A"/>
+              </a:buClr>
+              <a:buFont typeface="Arial"/>
+              <a:buChar char="•"/>
+            </a:pPr>
+            <a:endParaRPr lang="zh-TW" sz="2400" dirty="0">
+              <a:latin typeface="新細明體"/>
+              <a:ea typeface="新細明體"/>
+            </a:endParaRPr>
+          </a:p>
+          <a:p>
+            <a:pPr lvl="3">
+              <a:spcBef>
+                <a:spcPts val="300"/>
+              </a:spcBef>
+              <a:buClr>
+                <a:srgbClr val="A28E6A"/>
+              </a:buClr>
+              <a:buFont typeface="Arial"/>
+              <a:buChar char="•"/>
+            </a:pPr>
+            <a:endParaRPr lang="zh-TW" sz="2400" dirty="0">
+              <a:latin typeface="新細明體"/>
+              <a:ea typeface="新細明體"/>
+            </a:endParaRPr>
+          </a:p>
+          <a:p>
+            <a:pPr lvl="1">
+              <a:spcBef>
+                <a:spcPts val="300"/>
+              </a:spcBef>
+              <a:buClr>
+                <a:srgbClr val="9B2D1F"/>
+              </a:buClr>
+              <a:buFont typeface="Arial"/>
+              <a:buChar char="•"/>
+            </a:pPr>
+            <a:endParaRPr lang="zh-TW" dirty="0">
+              <a:latin typeface="新細明體"/>
+              <a:ea typeface="新細明體"/>
+            </a:endParaRPr>
+          </a:p>
+          <a:p>
+            <a:pPr lvl="1">
+              <a:spcBef>
+                <a:spcPts val="300"/>
+              </a:spcBef>
+              <a:buClr>
+                <a:srgbClr val="9B2D1F"/>
+              </a:buClr>
+              <a:buFont typeface="Arial"/>
+              <a:buChar char="•"/>
+            </a:pPr>
+            <a:endParaRPr lang="zh-TW" altLang="en-US" dirty="0">
+              <a:latin typeface="新細明體"/>
+              <a:ea typeface="新細明體"/>
+            </a:endParaRPr>
+          </a:p>
+          <a:p>
+            <a:pPr lvl="2">
+              <a:spcBef>
+                <a:spcPts val="300"/>
+              </a:spcBef>
+              <a:buClr>
+                <a:srgbClr val="E6B1AB"/>
+              </a:buClr>
+              <a:buFont typeface="Arial"/>
+              <a:buChar char="•"/>
+            </a:pPr>
+            <a:endParaRPr lang="zh-TW" altLang="en-US" sz="2400" dirty="0">
+              <a:latin typeface="新細明體"/>
+              <a:ea typeface="新細明體"/>
+            </a:endParaRPr>
+          </a:p>
+          <a:p>
+            <a:pPr lvl="2">
+              <a:spcBef>
+                <a:spcPts val="300"/>
+              </a:spcBef>
+              <a:buClr>
+                <a:srgbClr val="E6B1AB"/>
+              </a:buClr>
+              <a:buFont typeface="Arial"/>
+              <a:buChar char="•"/>
+            </a:pPr>
+            <a:endParaRPr lang="zh-TW" sz="2400" dirty="0">
+              <a:latin typeface="新細明體"/>
+              <a:ea typeface="新細明體"/>
+            </a:endParaRPr>
+          </a:p>
+          <a:p>
+            <a:pPr lvl="1">
+              <a:spcBef>
+                <a:spcPts val="300"/>
+              </a:spcBef>
+              <a:buClr>
+                <a:srgbClr val="9B2D1F"/>
+              </a:buClr>
+              <a:buFont typeface="Arial"/>
+              <a:buChar char="•"/>
+            </a:pPr>
+            <a:endParaRPr lang="zh-TW" altLang="en-US" dirty="0">
+              <a:latin typeface="新細明體"/>
+              <a:ea typeface="新細明體"/>
+            </a:endParaRPr>
+          </a:p>
+        </p:txBody>
+      </p:sp>
     </p:spTree>
     <p:extLst>
       <p:ext uri="{BB962C8B-B14F-4D97-AF65-F5344CB8AC3E}">
-        <p14:creationId xmlns:p14="http://schemas.microsoft.com/office/powerpoint/2010/main" val="2768345361"/>
+        <p14:creationId xmlns:p14="http://schemas.microsoft.com/office/powerpoint/2010/main" val="1659019524"/>
       </p:ext>
     </p:extLst>
   </p:cSld>
@@ -7691,70 +9451,371 @@
         </p:nvSpPr>
         <p:spPr/>
         <p:txBody>
-          <a:bodyPr/>
+          <a:bodyPr>
+            <a:normAutofit/>
+          </a:bodyPr>
           <a:lstStyle/>
           <a:p>
             <a:r>
-              <a:rPr lang="zh-TW" altLang="en-US" b="1" dirty="0"/>
-              <a:t>非保證續</a:t>
-            </a:r>
-            <a:r>
-              <a:rPr lang="zh-TW" altLang="en-US" b="1" dirty="0" smtClean="0"/>
-              <a:t>保 → 自動</a:t>
-            </a:r>
-            <a:r>
-              <a:rPr lang="zh-TW" altLang="en-US" b="1" dirty="0"/>
-              <a:t>續保</a:t>
-            </a:r>
-            <a:endParaRPr lang="zh-TW" altLang="en-US" dirty="0"/>
-          </a:p>
-        </p:txBody>
-      </p:sp>
-      <p:pic>
-        <p:nvPicPr>
-          <p:cNvPr id="4098" name="Picture 2" descr="續保6"/>
-          <p:cNvPicPr>
-            <a:picLocks noChangeAspect="1" noChangeArrowheads="1"/>
-          </p:cNvPicPr>
-          <p:nvPr/>
-        </p:nvPicPr>
-        <p:blipFill>
-          <a:blip r:embed="rId2">
-            <a:extLst>
-              <a:ext uri="{28A0092B-C50C-407E-A947-70E740481C1C}">
-                <a14:useLocalDpi xmlns:a14="http://schemas.microsoft.com/office/drawing/2010/main" val="0"/>
-              </a:ext>
-            </a:extLst>
-          </a:blip>
-          <a:srcRect/>
-          <a:stretch>
-            <a:fillRect/>
-          </a:stretch>
-        </p:blipFill>
-        <p:spPr bwMode="auto">
+              <a:rPr lang="en-US" altLang="zh-TW" b="1" dirty="0"/>
+              <a:t>五.</a:t>
+            </a:r>
+            <a:r>
+              <a:rPr lang="zh-TW" b="1">
+                <a:latin typeface="微軟正黑體"/>
+                <a:ea typeface="微軟正黑體"/>
+              </a:rPr>
+              <a:t>意外險網路投保續保資料下傳 </a:t>
+            </a:r>
+            <a:endParaRPr lang="en-US" altLang="zh-TW">
+              <a:latin typeface="微軟正黑體"/>
+              <a:ea typeface="微軟正黑體"/>
+            </a:endParaRPr>
+          </a:p>
+        </p:txBody>
+      </p:sp>
+      <p:sp>
+        <p:nvSpPr>
+          <p:cNvPr id="3" name="內容版面配置區 2"/>
+          <p:cNvSpPr>
+            <a:spLocks noGrp="1"/>
+          </p:cNvSpPr>
+          <p:nvPr>
+            <p:ph sz="quarter" idx="1"/>
+          </p:nvPr>
+        </p:nvSpPr>
+        <p:spPr>
           <a:xfrm>
-            <a:off x="969218" y="1424771"/>
-            <a:ext cx="6915150" cy="4840606"/>
+            <a:off x="914400" y="1447800"/>
+            <a:ext cx="7772400" cy="5020010"/>
           </a:xfrm>
-          <a:prstGeom prst="rect">
-            <a:avLst/>
-          </a:prstGeom>
-          <a:noFill/>
-          <a:extLst>
-            <a:ext uri="{909E8E84-426E-40DD-AFC4-6F175D3DCCD1}">
-              <a14:hiddenFill xmlns:a14="http://schemas.microsoft.com/office/drawing/2010/main">
-                <a:solidFill>
-                  <a:srgbClr val="FFFFFF"/>
-                </a:solidFill>
-              </a14:hiddenFill>
-            </a:ext>
-          </a:extLst>
         </p:spPr>
-      </p:pic>
+        <p:txBody>
+          <a:bodyPr vert="horz" anchor="t">
+            <a:normAutofit/>
+          </a:bodyPr>
+          <a:lstStyle/>
+          <a:p>
+            <a:pPr lvl="1">
+              <a:buClr>
+                <a:srgbClr val="9B2D1F"/>
+              </a:buClr>
+              <a:buFont typeface="Arial"/>
+              <a:buChar char="•"/>
+            </a:pPr>
+            <a:r>
+              <a:rPr lang="zh-TW" altLang="en-US">
+                <a:latin typeface="新細明體"/>
+                <a:ea typeface="新細明體"/>
+              </a:rPr>
+              <a:t>定期壽險、健康險、意外險</a:t>
+            </a:r>
+          </a:p>
+          <a:p>
+            <a:pPr lvl="1">
+              <a:spcBef>
+                <a:spcPts val="300"/>
+              </a:spcBef>
+              <a:buClr>
+                <a:srgbClr val="9B2D1F"/>
+              </a:buClr>
+              <a:buFont typeface="Arial"/>
+              <a:buChar char="•"/>
+            </a:pPr>
+            <a:r>
+              <a:rPr lang="zh-TW" altLang="en-US">
+                <a:latin typeface="新細明體"/>
+                <a:ea typeface="新細明體"/>
+              </a:rPr>
+              <a:t>產出資料發信</a:t>
+            </a:r>
+            <a:endParaRPr lang="zh-TW" altLang="en-US" dirty="0">
+              <a:latin typeface="新細明體"/>
+              <a:ea typeface="新細明體"/>
+            </a:endParaRPr>
+          </a:p>
+          <a:p>
+            <a:pPr lvl="1">
+              <a:spcBef>
+                <a:spcPts val="300"/>
+              </a:spcBef>
+              <a:buClr>
+                <a:srgbClr val="9B2D1F"/>
+              </a:buClr>
+              <a:buFont typeface="Arial"/>
+              <a:buChar char="•"/>
+            </a:pPr>
+            <a:r>
+              <a:rPr lang="zh-TW">
+                <a:latin typeface="新細明體"/>
+                <a:ea typeface="新細明體"/>
+              </a:rPr>
+              <a:t>定壽 </a:t>
+            </a:r>
+            <a:endParaRPr lang="zh-TW" altLang="en-US" dirty="0">
+              <a:latin typeface="新細明體"/>
+              <a:ea typeface="新細明體"/>
+            </a:endParaRPr>
+          </a:p>
+          <a:p>
+            <a:pPr lvl="2">
+              <a:spcBef>
+                <a:spcPts val="300"/>
+              </a:spcBef>
+              <a:buFont typeface="Arial"/>
+              <a:buChar char="•"/>
+            </a:pPr>
+            <a:r>
+              <a:rPr lang="zh-TW" sz="2400">
+                <a:latin typeface="新細明體"/>
+                <a:ea typeface="新細明體"/>
+              </a:rPr>
+              <a:t>期滿日</a:t>
+            </a:r>
+            <a:endParaRPr lang="zh-TW" altLang="en-US" sz="2400">
+              <a:latin typeface="新細明體"/>
+              <a:ea typeface="新細明體"/>
+            </a:endParaRPr>
+          </a:p>
+          <a:p>
+            <a:pPr lvl="2">
+              <a:spcBef>
+                <a:spcPts val="300"/>
+              </a:spcBef>
+              <a:buClr>
+                <a:srgbClr val="E6B1AB"/>
+              </a:buClr>
+              <a:buFont typeface="Arial"/>
+              <a:buChar char="•"/>
+            </a:pPr>
+            <a:r>
+              <a:rPr lang="zh-TW" sz="2400">
+                <a:latin typeface="新細明體"/>
+                <a:ea typeface="新細明體"/>
+              </a:rPr>
+              <a:t>-30天, -7天, -3天(續保通知函/不續保通知函)</a:t>
+            </a:r>
+            <a:endParaRPr lang="zh-TW" altLang="en-US" sz="2400">
+              <a:latin typeface="新細明體"/>
+              <a:ea typeface="新細明體"/>
+            </a:endParaRPr>
+          </a:p>
+          <a:p>
+            <a:pPr lvl="2">
+              <a:spcBef>
+                <a:spcPts val="300"/>
+              </a:spcBef>
+              <a:buClr>
+                <a:srgbClr val="E6B1AB"/>
+              </a:buClr>
+              <a:buFont typeface="Arial"/>
+              <a:buChar char="•"/>
+            </a:pPr>
+            <a:r>
+              <a:rPr lang="zh-TW" sz="2400">
+                <a:latin typeface="新細明體"/>
+                <a:ea typeface="新細明體"/>
+              </a:rPr>
+              <a:t>+31天(保險契約終止通知函)</a:t>
+            </a:r>
+            <a:endParaRPr lang="zh-TW" altLang="en-US" sz="2400">
+              <a:latin typeface="新細明體"/>
+              <a:ea typeface="新細明體"/>
+            </a:endParaRPr>
+          </a:p>
+          <a:p>
+            <a:pPr lvl="1">
+              <a:spcBef>
+                <a:spcPts val="300"/>
+              </a:spcBef>
+              <a:buFont typeface="Arial"/>
+              <a:buChar char="•"/>
+            </a:pPr>
+            <a:r>
+              <a:rPr lang="zh-TW" altLang="en-US">
+                <a:latin typeface="新細明體"/>
+                <a:ea typeface="新細明體"/>
+              </a:rPr>
+              <a:t>健康險、意外險</a:t>
+            </a:r>
+          </a:p>
+          <a:p>
+            <a:pPr lvl="2">
+              <a:spcBef>
+                <a:spcPts val="300"/>
+              </a:spcBef>
+              <a:buFont typeface="Arial"/>
+              <a:buChar char="•"/>
+            </a:pPr>
+            <a:r>
+              <a:rPr lang="zh-TW" sz="2400">
+                <a:latin typeface="新細明體"/>
+                <a:ea typeface="新細明體"/>
+              </a:rPr>
+              <a:t>期滿日</a:t>
+            </a:r>
+            <a:endParaRPr lang="zh-TW" altLang="en-US" sz="2400">
+              <a:latin typeface="新細明體"/>
+              <a:ea typeface="新細明體"/>
+            </a:endParaRPr>
+          </a:p>
+          <a:p>
+            <a:pPr lvl="2">
+              <a:spcBef>
+                <a:spcPts val="300"/>
+              </a:spcBef>
+              <a:buClr>
+                <a:srgbClr val="E6B1AB"/>
+              </a:buClr>
+              <a:buFont typeface="Arial"/>
+              <a:buChar char="•"/>
+            </a:pPr>
+            <a:r>
+              <a:rPr lang="en-US" altLang="zh-TW" sz="2400" dirty="0">
+                <a:latin typeface="新細明體"/>
+                <a:ea typeface="新細明體"/>
+              </a:rPr>
+              <a:t>-30</a:t>
+            </a:r>
+            <a:r>
+              <a:rPr lang="zh-TW" altLang="en-US" sz="2400">
+                <a:latin typeface="新細明體"/>
+                <a:ea typeface="新細明體"/>
+              </a:rPr>
+              <a:t>天</a:t>
+            </a:r>
+            <a:r>
+              <a:rPr lang="en-US" altLang="zh-TW" sz="2400" dirty="0">
+                <a:latin typeface="新細明體"/>
+                <a:ea typeface="新細明體"/>
+              </a:rPr>
+              <a:t>,</a:t>
+            </a:r>
+            <a:r>
+              <a:rPr lang="zh-TW" altLang="en-US" sz="2400" dirty="0">
+                <a:latin typeface="新細明體"/>
+                <a:ea typeface="新細明體"/>
+              </a:rPr>
+              <a:t> </a:t>
+            </a:r>
+            <a:r>
+              <a:rPr lang="en-US" altLang="zh-TW" sz="2400" dirty="0">
+                <a:latin typeface="新細明體"/>
+                <a:ea typeface="新細明體"/>
+              </a:rPr>
+              <a:t>-7</a:t>
+            </a:r>
+            <a:r>
+              <a:rPr lang="zh-TW" altLang="en-US" sz="2400">
+                <a:latin typeface="新細明體"/>
+                <a:ea typeface="新細明體"/>
+              </a:rPr>
+              <a:t>天</a:t>
+            </a:r>
+            <a:r>
+              <a:rPr lang="en-US" altLang="zh-TW" sz="2400" dirty="0">
+                <a:latin typeface="新細明體"/>
+                <a:ea typeface="新細明體"/>
+              </a:rPr>
+              <a:t>,</a:t>
+            </a:r>
+            <a:r>
+              <a:rPr lang="zh-TW" altLang="en-US" sz="2400" dirty="0">
+                <a:latin typeface="新細明體"/>
+                <a:ea typeface="新細明體"/>
+              </a:rPr>
+              <a:t> </a:t>
+            </a:r>
+            <a:r>
+              <a:rPr lang="en-US" altLang="zh-TW" sz="2400" dirty="0">
+                <a:latin typeface="新細明體"/>
+                <a:ea typeface="新細明體"/>
+              </a:rPr>
+              <a:t>-3</a:t>
+            </a:r>
+            <a:r>
+              <a:rPr lang="zh-TW" altLang="en-US" sz="2400">
+                <a:latin typeface="新細明體"/>
+                <a:ea typeface="新細明體"/>
+              </a:rPr>
+              <a:t>天</a:t>
+            </a:r>
+            <a:r>
+              <a:rPr lang="en-US" altLang="zh-TW" sz="2400" dirty="0">
+                <a:latin typeface="新細明體"/>
+                <a:ea typeface="新細明體"/>
+              </a:rPr>
+              <a:t>(</a:t>
+            </a:r>
+            <a:r>
+              <a:rPr lang="zh-TW" altLang="en-US" sz="2400">
+                <a:latin typeface="新細明體"/>
+                <a:ea typeface="新細明體"/>
+              </a:rPr>
+              <a:t>到期通知函</a:t>
+            </a:r>
+            <a:r>
+              <a:rPr lang="en-US" altLang="zh-TW" sz="2400" dirty="0">
+                <a:latin typeface="新細明體"/>
+                <a:ea typeface="新細明體"/>
+              </a:rPr>
+              <a:t>/</a:t>
+            </a:r>
+            <a:r>
+              <a:rPr lang="zh-TW" altLang="en-US" sz="2400">
+                <a:latin typeface="新細明體"/>
+                <a:ea typeface="新細明體"/>
+              </a:rPr>
+              <a:t>不續保通知函</a:t>
+            </a:r>
+            <a:r>
+              <a:rPr lang="en-US" altLang="zh-TW" sz="2400" dirty="0">
+                <a:latin typeface="新細明體"/>
+                <a:ea typeface="新細明體"/>
+              </a:rPr>
+              <a:t>)</a:t>
+            </a:r>
+            <a:endParaRPr lang="zh-TW" altLang="en-US" sz="2400" dirty="0">
+              <a:latin typeface="新細明體"/>
+              <a:ea typeface="新細明體"/>
+            </a:endParaRPr>
+          </a:p>
+          <a:p>
+            <a:pPr lvl="2">
+              <a:spcBef>
+                <a:spcPts val="300"/>
+              </a:spcBef>
+              <a:buClr>
+                <a:srgbClr val="E6B1AB"/>
+              </a:buClr>
+              <a:buFont typeface="Arial"/>
+              <a:buChar char="•"/>
+            </a:pPr>
+            <a:r>
+              <a:rPr lang="zh-TW" altLang="en-US" sz="2400" dirty="0">
+                <a:latin typeface="新細明體"/>
+                <a:ea typeface="新細明體"/>
+              </a:rPr>
+              <a:t> </a:t>
+            </a:r>
+            <a:r>
+              <a:rPr lang="zh-TW" sz="2400">
+                <a:latin typeface="新細明體"/>
+                <a:ea typeface="新細明體"/>
+              </a:rPr>
+              <a:t>+1天(保險契約終止通知函)</a:t>
+            </a:r>
+            <a:endParaRPr lang="zh-TW" altLang="en-US" sz="2400">
+              <a:latin typeface="新細明體"/>
+              <a:ea typeface="新細明體"/>
+            </a:endParaRPr>
+          </a:p>
+        </p:txBody>
+      </p:sp>
     </p:spTree>
     <p:extLst>
       <p:ext uri="{BB962C8B-B14F-4D97-AF65-F5344CB8AC3E}">
-        <p14:creationId xmlns:p14="http://schemas.microsoft.com/office/powerpoint/2010/main" val="3231598837"/>
+        <p14:creationId xmlns:p14="http://schemas.microsoft.com/office/powerpoint/2010/main" val="433796145"/>
       </p:ext>
     </p:extLst>
   </p:cSld>
